--- a/Presentazioni/Presentazione TB 12-03-2018.pptx
+++ b/Presentazioni/Presentazione TB 12-03-2018.pptx
@@ -135,6 +135,60 @@
 
 <file path=ppt/changesInfos/changesInfo1.xml><?xml version="1.0" encoding="utf-8"?>
 <pc:chgInfo xmlns:a="http://schemas.openxmlformats.org/drawingml/2006/main" xmlns:r="http://schemas.openxmlformats.org/officeDocument/2006/relationships" xmlns:ac="http://schemas.microsoft.com/office/drawing/2013/main/command" xmlns:pc="http://schemas.microsoft.com/office/powerpoint/2013/main/command">
+  <pc:docChgLst>
+    <pc:chgData name="cristiano tessarolo" userId="c36b394d4ec160dc" providerId="LiveId" clId="{9F46EE5B-20A5-466C-AF13-2ED8986986BE}"/>
+    <pc:docChg chg="modSld">
+      <pc:chgData name="cristiano tessarolo" userId="c36b394d4ec160dc" providerId="LiveId" clId="{9F46EE5B-20A5-466C-AF13-2ED8986986BE}" dt="2018-03-11T20:13:09.947" v="14" actId="20577"/>
+      <pc:docMkLst>
+        <pc:docMk/>
+      </pc:docMkLst>
+      <pc:sldChg chg="modSp">
+        <pc:chgData name="cristiano tessarolo" userId="c36b394d4ec160dc" providerId="LiveId" clId="{9F46EE5B-20A5-466C-AF13-2ED8986986BE}" dt="2018-03-11T20:11:42.721" v="9" actId="20577"/>
+        <pc:sldMkLst>
+          <pc:docMk/>
+          <pc:sldMk cId="880785354" sldId="274"/>
+        </pc:sldMkLst>
+        <pc:spChg chg="mod">
+          <ac:chgData name="cristiano tessarolo" userId="c36b394d4ec160dc" providerId="LiveId" clId="{9F46EE5B-20A5-466C-AF13-2ED8986986BE}" dt="2018-03-11T20:11:42.721" v="9" actId="20577"/>
+          <ac:spMkLst>
+            <pc:docMk/>
+            <pc:sldMk cId="880785354" sldId="274"/>
+            <ac:spMk id="22" creationId="{00000000-0000-0000-0000-000000000000}"/>
+          </ac:spMkLst>
+        </pc:spChg>
+      </pc:sldChg>
+      <pc:sldChg chg="modSp">
+        <pc:chgData name="cristiano tessarolo" userId="c36b394d4ec160dc" providerId="LiveId" clId="{9F46EE5B-20A5-466C-AF13-2ED8986986BE}" dt="2018-03-11T20:12:04.564" v="11" actId="20577"/>
+        <pc:sldMkLst>
+          <pc:docMk/>
+          <pc:sldMk cId="1724116705" sldId="275"/>
+        </pc:sldMkLst>
+        <pc:spChg chg="mod">
+          <ac:chgData name="cristiano tessarolo" userId="c36b394d4ec160dc" providerId="LiveId" clId="{9F46EE5B-20A5-466C-AF13-2ED8986986BE}" dt="2018-03-11T20:12:04.564" v="11" actId="20577"/>
+          <ac:spMkLst>
+            <pc:docMk/>
+            <pc:sldMk cId="1724116705" sldId="275"/>
+            <ac:spMk id="22" creationId="{AA7B4823-5E00-45D9-BB18-2268D6E78B80}"/>
+          </ac:spMkLst>
+        </pc:spChg>
+      </pc:sldChg>
+      <pc:sldChg chg="modSp">
+        <pc:chgData name="cristiano tessarolo" userId="c36b394d4ec160dc" providerId="LiveId" clId="{9F46EE5B-20A5-466C-AF13-2ED8986986BE}" dt="2018-03-11T20:13:09.947" v="14" actId="20577"/>
+        <pc:sldMkLst>
+          <pc:docMk/>
+          <pc:sldMk cId="704870328" sldId="290"/>
+        </pc:sldMkLst>
+        <pc:spChg chg="mod">
+          <ac:chgData name="cristiano tessarolo" userId="c36b394d4ec160dc" providerId="LiveId" clId="{9F46EE5B-20A5-466C-AF13-2ED8986986BE}" dt="2018-03-11T20:13:09.947" v="14" actId="20577"/>
+          <ac:spMkLst>
+            <pc:docMk/>
+            <pc:sldMk cId="704870328" sldId="290"/>
+            <ac:spMk id="3" creationId="{00000000-0000-0000-0000-000000000000}"/>
+          </ac:spMkLst>
+        </pc:spChg>
+      </pc:sldChg>
+    </pc:docChg>
+  </pc:docChgLst>
   <pc:docChgLst>
     <pc:chgData name="cristiano tessarolo" userId="c36b394d4ec160dc" providerId="LiveId" clId="{B12DCD2D-90DD-4630-86F7-6D0F9E496DC7}"/>
     <pc:docChg chg="modSld">
@@ -19841,20 +19895,12 @@
               </a:spcAft>
             </a:pPr>
             <a:r>
-              <a:rPr lang="it-IT" sz="2200" dirty="0">
+              <a:rPr lang="it-IT" sz="2200">
                 <a:solidFill>
                   <a:schemeClr val="bg1"/>
                 </a:solidFill>
               </a:rPr>
-              <a:t>per </a:t>
-            </a:r>
-            <a:r>
-              <a:rPr lang="it-IT" sz="2200" dirty="0" err="1">
-                <a:solidFill>
-                  <a:schemeClr val="bg1"/>
-                </a:solidFill>
-              </a:rPr>
-              <a:t>estarre</a:t>
+              <a:t>per estrarre </a:t>
             </a:r>
             <a:r>
               <a:rPr lang="it-IT" sz="2200" dirty="0">
@@ -19862,23 +19908,7 @@
                   <a:schemeClr val="bg1"/>
                 </a:solidFill>
               </a:rPr>
-              <a:t> la relation </a:t>
-            </a:r>
-            <a:r>
-              <a:rPr lang="it-IT" sz="2200" dirty="0" err="1">
-                <a:solidFill>
-                  <a:schemeClr val="bg1"/>
-                </a:solidFill>
-              </a:rPr>
-              <a:t>token</a:t>
-            </a:r>
-            <a:r>
-              <a:rPr lang="it-IT" sz="2200" dirty="0">
-                <a:solidFill>
-                  <a:schemeClr val="bg1"/>
-                </a:solidFill>
-              </a:rPr>
-              <a:t> e la stampa sotto forma di grafo insieme all'input normalizzato in lettere minuscole. </a:t>
+              <a:t>la relation token e la stampa sotto forma di grafo insieme all'input normalizzato in lettere minuscole. </a:t>
             </a:r>
           </a:p>
           <a:p>
@@ -25593,7 +25623,7 @@
               </a:ln>
               <a:extLst>
                 <a:ext uri="{91240B29-F687-4f45-9708-019B960494DF}">
-                  <a14:hiddenLine xmlns="" xmlns:a14="http://schemas.microsoft.com/office/drawing/2010/main" w="9525">
+                  <a14:hiddenLine xmlns:a14="http://schemas.microsoft.com/office/drawing/2010/main" xmlns="" w="9525">
                     <a:solidFill>
                       <a:srgbClr val="000000"/>
                     </a:solidFill>
@@ -25728,7 +25758,7 @@
               </a:ln>
               <a:extLst>
                 <a:ext uri="{91240B29-F687-4f45-9708-019B960494DF}">
-                  <a14:hiddenLine xmlns="" xmlns:a14="http://schemas.microsoft.com/office/drawing/2010/main" w="9525">
+                  <a14:hiddenLine xmlns:a14="http://schemas.microsoft.com/office/drawing/2010/main" xmlns="" w="9525">
                     <a:solidFill>
                       <a:srgbClr val="000000"/>
                     </a:solidFill>
@@ -25831,7 +25861,7 @@
               </a:ln>
               <a:extLst>
                 <a:ext uri="{91240B29-F687-4f45-9708-019B960494DF}">
-                  <a14:hiddenLine xmlns="" xmlns:a14="http://schemas.microsoft.com/office/drawing/2010/main" w="9525">
+                  <a14:hiddenLine xmlns:a14="http://schemas.microsoft.com/office/drawing/2010/main" xmlns="" w="9525">
                     <a:solidFill>
                       <a:srgbClr val="000000"/>
                     </a:solidFill>
@@ -25975,7 +26005,7 @@
               </a:ln>
               <a:extLst>
                 <a:ext uri="{91240B29-F687-4f45-9708-019B960494DF}">
-                  <a14:hiddenLine xmlns="" xmlns:a14="http://schemas.microsoft.com/office/drawing/2010/main" w="9525">
+                  <a14:hiddenLine xmlns:a14="http://schemas.microsoft.com/office/drawing/2010/main" xmlns="" w="9525">
                     <a:solidFill>
                       <a:srgbClr val="000000"/>
                     </a:solidFill>
@@ -26165,7 +26195,7 @@
               </a:ln>
               <a:extLst>
                 <a:ext uri="{91240B29-F687-4f45-9708-019B960494DF}">
-                  <a14:hiddenLine xmlns="" xmlns:a14="http://schemas.microsoft.com/office/drawing/2010/main" w="9525">
+                  <a14:hiddenLine xmlns:a14="http://schemas.microsoft.com/office/drawing/2010/main" xmlns="" w="9525">
                     <a:solidFill>
                       <a:srgbClr val="000000"/>
                     </a:solidFill>
@@ -40679,7 +40709,7 @@
                   </a:outerShdw>
                 </a:effectLst>
               </a:rPr>
-              <a:t> non supporta (o non supporta completamente) alcuni software di utilizzo comune o selezionati dal gruppo per ni organizzativi</a:t>
+              <a:t> non supporta (o non supporta completamente) alcuni software di utilizzo comune o selezionati dal gruppo per fini organizzativi</a:t>
             </a:r>
           </a:p>
         </p:txBody>
@@ -43659,7 +43689,7 @@
               <a:buChar char="§"/>
             </a:pPr>
             <a:r>
-              <a:rPr kumimoji="1" lang="it-IT" sz="2000" dirty="0" err="1">
+              <a:rPr kumimoji="1" lang="it-IT" sz="2000" dirty="0">
                 <a:solidFill>
                   <a:schemeClr val="bg1"/>
                 </a:solidFill>
@@ -43671,22 +43701,7 @@
                   </a:outerShdw>
                 </a:effectLst>
               </a:rPr>
-              <a:t>Semplicita</a:t>
-            </a:r>
-            <a:r>
-              <a:rPr kumimoji="1" lang="it-IT" sz="2000" dirty="0">
-                <a:solidFill>
-                  <a:schemeClr val="bg1"/>
-                </a:solidFill>
-                <a:effectLst>
-                  <a:outerShdw blurRad="38100" dist="38100" dir="2700000" algn="tl">
-                    <a:srgbClr val="000000">
-                      <a:alpha val="43137"/>
-                    </a:srgbClr>
-                  </a:outerShdw>
-                </a:effectLst>
-              </a:rPr>
-              <a:t> d’uso</a:t>
+              <a:t>Semplicità d’uso</a:t>
             </a:r>
           </a:p>
           <a:p>

--- a/Presentazioni/Presentazione TB 12-03-2018.pptx
+++ b/Presentazioni/Presentazione TB 12-03-2018.pptx
@@ -13,8 +13,8 @@
     <p:sldId id="282" r:id="rId4"/>
     <p:sldId id="271" r:id="rId5"/>
     <p:sldId id="272" r:id="rId6"/>
-    <p:sldId id="273" r:id="rId7"/>
-    <p:sldId id="274" r:id="rId8"/>
+    <p:sldId id="274" r:id="rId7"/>
+    <p:sldId id="273" r:id="rId8"/>
     <p:sldId id="275" r:id="rId9"/>
     <p:sldId id="290" r:id="rId10"/>
     <p:sldId id="291" r:id="rId11"/>
@@ -9611,7 +9611,7 @@
               </a:ln>
               <a:extLst>
                 <a:ext uri="{91240B29-F687-4f45-9708-019B960494DF}">
-                  <a14:hiddenLine xmlns="" xmlns:a14="http://schemas.microsoft.com/office/drawing/2010/main" w="9525">
+                  <a14:hiddenLine xmlns:a14="http://schemas.microsoft.com/office/drawing/2010/main" xmlns="" w="9525">
                     <a:solidFill>
                       <a:srgbClr val="000000"/>
                     </a:solidFill>
@@ -9746,7 +9746,7 @@
               </a:ln>
               <a:extLst>
                 <a:ext uri="{91240B29-F687-4f45-9708-019B960494DF}">
-                  <a14:hiddenLine xmlns="" xmlns:a14="http://schemas.microsoft.com/office/drawing/2010/main" w="9525">
+                  <a14:hiddenLine xmlns:a14="http://schemas.microsoft.com/office/drawing/2010/main" xmlns="" w="9525">
                     <a:solidFill>
                       <a:srgbClr val="000000"/>
                     </a:solidFill>
@@ -9849,7 +9849,7 @@
               </a:ln>
               <a:extLst>
                 <a:ext uri="{91240B29-F687-4f45-9708-019B960494DF}">
-                  <a14:hiddenLine xmlns="" xmlns:a14="http://schemas.microsoft.com/office/drawing/2010/main" w="9525">
+                  <a14:hiddenLine xmlns:a14="http://schemas.microsoft.com/office/drawing/2010/main" xmlns="" w="9525">
                     <a:solidFill>
                       <a:srgbClr val="000000"/>
                     </a:solidFill>
@@ -9993,7 +9993,7 @@
               </a:ln>
               <a:extLst>
                 <a:ext uri="{91240B29-F687-4f45-9708-019B960494DF}">
-                  <a14:hiddenLine xmlns="" xmlns:a14="http://schemas.microsoft.com/office/drawing/2010/main" w="9525">
+                  <a14:hiddenLine xmlns:a14="http://schemas.microsoft.com/office/drawing/2010/main" xmlns="" w="9525">
                     <a:solidFill>
                       <a:srgbClr val="000000"/>
                     </a:solidFill>
@@ -10183,7 +10183,7 @@
               </a:ln>
               <a:extLst>
                 <a:ext uri="{91240B29-F687-4f45-9708-019B960494DF}">
-                  <a14:hiddenLine xmlns="" xmlns:a14="http://schemas.microsoft.com/office/drawing/2010/main" w="9525">
+                  <a14:hiddenLine xmlns:a14="http://schemas.microsoft.com/office/drawing/2010/main" xmlns="" w="9525">
                     <a:solidFill>
                       <a:srgbClr val="000000"/>
                     </a:solidFill>
@@ -11193,7 +11193,37 @@
                   </a:outerShdw>
                 </a:effectLst>
               </a:rPr>
-              <a:t>	CMAKE v3.10.2</a:t>
+              <a:t>	 </a:t>
+            </a:r>
+            <a:r>
+              <a:rPr kumimoji="1" lang="it-IT" sz="2400" dirty="0" err="1">
+                <a:solidFill>
+                  <a:schemeClr val="bg1"/>
+                </a:solidFill>
+                <a:effectLst>
+                  <a:outerShdw blurRad="38100" dist="38100" dir="2700000" algn="tl">
+                    <a:srgbClr val="000000">
+                      <a:alpha val="43137"/>
+                    </a:srgbClr>
+                  </a:outerShdw>
+                </a:effectLst>
+              </a:rPr>
+              <a:t>Ubuntu</a:t>
+            </a:r>
+            <a:r>
+              <a:rPr kumimoji="1" lang="it-IT" sz="2400" dirty="0">
+                <a:solidFill>
+                  <a:schemeClr val="bg1"/>
+                </a:solidFill>
+                <a:effectLst>
+                  <a:outerShdw blurRad="38100" dist="38100" dir="2700000" algn="tl">
+                    <a:srgbClr val="000000">
+                      <a:alpha val="43137"/>
+                    </a:srgbClr>
+                  </a:outerShdw>
+                </a:effectLst>
+              </a:rPr>
+              <a:t> v16.04.3 LTS</a:t>
             </a:r>
           </a:p>
           <a:p>
@@ -11221,37 +11251,7 @@
                   </a:outerShdw>
                 </a:effectLst>
               </a:rPr>
-              <a:t>		</a:t>
-            </a:r>
-            <a:r>
-              <a:rPr kumimoji="1" lang="it-IT" sz="2400" dirty="0" err="1">
-                <a:solidFill>
-                  <a:schemeClr val="bg1"/>
-                </a:solidFill>
-                <a:effectLst>
-                  <a:outerShdw blurRad="38100" dist="38100" dir="2700000" algn="tl">
-                    <a:srgbClr val="000000">
-                      <a:alpha val="43137"/>
-                    </a:srgbClr>
-                  </a:outerShdw>
-                </a:effectLst>
-              </a:rPr>
-              <a:t>Ubuntu</a:t>
-            </a:r>
-            <a:r>
-              <a:rPr kumimoji="1" lang="it-IT" sz="2400" dirty="0">
-                <a:solidFill>
-                  <a:schemeClr val="bg1"/>
-                </a:solidFill>
-                <a:effectLst>
-                  <a:outerShdw blurRad="38100" dist="38100" dir="2700000" algn="tl">
-                    <a:srgbClr val="000000">
-                      <a:alpha val="43137"/>
-                    </a:srgbClr>
-                  </a:outerShdw>
-                </a:effectLst>
-              </a:rPr>
-              <a:t> v16.04.3 LTS</a:t>
+              <a:t>		 CMAKE v3.10.2</a:t>
             </a:r>
           </a:p>
           <a:p>
@@ -17656,7 +17656,7 @@
         <p:spPr>
           <a:xfrm>
             <a:off x="1164770" y="480580"/>
-            <a:ext cx="1648785" cy="707886"/>
+            <a:ext cx="1795876" cy="707886"/>
           </a:xfrm>
           <a:prstGeom prst="rect">
             <a:avLst/>
@@ -17678,7 +17678,7 @@
                   </a:outerShdw>
                 </a:effectLst>
               </a:rPr>
-              <a:t>CMake</a:t>
+              <a:t>Ubuntu</a:t>
             </a:r>
             <a:endParaRPr lang="it-IT" sz="4000" dirty="0"/>
           </a:p>
@@ -17867,6 +17867,2945 @@
                 </a:solidFill>
               </a:rPr>
               <a:t>6/14</a:t>
+            </a:r>
+            <a:endParaRPr lang="zh-CN" altLang="en-US" sz="2000" dirty="0">
+              <a:solidFill>
+                <a:schemeClr val="bg1"/>
+              </a:solidFill>
+            </a:endParaRPr>
+          </a:p>
+        </p:txBody>
+      </p:sp>
+      <p:sp>
+        <p:nvSpPr>
+          <p:cNvPr id="10" name="Rettangolo 9"/>
+          <p:cNvSpPr/>
+          <p:nvPr/>
+        </p:nvSpPr>
+        <p:spPr>
+          <a:xfrm>
+            <a:off x="1225575" y="1656846"/>
+            <a:ext cx="6691748" cy="1154162"/>
+          </a:xfrm>
+          <a:prstGeom prst="rect">
+            <a:avLst/>
+          </a:prstGeom>
+          <a:noFill/>
+        </p:spPr>
+        <p:txBody>
+          <a:bodyPr wrap="square" rtlCol="0">
+            <a:spAutoFit/>
+          </a:bodyPr>
+          <a:lstStyle/>
+          <a:p>
+            <a:pPr algn="just">
+              <a:spcAft>
+                <a:spcPts val="600"/>
+              </a:spcAft>
+              <a:buClr>
+                <a:srgbClr val="FFC000"/>
+              </a:buClr>
+            </a:pPr>
+            <a:r>
+              <a:rPr kumimoji="1" lang="it-IT" sz="2400" b="1" dirty="0">
+                <a:solidFill>
+                  <a:schemeClr val="accent4">
+                    <a:lumMod val="75000"/>
+                  </a:schemeClr>
+                </a:solidFill>
+                <a:effectLst>
+                  <a:outerShdw blurRad="38100" dist="38100" dir="2700000" algn="tl">
+                    <a:srgbClr val="000000">
+                      <a:alpha val="43137"/>
+                    </a:srgbClr>
+                  </a:outerShdw>
+                </a:effectLst>
+              </a:rPr>
+              <a:t>Tecnologie concorrenziali</a:t>
+            </a:r>
+          </a:p>
+          <a:p>
+            <a:pPr marL="342900" indent="-342900" algn="just">
+              <a:buClr>
+                <a:srgbClr val="FFC000"/>
+              </a:buClr>
+              <a:buFont typeface="Wingdings" charset="2"/>
+              <a:buChar char="§"/>
+            </a:pPr>
+            <a:r>
+              <a:rPr kumimoji="1" lang="it-IT" sz="2000" dirty="0">
+                <a:solidFill>
+                  <a:schemeClr val="bg1"/>
+                </a:solidFill>
+                <a:effectLst>
+                  <a:outerShdw blurRad="38100" dist="38100" dir="2700000" algn="tl">
+                    <a:srgbClr val="000000">
+                      <a:alpha val="43137"/>
+                    </a:srgbClr>
+                  </a:outerShdw>
+                </a:effectLst>
+              </a:rPr>
+              <a:t>Microsoft Windows</a:t>
+            </a:r>
+          </a:p>
+          <a:p>
+            <a:pPr marL="342900" indent="-342900" algn="just">
+              <a:buClr>
+                <a:srgbClr val="FFC000"/>
+              </a:buClr>
+              <a:buFont typeface="Wingdings" charset="2"/>
+              <a:buChar char="§"/>
+            </a:pPr>
+            <a:r>
+              <a:rPr kumimoji="1" lang="it-IT" sz="2000" dirty="0">
+                <a:solidFill>
+                  <a:schemeClr val="bg1"/>
+                </a:solidFill>
+                <a:effectLst>
+                  <a:outerShdw blurRad="38100" dist="38100" dir="2700000" algn="tl">
+                    <a:srgbClr val="000000">
+                      <a:alpha val="43137"/>
+                    </a:srgbClr>
+                  </a:outerShdw>
+                </a:effectLst>
+              </a:rPr>
+              <a:t>Apple </a:t>
+            </a:r>
+            <a:r>
+              <a:rPr kumimoji="1" lang="it-IT" sz="2000" dirty="0" err="1">
+                <a:solidFill>
+                  <a:schemeClr val="bg1"/>
+                </a:solidFill>
+                <a:effectLst>
+                  <a:outerShdw blurRad="38100" dist="38100" dir="2700000" algn="tl">
+                    <a:srgbClr val="000000">
+                      <a:alpha val="43137"/>
+                    </a:srgbClr>
+                  </a:outerShdw>
+                </a:effectLst>
+              </a:rPr>
+              <a:t>MacOs</a:t>
+            </a:r>
+            <a:endParaRPr kumimoji="1" lang="it-IT" sz="2000" dirty="0">
+              <a:solidFill>
+                <a:schemeClr val="bg1"/>
+              </a:solidFill>
+              <a:effectLst>
+                <a:outerShdw blurRad="38100" dist="38100" dir="2700000" algn="tl">
+                  <a:srgbClr val="000000">
+                    <a:alpha val="43137"/>
+                  </a:srgbClr>
+                </a:outerShdw>
+              </a:effectLst>
+            </a:endParaRPr>
+          </a:p>
+        </p:txBody>
+      </p:sp>
+      <p:grpSp>
+        <p:nvGrpSpPr>
+          <p:cNvPr id="11" name="Gruppo 10"/>
+          <p:cNvGrpSpPr/>
+          <p:nvPr/>
+        </p:nvGrpSpPr>
+        <p:grpSpPr>
+          <a:xfrm>
+            <a:off x="287565" y="1591739"/>
+            <a:ext cx="720884" cy="720884"/>
+            <a:chOff x="419848" y="2142869"/>
+            <a:chExt cx="720884" cy="720884"/>
+          </a:xfrm>
+        </p:grpSpPr>
+        <p:grpSp>
+          <p:nvGrpSpPr>
+            <p:cNvPr id="13" name="组 23"/>
+            <p:cNvGrpSpPr/>
+            <p:nvPr/>
+          </p:nvGrpSpPr>
+          <p:grpSpPr>
+            <a:xfrm>
+              <a:off x="531246" y="2331340"/>
+              <a:ext cx="477203" cy="357188"/>
+              <a:chOff x="6018213" y="1143000"/>
+              <a:chExt cx="530225" cy="396875"/>
+            </a:xfrm>
+            <a:solidFill>
+              <a:schemeClr val="bg1"/>
+            </a:solidFill>
+          </p:grpSpPr>
+          <p:sp>
+            <p:nvSpPr>
+              <p:cNvPr id="15" name="Freeform 149"/>
+              <p:cNvSpPr>
+                <a:spLocks/>
+              </p:cNvSpPr>
+              <p:nvPr/>
+            </p:nvSpPr>
+            <p:spPr bwMode="auto">
+              <a:xfrm>
+                <a:off x="6094413" y="1314450"/>
+                <a:ext cx="269875" cy="25400"/>
+              </a:xfrm>
+              <a:custGeom>
+                <a:avLst/>
+                <a:gdLst/>
+                <a:ahLst/>
+                <a:cxnLst>
+                  <a:cxn ang="0">
+                    <a:pos x="162" y="0"/>
+                  </a:cxn>
+                  <a:cxn ang="0">
+                    <a:pos x="8" y="0"/>
+                  </a:cxn>
+                  <a:cxn ang="0">
+                    <a:pos x="8" y="0"/>
+                  </a:cxn>
+                  <a:cxn ang="0">
+                    <a:pos x="4" y="0"/>
+                  </a:cxn>
+                  <a:cxn ang="0">
+                    <a:pos x="2" y="2"/>
+                  </a:cxn>
+                  <a:cxn ang="0">
+                    <a:pos x="0" y="4"/>
+                  </a:cxn>
+                  <a:cxn ang="0">
+                    <a:pos x="0" y="8"/>
+                  </a:cxn>
+                  <a:cxn ang="0">
+                    <a:pos x="0" y="8"/>
+                  </a:cxn>
+                  <a:cxn ang="0">
+                    <a:pos x="0" y="10"/>
+                  </a:cxn>
+                  <a:cxn ang="0">
+                    <a:pos x="2" y="12"/>
+                  </a:cxn>
+                  <a:cxn ang="0">
+                    <a:pos x="4" y="14"/>
+                  </a:cxn>
+                  <a:cxn ang="0">
+                    <a:pos x="8" y="16"/>
+                  </a:cxn>
+                  <a:cxn ang="0">
+                    <a:pos x="162" y="16"/>
+                  </a:cxn>
+                  <a:cxn ang="0">
+                    <a:pos x="162" y="16"/>
+                  </a:cxn>
+                  <a:cxn ang="0">
+                    <a:pos x="166" y="14"/>
+                  </a:cxn>
+                  <a:cxn ang="0">
+                    <a:pos x="168" y="12"/>
+                  </a:cxn>
+                  <a:cxn ang="0">
+                    <a:pos x="170" y="10"/>
+                  </a:cxn>
+                  <a:cxn ang="0">
+                    <a:pos x="170" y="8"/>
+                  </a:cxn>
+                  <a:cxn ang="0">
+                    <a:pos x="170" y="8"/>
+                  </a:cxn>
+                  <a:cxn ang="0">
+                    <a:pos x="170" y="4"/>
+                  </a:cxn>
+                  <a:cxn ang="0">
+                    <a:pos x="168" y="2"/>
+                  </a:cxn>
+                  <a:cxn ang="0">
+                    <a:pos x="166" y="0"/>
+                  </a:cxn>
+                  <a:cxn ang="0">
+                    <a:pos x="162" y="0"/>
+                  </a:cxn>
+                  <a:cxn ang="0">
+                    <a:pos x="162" y="0"/>
+                  </a:cxn>
+                </a:cxnLst>
+                <a:rect l="0" t="0" r="r" b="b"/>
+                <a:pathLst>
+                  <a:path w="170" h="16">
+                    <a:moveTo>
+                      <a:pt x="162" y="0"/>
+                    </a:moveTo>
+                    <a:lnTo>
+                      <a:pt x="8" y="0"/>
+                    </a:lnTo>
+                    <a:lnTo>
+                      <a:pt x="8" y="0"/>
+                    </a:lnTo>
+                    <a:lnTo>
+                      <a:pt x="4" y="0"/>
+                    </a:lnTo>
+                    <a:lnTo>
+                      <a:pt x="2" y="2"/>
+                    </a:lnTo>
+                    <a:lnTo>
+                      <a:pt x="0" y="4"/>
+                    </a:lnTo>
+                    <a:lnTo>
+                      <a:pt x="0" y="8"/>
+                    </a:lnTo>
+                    <a:lnTo>
+                      <a:pt x="0" y="8"/>
+                    </a:lnTo>
+                    <a:lnTo>
+                      <a:pt x="0" y="10"/>
+                    </a:lnTo>
+                    <a:lnTo>
+                      <a:pt x="2" y="12"/>
+                    </a:lnTo>
+                    <a:lnTo>
+                      <a:pt x="4" y="14"/>
+                    </a:lnTo>
+                    <a:lnTo>
+                      <a:pt x="8" y="16"/>
+                    </a:lnTo>
+                    <a:lnTo>
+                      <a:pt x="162" y="16"/>
+                    </a:lnTo>
+                    <a:lnTo>
+                      <a:pt x="162" y="16"/>
+                    </a:lnTo>
+                    <a:lnTo>
+                      <a:pt x="166" y="14"/>
+                    </a:lnTo>
+                    <a:lnTo>
+                      <a:pt x="168" y="12"/>
+                    </a:lnTo>
+                    <a:lnTo>
+                      <a:pt x="170" y="10"/>
+                    </a:lnTo>
+                    <a:lnTo>
+                      <a:pt x="170" y="8"/>
+                    </a:lnTo>
+                    <a:lnTo>
+                      <a:pt x="170" y="8"/>
+                    </a:lnTo>
+                    <a:lnTo>
+                      <a:pt x="170" y="4"/>
+                    </a:lnTo>
+                    <a:lnTo>
+                      <a:pt x="168" y="2"/>
+                    </a:lnTo>
+                    <a:lnTo>
+                      <a:pt x="166" y="0"/>
+                    </a:lnTo>
+                    <a:lnTo>
+                      <a:pt x="162" y="0"/>
+                    </a:lnTo>
+                    <a:lnTo>
+                      <a:pt x="162" y="0"/>
+                    </a:lnTo>
+                    <a:close/>
+                  </a:path>
+                </a:pathLst>
+              </a:custGeom>
+              <a:grpFill/>
+              <a:ln w="9525">
+                <a:solidFill>
+                  <a:schemeClr val="bg1"/>
+                </a:solidFill>
+                <a:round/>
+                <a:headEnd/>
+                <a:tailEnd/>
+              </a:ln>
+            </p:spPr>
+            <p:txBody>
+              <a:bodyPr vert="horz" wrap="square" lIns="91440" tIns="45720" rIns="91440" bIns="45720" numCol="1" anchor="t" anchorCtr="0" compatLnSpc="1">
+                <a:prstTxWarp prst="textNoShape">
+                  <a:avLst/>
+                </a:prstTxWarp>
+              </a:bodyPr>
+              <a:lstStyle/>
+              <a:p>
+                <a:endParaRPr lang="zh-CN" altLang="en-US">
+                  <a:solidFill>
+                    <a:prstClr val="black"/>
+                  </a:solidFill>
+                </a:endParaRPr>
+              </a:p>
+            </p:txBody>
+          </p:sp>
+          <p:sp>
+            <p:nvSpPr>
+              <p:cNvPr id="16" name="Freeform 150"/>
+              <p:cNvSpPr>
+                <a:spLocks/>
+              </p:cNvSpPr>
+              <p:nvPr/>
+            </p:nvSpPr>
+            <p:spPr bwMode="auto">
+              <a:xfrm>
+                <a:off x="6094413" y="1384300"/>
+                <a:ext cx="269875" cy="25400"/>
+              </a:xfrm>
+              <a:custGeom>
+                <a:avLst/>
+                <a:gdLst/>
+                <a:ahLst/>
+                <a:cxnLst>
+                  <a:cxn ang="0">
+                    <a:pos x="162" y="0"/>
+                  </a:cxn>
+                  <a:cxn ang="0">
+                    <a:pos x="8" y="0"/>
+                  </a:cxn>
+                  <a:cxn ang="0">
+                    <a:pos x="8" y="0"/>
+                  </a:cxn>
+                  <a:cxn ang="0">
+                    <a:pos x="4" y="2"/>
+                  </a:cxn>
+                  <a:cxn ang="0">
+                    <a:pos x="2" y="2"/>
+                  </a:cxn>
+                  <a:cxn ang="0">
+                    <a:pos x="0" y="6"/>
+                  </a:cxn>
+                  <a:cxn ang="0">
+                    <a:pos x="0" y="8"/>
+                  </a:cxn>
+                  <a:cxn ang="0">
+                    <a:pos x="0" y="8"/>
+                  </a:cxn>
+                  <a:cxn ang="0">
+                    <a:pos x="0" y="12"/>
+                  </a:cxn>
+                  <a:cxn ang="0">
+                    <a:pos x="2" y="14"/>
+                  </a:cxn>
+                  <a:cxn ang="0">
+                    <a:pos x="4" y="16"/>
+                  </a:cxn>
+                  <a:cxn ang="0">
+                    <a:pos x="8" y="16"/>
+                  </a:cxn>
+                  <a:cxn ang="0">
+                    <a:pos x="162" y="16"/>
+                  </a:cxn>
+                  <a:cxn ang="0">
+                    <a:pos x="162" y="16"/>
+                  </a:cxn>
+                  <a:cxn ang="0">
+                    <a:pos x="166" y="16"/>
+                  </a:cxn>
+                  <a:cxn ang="0">
+                    <a:pos x="168" y="14"/>
+                  </a:cxn>
+                  <a:cxn ang="0">
+                    <a:pos x="170" y="12"/>
+                  </a:cxn>
+                  <a:cxn ang="0">
+                    <a:pos x="170" y="8"/>
+                  </a:cxn>
+                  <a:cxn ang="0">
+                    <a:pos x="170" y="8"/>
+                  </a:cxn>
+                  <a:cxn ang="0">
+                    <a:pos x="170" y="6"/>
+                  </a:cxn>
+                  <a:cxn ang="0">
+                    <a:pos x="168" y="2"/>
+                  </a:cxn>
+                  <a:cxn ang="0">
+                    <a:pos x="166" y="2"/>
+                  </a:cxn>
+                  <a:cxn ang="0">
+                    <a:pos x="162" y="0"/>
+                  </a:cxn>
+                  <a:cxn ang="0">
+                    <a:pos x="162" y="0"/>
+                  </a:cxn>
+                </a:cxnLst>
+                <a:rect l="0" t="0" r="r" b="b"/>
+                <a:pathLst>
+                  <a:path w="170" h="16">
+                    <a:moveTo>
+                      <a:pt x="162" y="0"/>
+                    </a:moveTo>
+                    <a:lnTo>
+                      <a:pt x="8" y="0"/>
+                    </a:lnTo>
+                    <a:lnTo>
+                      <a:pt x="8" y="0"/>
+                    </a:lnTo>
+                    <a:lnTo>
+                      <a:pt x="4" y="2"/>
+                    </a:lnTo>
+                    <a:lnTo>
+                      <a:pt x="2" y="2"/>
+                    </a:lnTo>
+                    <a:lnTo>
+                      <a:pt x="0" y="6"/>
+                    </a:lnTo>
+                    <a:lnTo>
+                      <a:pt x="0" y="8"/>
+                    </a:lnTo>
+                    <a:lnTo>
+                      <a:pt x="0" y="8"/>
+                    </a:lnTo>
+                    <a:lnTo>
+                      <a:pt x="0" y="12"/>
+                    </a:lnTo>
+                    <a:lnTo>
+                      <a:pt x="2" y="14"/>
+                    </a:lnTo>
+                    <a:lnTo>
+                      <a:pt x="4" y="16"/>
+                    </a:lnTo>
+                    <a:lnTo>
+                      <a:pt x="8" y="16"/>
+                    </a:lnTo>
+                    <a:lnTo>
+                      <a:pt x="162" y="16"/>
+                    </a:lnTo>
+                    <a:lnTo>
+                      <a:pt x="162" y="16"/>
+                    </a:lnTo>
+                    <a:lnTo>
+                      <a:pt x="166" y="16"/>
+                    </a:lnTo>
+                    <a:lnTo>
+                      <a:pt x="168" y="14"/>
+                    </a:lnTo>
+                    <a:lnTo>
+                      <a:pt x="170" y="12"/>
+                    </a:lnTo>
+                    <a:lnTo>
+                      <a:pt x="170" y="8"/>
+                    </a:lnTo>
+                    <a:lnTo>
+                      <a:pt x="170" y="8"/>
+                    </a:lnTo>
+                    <a:lnTo>
+                      <a:pt x="170" y="6"/>
+                    </a:lnTo>
+                    <a:lnTo>
+                      <a:pt x="168" y="2"/>
+                    </a:lnTo>
+                    <a:lnTo>
+                      <a:pt x="166" y="2"/>
+                    </a:lnTo>
+                    <a:lnTo>
+                      <a:pt x="162" y="0"/>
+                    </a:lnTo>
+                    <a:lnTo>
+                      <a:pt x="162" y="0"/>
+                    </a:lnTo>
+                    <a:close/>
+                  </a:path>
+                </a:pathLst>
+              </a:custGeom>
+              <a:grpFill/>
+              <a:ln w="9525">
+                <a:solidFill>
+                  <a:schemeClr val="bg1"/>
+                </a:solidFill>
+                <a:round/>
+                <a:headEnd/>
+                <a:tailEnd/>
+              </a:ln>
+            </p:spPr>
+            <p:txBody>
+              <a:bodyPr vert="horz" wrap="square" lIns="91440" tIns="45720" rIns="91440" bIns="45720" numCol="1" anchor="t" anchorCtr="0" compatLnSpc="1">
+                <a:prstTxWarp prst="textNoShape">
+                  <a:avLst/>
+                </a:prstTxWarp>
+              </a:bodyPr>
+              <a:lstStyle/>
+              <a:p>
+                <a:endParaRPr lang="zh-CN" altLang="en-US">
+                  <a:solidFill>
+                    <a:prstClr val="black"/>
+                  </a:solidFill>
+                </a:endParaRPr>
+              </a:p>
+            </p:txBody>
+          </p:sp>
+          <p:sp>
+            <p:nvSpPr>
+              <p:cNvPr id="17" name="Freeform 151"/>
+              <p:cNvSpPr>
+                <a:spLocks noEditPoints="1"/>
+              </p:cNvSpPr>
+              <p:nvPr/>
+            </p:nvSpPr>
+            <p:spPr bwMode="auto">
+              <a:xfrm>
+                <a:off x="6018213" y="1219200"/>
+                <a:ext cx="428625" cy="320675"/>
+              </a:xfrm>
+              <a:custGeom>
+                <a:avLst/>
+                <a:gdLst/>
+                <a:ahLst/>
+                <a:cxnLst>
+                  <a:cxn ang="0">
+                    <a:pos x="96" y="0"/>
+                  </a:cxn>
+                  <a:cxn ang="0">
+                    <a:pos x="20" y="0"/>
+                  </a:cxn>
+                  <a:cxn ang="0">
+                    <a:pos x="12" y="2"/>
+                  </a:cxn>
+                  <a:cxn ang="0">
+                    <a:pos x="0" y="14"/>
+                  </a:cxn>
+                  <a:cxn ang="0">
+                    <a:pos x="0" y="156"/>
+                  </a:cxn>
+                  <a:cxn ang="0">
+                    <a:pos x="0" y="164"/>
+                  </a:cxn>
+                  <a:cxn ang="0">
+                    <a:pos x="12" y="176"/>
+                  </a:cxn>
+                  <a:cxn ang="0">
+                    <a:pos x="178" y="176"/>
+                  </a:cxn>
+                  <a:cxn ang="0">
+                    <a:pos x="204" y="196"/>
+                  </a:cxn>
+                  <a:cxn ang="0">
+                    <a:pos x="208" y="198"/>
+                  </a:cxn>
+                  <a:cxn ang="0">
+                    <a:pos x="208" y="198"/>
+                  </a:cxn>
+                  <a:cxn ang="0">
+                    <a:pos x="218" y="202"/>
+                  </a:cxn>
+                  <a:cxn ang="0">
+                    <a:pos x="224" y="202"/>
+                  </a:cxn>
+                  <a:cxn ang="0">
+                    <a:pos x="228" y="198"/>
+                  </a:cxn>
+                  <a:cxn ang="0">
+                    <a:pos x="230" y="186"/>
+                  </a:cxn>
+                  <a:cxn ang="0">
+                    <a:pos x="250" y="176"/>
+                  </a:cxn>
+                  <a:cxn ang="0">
+                    <a:pos x="258" y="176"/>
+                  </a:cxn>
+                  <a:cxn ang="0">
+                    <a:pos x="270" y="164"/>
+                  </a:cxn>
+                  <a:cxn ang="0">
+                    <a:pos x="270" y="136"/>
+                  </a:cxn>
+                  <a:cxn ang="0">
+                    <a:pos x="270" y="22"/>
+                  </a:cxn>
+                  <a:cxn ang="0">
+                    <a:pos x="270" y="14"/>
+                  </a:cxn>
+                  <a:cxn ang="0">
+                    <a:pos x="258" y="2"/>
+                  </a:cxn>
+                  <a:cxn ang="0">
+                    <a:pos x="250" y="0"/>
+                  </a:cxn>
+                  <a:cxn ang="0">
+                    <a:pos x="254" y="156"/>
+                  </a:cxn>
+                  <a:cxn ang="0">
+                    <a:pos x="250" y="160"/>
+                  </a:cxn>
+                  <a:cxn ang="0">
+                    <a:pos x="220" y="160"/>
+                  </a:cxn>
+                  <a:cxn ang="0">
+                    <a:pos x="214" y="164"/>
+                  </a:cxn>
+                  <a:cxn ang="0">
+                    <a:pos x="212" y="166"/>
+                  </a:cxn>
+                  <a:cxn ang="0">
+                    <a:pos x="214" y="184"/>
+                  </a:cxn>
+                  <a:cxn ang="0">
+                    <a:pos x="186" y="162"/>
+                  </a:cxn>
+                  <a:cxn ang="0">
+                    <a:pos x="20" y="160"/>
+                  </a:cxn>
+                  <a:cxn ang="0">
+                    <a:pos x="16" y="160"/>
+                  </a:cxn>
+                  <a:cxn ang="0">
+                    <a:pos x="16" y="22"/>
+                  </a:cxn>
+                  <a:cxn ang="0">
+                    <a:pos x="16" y="18"/>
+                  </a:cxn>
+                  <a:cxn ang="0">
+                    <a:pos x="250" y="16"/>
+                  </a:cxn>
+                  <a:cxn ang="0">
+                    <a:pos x="254" y="18"/>
+                  </a:cxn>
+                  <a:cxn ang="0">
+                    <a:pos x="254" y="156"/>
+                  </a:cxn>
+                </a:cxnLst>
+                <a:rect l="0" t="0" r="r" b="b"/>
+                <a:pathLst>
+                  <a:path w="270" h="202">
+                    <a:moveTo>
+                      <a:pt x="250" y="0"/>
+                    </a:moveTo>
+                    <a:lnTo>
+                      <a:pt x="96" y="0"/>
+                    </a:lnTo>
+                    <a:lnTo>
+                      <a:pt x="80" y="0"/>
+                    </a:lnTo>
+                    <a:lnTo>
+                      <a:pt x="20" y="0"/>
+                    </a:lnTo>
+                    <a:lnTo>
+                      <a:pt x="20" y="0"/>
+                    </a:lnTo>
+                    <a:lnTo>
+                      <a:pt x="12" y="2"/>
+                    </a:lnTo>
+                    <a:lnTo>
+                      <a:pt x="6" y="6"/>
+                    </a:lnTo>
+                    <a:lnTo>
+                      <a:pt x="0" y="14"/>
+                    </a:lnTo>
+                    <a:lnTo>
+                      <a:pt x="0" y="22"/>
+                    </a:lnTo>
+                    <a:lnTo>
+                      <a:pt x="0" y="156"/>
+                    </a:lnTo>
+                    <a:lnTo>
+                      <a:pt x="0" y="156"/>
+                    </a:lnTo>
+                    <a:lnTo>
+                      <a:pt x="0" y="164"/>
+                    </a:lnTo>
+                    <a:lnTo>
+                      <a:pt x="6" y="170"/>
+                    </a:lnTo>
+                    <a:lnTo>
+                      <a:pt x="12" y="176"/>
+                    </a:lnTo>
+                    <a:lnTo>
+                      <a:pt x="20" y="176"/>
+                    </a:lnTo>
+                    <a:lnTo>
+                      <a:pt x="178" y="176"/>
+                    </a:lnTo>
+                    <a:lnTo>
+                      <a:pt x="204" y="196"/>
+                    </a:lnTo>
+                    <a:lnTo>
+                      <a:pt x="204" y="196"/>
+                    </a:lnTo>
+                    <a:lnTo>
+                      <a:pt x="208" y="198"/>
+                    </a:lnTo>
+                    <a:lnTo>
+                      <a:pt x="208" y="198"/>
+                    </a:lnTo>
+                    <a:lnTo>
+                      <a:pt x="208" y="198"/>
+                    </a:lnTo>
+                    <a:lnTo>
+                      <a:pt x="208" y="198"/>
+                    </a:lnTo>
+                    <a:lnTo>
+                      <a:pt x="212" y="202"/>
+                    </a:lnTo>
+                    <a:lnTo>
+                      <a:pt x="218" y="202"/>
+                    </a:lnTo>
+                    <a:lnTo>
+                      <a:pt x="218" y="202"/>
+                    </a:lnTo>
+                    <a:lnTo>
+                      <a:pt x="224" y="202"/>
+                    </a:lnTo>
+                    <a:lnTo>
+                      <a:pt x="224" y="202"/>
+                    </a:lnTo>
+                    <a:lnTo>
+                      <a:pt x="228" y="198"/>
+                    </a:lnTo>
+                    <a:lnTo>
+                      <a:pt x="230" y="192"/>
+                    </a:lnTo>
+                    <a:lnTo>
+                      <a:pt x="230" y="186"/>
+                    </a:lnTo>
+                    <a:lnTo>
+                      <a:pt x="230" y="176"/>
+                    </a:lnTo>
+                    <a:lnTo>
+                      <a:pt x="250" y="176"/>
+                    </a:lnTo>
+                    <a:lnTo>
+                      <a:pt x="250" y="176"/>
+                    </a:lnTo>
+                    <a:lnTo>
+                      <a:pt x="258" y="176"/>
+                    </a:lnTo>
+                    <a:lnTo>
+                      <a:pt x="264" y="170"/>
+                    </a:lnTo>
+                    <a:lnTo>
+                      <a:pt x="270" y="164"/>
+                    </a:lnTo>
+                    <a:lnTo>
+                      <a:pt x="270" y="156"/>
+                    </a:lnTo>
+                    <a:lnTo>
+                      <a:pt x="270" y="136"/>
+                    </a:lnTo>
+                    <a:lnTo>
+                      <a:pt x="270" y="120"/>
+                    </a:lnTo>
+                    <a:lnTo>
+                      <a:pt x="270" y="22"/>
+                    </a:lnTo>
+                    <a:lnTo>
+                      <a:pt x="270" y="22"/>
+                    </a:lnTo>
+                    <a:lnTo>
+                      <a:pt x="270" y="14"/>
+                    </a:lnTo>
+                    <a:lnTo>
+                      <a:pt x="264" y="6"/>
+                    </a:lnTo>
+                    <a:lnTo>
+                      <a:pt x="258" y="2"/>
+                    </a:lnTo>
+                    <a:lnTo>
+                      <a:pt x="250" y="0"/>
+                    </a:lnTo>
+                    <a:lnTo>
+                      <a:pt x="250" y="0"/>
+                    </a:lnTo>
+                    <a:close/>
+                    <a:moveTo>
+                      <a:pt x="254" y="156"/>
+                    </a:moveTo>
+                    <a:lnTo>
+                      <a:pt x="254" y="156"/>
+                    </a:lnTo>
+                    <a:lnTo>
+                      <a:pt x="254" y="160"/>
+                    </a:lnTo>
+                    <a:lnTo>
+                      <a:pt x="250" y="160"/>
+                    </a:lnTo>
+                    <a:lnTo>
+                      <a:pt x="220" y="160"/>
+                    </a:lnTo>
+                    <a:lnTo>
+                      <a:pt x="220" y="160"/>
+                    </a:lnTo>
+                    <a:lnTo>
+                      <a:pt x="218" y="162"/>
+                    </a:lnTo>
+                    <a:lnTo>
+                      <a:pt x="214" y="164"/>
+                    </a:lnTo>
+                    <a:lnTo>
+                      <a:pt x="214" y="164"/>
+                    </a:lnTo>
+                    <a:lnTo>
+                      <a:pt x="212" y="166"/>
+                    </a:lnTo>
+                    <a:lnTo>
+                      <a:pt x="212" y="170"/>
+                    </a:lnTo>
+                    <a:lnTo>
+                      <a:pt x="214" y="184"/>
+                    </a:lnTo>
+                    <a:lnTo>
+                      <a:pt x="186" y="162"/>
+                    </a:lnTo>
+                    <a:lnTo>
+                      <a:pt x="186" y="162"/>
+                    </a:lnTo>
+                    <a:lnTo>
+                      <a:pt x="182" y="160"/>
+                    </a:lnTo>
+                    <a:lnTo>
+                      <a:pt x="20" y="160"/>
+                    </a:lnTo>
+                    <a:lnTo>
+                      <a:pt x="20" y="160"/>
+                    </a:lnTo>
+                    <a:lnTo>
+                      <a:pt x="16" y="160"/>
+                    </a:lnTo>
+                    <a:lnTo>
+                      <a:pt x="16" y="156"/>
+                    </a:lnTo>
+                    <a:lnTo>
+                      <a:pt x="16" y="22"/>
+                    </a:lnTo>
+                    <a:lnTo>
+                      <a:pt x="16" y="22"/>
+                    </a:lnTo>
+                    <a:lnTo>
+                      <a:pt x="16" y="18"/>
+                    </a:lnTo>
+                    <a:lnTo>
+                      <a:pt x="20" y="16"/>
+                    </a:lnTo>
+                    <a:lnTo>
+                      <a:pt x="250" y="16"/>
+                    </a:lnTo>
+                    <a:lnTo>
+                      <a:pt x="250" y="16"/>
+                    </a:lnTo>
+                    <a:lnTo>
+                      <a:pt x="254" y="18"/>
+                    </a:lnTo>
+                    <a:lnTo>
+                      <a:pt x="254" y="22"/>
+                    </a:lnTo>
+                    <a:lnTo>
+                      <a:pt x="254" y="156"/>
+                    </a:lnTo>
+                    <a:close/>
+                  </a:path>
+                </a:pathLst>
+              </a:custGeom>
+              <a:grpFill/>
+              <a:ln w="9525">
+                <a:solidFill>
+                  <a:schemeClr val="bg1"/>
+                </a:solidFill>
+                <a:round/>
+                <a:headEnd/>
+                <a:tailEnd/>
+              </a:ln>
+            </p:spPr>
+            <p:txBody>
+              <a:bodyPr vert="horz" wrap="square" lIns="91440" tIns="45720" rIns="91440" bIns="45720" numCol="1" anchor="t" anchorCtr="0" compatLnSpc="1">
+                <a:prstTxWarp prst="textNoShape">
+                  <a:avLst/>
+                </a:prstTxWarp>
+              </a:bodyPr>
+              <a:lstStyle/>
+              <a:p>
+                <a:endParaRPr lang="zh-CN" altLang="en-US">
+                  <a:solidFill>
+                    <a:prstClr val="black"/>
+                  </a:solidFill>
+                </a:endParaRPr>
+              </a:p>
+            </p:txBody>
+          </p:sp>
+          <p:sp>
+            <p:nvSpPr>
+              <p:cNvPr id="18" name="Freeform 152"/>
+              <p:cNvSpPr>
+                <a:spLocks/>
+              </p:cNvSpPr>
+              <p:nvPr/>
+            </p:nvSpPr>
+            <p:spPr bwMode="auto">
+              <a:xfrm>
+                <a:off x="6135688" y="1143000"/>
+                <a:ext cx="412750" cy="298450"/>
+              </a:xfrm>
+              <a:custGeom>
+                <a:avLst/>
+                <a:gdLst/>
+                <a:ahLst/>
+                <a:cxnLst>
+                  <a:cxn ang="0">
+                    <a:pos x="238" y="0"/>
+                  </a:cxn>
+                  <a:cxn ang="0">
+                    <a:pos x="24" y="0"/>
+                  </a:cxn>
+                  <a:cxn ang="0">
+                    <a:pos x="24" y="0"/>
+                  </a:cxn>
+                  <a:cxn ang="0">
+                    <a:pos x="14" y="0"/>
+                  </a:cxn>
+                  <a:cxn ang="0">
+                    <a:pos x="6" y="6"/>
+                  </a:cxn>
+                  <a:cxn ang="0">
+                    <a:pos x="2" y="12"/>
+                  </a:cxn>
+                  <a:cxn ang="0">
+                    <a:pos x="0" y="22"/>
+                  </a:cxn>
+                  <a:cxn ang="0">
+                    <a:pos x="0" y="38"/>
+                  </a:cxn>
+                  <a:cxn ang="0">
+                    <a:pos x="16" y="38"/>
+                  </a:cxn>
+                  <a:cxn ang="0">
+                    <a:pos x="16" y="22"/>
+                  </a:cxn>
+                  <a:cxn ang="0">
+                    <a:pos x="16" y="22"/>
+                  </a:cxn>
+                  <a:cxn ang="0">
+                    <a:pos x="18" y="18"/>
+                  </a:cxn>
+                  <a:cxn ang="0">
+                    <a:pos x="24" y="16"/>
+                  </a:cxn>
+                  <a:cxn ang="0">
+                    <a:pos x="238" y="16"/>
+                  </a:cxn>
+                  <a:cxn ang="0">
+                    <a:pos x="238" y="16"/>
+                  </a:cxn>
+                  <a:cxn ang="0">
+                    <a:pos x="242" y="18"/>
+                  </a:cxn>
+                  <a:cxn ang="0">
+                    <a:pos x="244" y="22"/>
+                  </a:cxn>
+                  <a:cxn ang="0">
+                    <a:pos x="244" y="166"/>
+                  </a:cxn>
+                  <a:cxn ang="0">
+                    <a:pos x="244" y="166"/>
+                  </a:cxn>
+                  <a:cxn ang="0">
+                    <a:pos x="242" y="170"/>
+                  </a:cxn>
+                  <a:cxn ang="0">
+                    <a:pos x="238" y="172"/>
+                  </a:cxn>
+                  <a:cxn ang="0">
+                    <a:pos x="208" y="172"/>
+                  </a:cxn>
+                  <a:cxn ang="0">
+                    <a:pos x="208" y="188"/>
+                  </a:cxn>
+                  <a:cxn ang="0">
+                    <a:pos x="238" y="188"/>
+                  </a:cxn>
+                  <a:cxn ang="0">
+                    <a:pos x="238" y="188"/>
+                  </a:cxn>
+                  <a:cxn ang="0">
+                    <a:pos x="246" y="188"/>
+                  </a:cxn>
+                  <a:cxn ang="0">
+                    <a:pos x="254" y="182"/>
+                  </a:cxn>
+                  <a:cxn ang="0">
+                    <a:pos x="260" y="176"/>
+                  </a:cxn>
+                  <a:cxn ang="0">
+                    <a:pos x="260" y="166"/>
+                  </a:cxn>
+                  <a:cxn ang="0">
+                    <a:pos x="260" y="22"/>
+                  </a:cxn>
+                  <a:cxn ang="0">
+                    <a:pos x="260" y="22"/>
+                  </a:cxn>
+                  <a:cxn ang="0">
+                    <a:pos x="260" y="12"/>
+                  </a:cxn>
+                  <a:cxn ang="0">
+                    <a:pos x="254" y="6"/>
+                  </a:cxn>
+                  <a:cxn ang="0">
+                    <a:pos x="246" y="0"/>
+                  </a:cxn>
+                  <a:cxn ang="0">
+                    <a:pos x="238" y="0"/>
+                  </a:cxn>
+                  <a:cxn ang="0">
+                    <a:pos x="238" y="0"/>
+                  </a:cxn>
+                </a:cxnLst>
+                <a:rect l="0" t="0" r="r" b="b"/>
+                <a:pathLst>
+                  <a:path w="260" h="188">
+                    <a:moveTo>
+                      <a:pt x="238" y="0"/>
+                    </a:moveTo>
+                    <a:lnTo>
+                      <a:pt x="24" y="0"/>
+                    </a:lnTo>
+                    <a:lnTo>
+                      <a:pt x="24" y="0"/>
+                    </a:lnTo>
+                    <a:lnTo>
+                      <a:pt x="14" y="0"/>
+                    </a:lnTo>
+                    <a:lnTo>
+                      <a:pt x="6" y="6"/>
+                    </a:lnTo>
+                    <a:lnTo>
+                      <a:pt x="2" y="12"/>
+                    </a:lnTo>
+                    <a:lnTo>
+                      <a:pt x="0" y="22"/>
+                    </a:lnTo>
+                    <a:lnTo>
+                      <a:pt x="0" y="38"/>
+                    </a:lnTo>
+                    <a:lnTo>
+                      <a:pt x="16" y="38"/>
+                    </a:lnTo>
+                    <a:lnTo>
+                      <a:pt x="16" y="22"/>
+                    </a:lnTo>
+                    <a:lnTo>
+                      <a:pt x="16" y="22"/>
+                    </a:lnTo>
+                    <a:lnTo>
+                      <a:pt x="18" y="18"/>
+                    </a:lnTo>
+                    <a:lnTo>
+                      <a:pt x="24" y="16"/>
+                    </a:lnTo>
+                    <a:lnTo>
+                      <a:pt x="238" y="16"/>
+                    </a:lnTo>
+                    <a:lnTo>
+                      <a:pt x="238" y="16"/>
+                    </a:lnTo>
+                    <a:lnTo>
+                      <a:pt x="242" y="18"/>
+                    </a:lnTo>
+                    <a:lnTo>
+                      <a:pt x="244" y="22"/>
+                    </a:lnTo>
+                    <a:lnTo>
+                      <a:pt x="244" y="166"/>
+                    </a:lnTo>
+                    <a:lnTo>
+                      <a:pt x="244" y="166"/>
+                    </a:lnTo>
+                    <a:lnTo>
+                      <a:pt x="242" y="170"/>
+                    </a:lnTo>
+                    <a:lnTo>
+                      <a:pt x="238" y="172"/>
+                    </a:lnTo>
+                    <a:lnTo>
+                      <a:pt x="208" y="172"/>
+                    </a:lnTo>
+                    <a:lnTo>
+                      <a:pt x="208" y="188"/>
+                    </a:lnTo>
+                    <a:lnTo>
+                      <a:pt x="238" y="188"/>
+                    </a:lnTo>
+                    <a:lnTo>
+                      <a:pt x="238" y="188"/>
+                    </a:lnTo>
+                    <a:lnTo>
+                      <a:pt x="246" y="188"/>
+                    </a:lnTo>
+                    <a:lnTo>
+                      <a:pt x="254" y="182"/>
+                    </a:lnTo>
+                    <a:lnTo>
+                      <a:pt x="260" y="176"/>
+                    </a:lnTo>
+                    <a:lnTo>
+                      <a:pt x="260" y="166"/>
+                    </a:lnTo>
+                    <a:lnTo>
+                      <a:pt x="260" y="22"/>
+                    </a:lnTo>
+                    <a:lnTo>
+                      <a:pt x="260" y="22"/>
+                    </a:lnTo>
+                    <a:lnTo>
+                      <a:pt x="260" y="12"/>
+                    </a:lnTo>
+                    <a:lnTo>
+                      <a:pt x="254" y="6"/>
+                    </a:lnTo>
+                    <a:lnTo>
+                      <a:pt x="246" y="0"/>
+                    </a:lnTo>
+                    <a:lnTo>
+                      <a:pt x="238" y="0"/>
+                    </a:lnTo>
+                    <a:lnTo>
+                      <a:pt x="238" y="0"/>
+                    </a:lnTo>
+                    <a:close/>
+                  </a:path>
+                </a:pathLst>
+              </a:custGeom>
+              <a:grpFill/>
+              <a:ln w="9525">
+                <a:solidFill>
+                  <a:schemeClr val="bg1"/>
+                </a:solidFill>
+                <a:round/>
+                <a:headEnd/>
+                <a:tailEnd/>
+              </a:ln>
+            </p:spPr>
+            <p:txBody>
+              <a:bodyPr vert="horz" wrap="square" lIns="91440" tIns="45720" rIns="91440" bIns="45720" numCol="1" anchor="t" anchorCtr="0" compatLnSpc="1">
+                <a:prstTxWarp prst="textNoShape">
+                  <a:avLst/>
+                </a:prstTxWarp>
+              </a:bodyPr>
+              <a:lstStyle/>
+              <a:p>
+                <a:endParaRPr lang="zh-CN" altLang="en-US">
+                  <a:solidFill>
+                    <a:prstClr val="black"/>
+                  </a:solidFill>
+                </a:endParaRPr>
+              </a:p>
+            </p:txBody>
+          </p:sp>
+        </p:grpSp>
+        <p:sp>
+          <p:nvSpPr>
+            <p:cNvPr id="14" name="椭圆 37"/>
+            <p:cNvSpPr/>
+            <p:nvPr/>
+          </p:nvSpPr>
+          <p:spPr>
+            <a:xfrm>
+              <a:off x="419848" y="2142869"/>
+              <a:ext cx="720884" cy="720884"/>
+            </a:xfrm>
+            <a:prstGeom prst="ellipse">
+              <a:avLst/>
+            </a:prstGeom>
+            <a:noFill/>
+            <a:ln w="19050" cap="rnd">
+              <a:solidFill>
+                <a:schemeClr val="bg1"/>
+              </a:solidFill>
+              <a:prstDash val="sysDot"/>
+            </a:ln>
+          </p:spPr>
+          <p:style>
+            <a:lnRef idx="2">
+              <a:schemeClr val="accent1">
+                <a:shade val="50000"/>
+              </a:schemeClr>
+            </a:lnRef>
+            <a:fillRef idx="1">
+              <a:schemeClr val="accent1"/>
+            </a:fillRef>
+            <a:effectRef idx="0">
+              <a:schemeClr val="accent1"/>
+            </a:effectRef>
+            <a:fontRef idx="minor">
+              <a:schemeClr val="lt1"/>
+            </a:fontRef>
+          </p:style>
+          <p:txBody>
+            <a:bodyPr anchor="ctr"/>
+            <a:lstStyle/>
+            <a:p>
+              <a:pPr algn="ctr" defTabSz="914400">
+                <a:defRPr/>
+              </a:pPr>
+              <a:endParaRPr lang="zh-CN" altLang="en-US" sz="2800" dirty="0">
+                <a:solidFill>
+                  <a:srgbClr val="FFFFFF"/>
+                </a:solidFill>
+                <a:latin typeface="Bauhaus 93" pitchFamily="82" charset="0"/>
+              </a:endParaRPr>
+            </a:p>
+          </p:txBody>
+        </p:sp>
+      </p:grpSp>
+      <p:grpSp>
+        <p:nvGrpSpPr>
+          <p:cNvPr id="19" name="Gruppo 18"/>
+          <p:cNvGrpSpPr/>
+          <p:nvPr/>
+        </p:nvGrpSpPr>
+        <p:grpSpPr>
+          <a:xfrm>
+            <a:off x="287565" y="3192001"/>
+            <a:ext cx="720884" cy="720884"/>
+            <a:chOff x="419848" y="3991177"/>
+            <a:chExt cx="720884" cy="720884"/>
+          </a:xfrm>
+        </p:grpSpPr>
+        <p:sp>
+          <p:nvSpPr>
+            <p:cNvPr id="20" name="Freeform 258"/>
+            <p:cNvSpPr>
+              <a:spLocks/>
+            </p:cNvSpPr>
+            <p:nvPr/>
+          </p:nvSpPr>
+          <p:spPr bwMode="auto">
+            <a:xfrm flipH="1" flipV="1">
+              <a:off x="572913" y="4174718"/>
+              <a:ext cx="414754" cy="395366"/>
+            </a:xfrm>
+            <a:custGeom>
+              <a:avLst/>
+              <a:gdLst>
+                <a:gd name="T0" fmla="*/ 30 w 86"/>
+                <a:gd name="T1" fmla="*/ 0 h 77"/>
+                <a:gd name="T2" fmla="*/ 34 w 86"/>
+                <a:gd name="T3" fmla="*/ 28 h 77"/>
+                <a:gd name="T4" fmla="*/ 8 w 86"/>
+                <a:gd name="T5" fmla="*/ 28 h 77"/>
+                <a:gd name="T6" fmla="*/ 7 w 86"/>
+                <a:gd name="T7" fmla="*/ 28 h 77"/>
+                <a:gd name="T8" fmla="*/ 0 w 86"/>
+                <a:gd name="T9" fmla="*/ 35 h 77"/>
+                <a:gd name="T10" fmla="*/ 0 w 86"/>
+                <a:gd name="T11" fmla="*/ 35 h 77"/>
+                <a:gd name="T12" fmla="*/ 4 w 86"/>
+                <a:gd name="T13" fmla="*/ 41 h 77"/>
+                <a:gd name="T14" fmla="*/ 1 w 86"/>
+                <a:gd name="T15" fmla="*/ 47 h 77"/>
+                <a:gd name="T16" fmla="*/ 1 w 86"/>
+                <a:gd name="T17" fmla="*/ 47 h 77"/>
+                <a:gd name="T18" fmla="*/ 6 w 86"/>
+                <a:gd name="T19" fmla="*/ 54 h 77"/>
+                <a:gd name="T20" fmla="*/ 4 w 86"/>
+                <a:gd name="T21" fmla="*/ 58 h 77"/>
+                <a:gd name="T22" fmla="*/ 4 w 86"/>
+                <a:gd name="T23" fmla="*/ 58 h 77"/>
+                <a:gd name="T24" fmla="*/ 11 w 86"/>
+                <a:gd name="T25" fmla="*/ 65 h 77"/>
+                <a:gd name="T26" fmla="*/ 11 w 86"/>
+                <a:gd name="T27" fmla="*/ 65 h 77"/>
+                <a:gd name="T28" fmla="*/ 9 w 86"/>
+                <a:gd name="T29" fmla="*/ 70 h 77"/>
+                <a:gd name="T30" fmla="*/ 9 w 86"/>
+                <a:gd name="T31" fmla="*/ 70 h 77"/>
+                <a:gd name="T32" fmla="*/ 16 w 86"/>
+                <a:gd name="T33" fmla="*/ 76 h 77"/>
+                <a:gd name="T34" fmla="*/ 29 w 86"/>
+                <a:gd name="T35" fmla="*/ 76 h 77"/>
+                <a:gd name="T36" fmla="*/ 46 w 86"/>
+                <a:gd name="T37" fmla="*/ 76 h 77"/>
+                <a:gd name="T38" fmla="*/ 46 w 86"/>
+                <a:gd name="T39" fmla="*/ 76 h 77"/>
+                <a:gd name="T40" fmla="*/ 52 w 86"/>
+                <a:gd name="T41" fmla="*/ 71 h 77"/>
+                <a:gd name="T42" fmla="*/ 66 w 86"/>
+                <a:gd name="T43" fmla="*/ 69 h 77"/>
+                <a:gd name="T44" fmla="*/ 66 w 86"/>
+                <a:gd name="T45" fmla="*/ 77 h 77"/>
+                <a:gd name="T46" fmla="*/ 86 w 86"/>
+                <a:gd name="T47" fmla="*/ 77 h 77"/>
+                <a:gd name="T48" fmla="*/ 86 w 86"/>
+                <a:gd name="T49" fmla="*/ 25 h 77"/>
+                <a:gd name="T50" fmla="*/ 66 w 86"/>
+                <a:gd name="T51" fmla="*/ 25 h 77"/>
+                <a:gd name="T52" fmla="*/ 66 w 86"/>
+                <a:gd name="T53" fmla="*/ 32 h 77"/>
+                <a:gd name="T54" fmla="*/ 62 w 86"/>
+                <a:gd name="T55" fmla="*/ 32 h 77"/>
+                <a:gd name="T56" fmla="*/ 30 w 86"/>
+                <a:gd name="T57" fmla="*/ 0 h 77"/>
+              </a:gdLst>
+              <a:ahLst/>
+              <a:cxnLst>
+                <a:cxn ang="0">
+                  <a:pos x="T0" y="T1"/>
+                </a:cxn>
+                <a:cxn ang="0">
+                  <a:pos x="T2" y="T3"/>
+                </a:cxn>
+                <a:cxn ang="0">
+                  <a:pos x="T4" y="T5"/>
+                </a:cxn>
+                <a:cxn ang="0">
+                  <a:pos x="T6" y="T7"/>
+                </a:cxn>
+                <a:cxn ang="0">
+                  <a:pos x="T8" y="T9"/>
+                </a:cxn>
+                <a:cxn ang="0">
+                  <a:pos x="T10" y="T11"/>
+                </a:cxn>
+                <a:cxn ang="0">
+                  <a:pos x="T12" y="T13"/>
+                </a:cxn>
+                <a:cxn ang="0">
+                  <a:pos x="T14" y="T15"/>
+                </a:cxn>
+                <a:cxn ang="0">
+                  <a:pos x="T16" y="T17"/>
+                </a:cxn>
+                <a:cxn ang="0">
+                  <a:pos x="T18" y="T19"/>
+                </a:cxn>
+                <a:cxn ang="0">
+                  <a:pos x="T20" y="T21"/>
+                </a:cxn>
+                <a:cxn ang="0">
+                  <a:pos x="T22" y="T23"/>
+                </a:cxn>
+                <a:cxn ang="0">
+                  <a:pos x="T24" y="T25"/>
+                </a:cxn>
+                <a:cxn ang="0">
+                  <a:pos x="T26" y="T27"/>
+                </a:cxn>
+                <a:cxn ang="0">
+                  <a:pos x="T28" y="T29"/>
+                </a:cxn>
+                <a:cxn ang="0">
+                  <a:pos x="T30" y="T31"/>
+                </a:cxn>
+                <a:cxn ang="0">
+                  <a:pos x="T32" y="T33"/>
+                </a:cxn>
+                <a:cxn ang="0">
+                  <a:pos x="T34" y="T35"/>
+                </a:cxn>
+                <a:cxn ang="0">
+                  <a:pos x="T36" y="T37"/>
+                </a:cxn>
+                <a:cxn ang="0">
+                  <a:pos x="T38" y="T39"/>
+                </a:cxn>
+                <a:cxn ang="0">
+                  <a:pos x="T40" y="T41"/>
+                </a:cxn>
+                <a:cxn ang="0">
+                  <a:pos x="T42" y="T43"/>
+                </a:cxn>
+                <a:cxn ang="0">
+                  <a:pos x="T44" y="T45"/>
+                </a:cxn>
+                <a:cxn ang="0">
+                  <a:pos x="T46" y="T47"/>
+                </a:cxn>
+                <a:cxn ang="0">
+                  <a:pos x="T48" y="T49"/>
+                </a:cxn>
+                <a:cxn ang="0">
+                  <a:pos x="T50" y="T51"/>
+                </a:cxn>
+                <a:cxn ang="0">
+                  <a:pos x="T52" y="T53"/>
+                </a:cxn>
+                <a:cxn ang="0">
+                  <a:pos x="T54" y="T55"/>
+                </a:cxn>
+                <a:cxn ang="0">
+                  <a:pos x="T56" y="T57"/>
+                </a:cxn>
+              </a:cxnLst>
+              <a:rect l="0" t="0" r="r" b="b"/>
+              <a:pathLst>
+                <a:path w="86" h="77">
+                  <a:moveTo>
+                    <a:pt x="30" y="0"/>
+                  </a:moveTo>
+                  <a:cubicBezTo>
+                    <a:pt x="2" y="7"/>
+                    <a:pt x="34" y="28"/>
+                    <a:pt x="34" y="28"/>
+                  </a:cubicBezTo>
+                  <a:cubicBezTo>
+                    <a:pt x="8" y="28"/>
+                    <a:pt x="8" y="28"/>
+                    <a:pt x="8" y="28"/>
+                  </a:cubicBezTo>
+                  <a:cubicBezTo>
+                    <a:pt x="7" y="28"/>
+                    <a:pt x="7" y="28"/>
+                    <a:pt x="7" y="28"/>
+                  </a:cubicBezTo>
+                  <a:cubicBezTo>
+                    <a:pt x="3" y="28"/>
+                    <a:pt x="0" y="31"/>
+                    <a:pt x="0" y="35"/>
+                  </a:cubicBezTo>
+                  <a:cubicBezTo>
+                    <a:pt x="0" y="35"/>
+                    <a:pt x="0" y="35"/>
+                    <a:pt x="0" y="35"/>
+                  </a:cubicBezTo>
+                  <a:cubicBezTo>
+                    <a:pt x="0" y="38"/>
+                    <a:pt x="2" y="40"/>
+                    <a:pt x="4" y="41"/>
+                  </a:cubicBezTo>
+                  <a:cubicBezTo>
+                    <a:pt x="2" y="42"/>
+                    <a:pt x="1" y="45"/>
+                    <a:pt x="1" y="47"/>
+                  </a:cubicBezTo>
+                  <a:cubicBezTo>
+                    <a:pt x="1" y="47"/>
+                    <a:pt x="1" y="47"/>
+                    <a:pt x="1" y="47"/>
+                  </a:cubicBezTo>
+                  <a:cubicBezTo>
+                    <a:pt x="1" y="50"/>
+                    <a:pt x="3" y="53"/>
+                    <a:pt x="6" y="54"/>
+                  </a:cubicBezTo>
+                  <a:cubicBezTo>
+                    <a:pt x="5" y="55"/>
+                    <a:pt x="4" y="56"/>
+                    <a:pt x="4" y="58"/>
+                  </a:cubicBezTo>
+                  <a:cubicBezTo>
+                    <a:pt x="4" y="58"/>
+                    <a:pt x="4" y="58"/>
+                    <a:pt x="4" y="58"/>
+                  </a:cubicBezTo>
+                  <a:cubicBezTo>
+                    <a:pt x="4" y="62"/>
+                    <a:pt x="7" y="65"/>
+                    <a:pt x="11" y="65"/>
+                  </a:cubicBezTo>
+                  <a:cubicBezTo>
+                    <a:pt x="11" y="65"/>
+                    <a:pt x="11" y="65"/>
+                    <a:pt x="11" y="65"/>
+                  </a:cubicBezTo>
+                  <a:cubicBezTo>
+                    <a:pt x="10" y="66"/>
+                    <a:pt x="9" y="68"/>
+                    <a:pt x="9" y="70"/>
+                  </a:cubicBezTo>
+                  <a:cubicBezTo>
+                    <a:pt x="9" y="70"/>
+                    <a:pt x="9" y="70"/>
+                    <a:pt x="9" y="70"/>
+                  </a:cubicBezTo>
+                  <a:cubicBezTo>
+                    <a:pt x="9" y="73"/>
+                    <a:pt x="12" y="76"/>
+                    <a:pt x="16" y="76"/>
+                  </a:cubicBezTo>
+                  <a:cubicBezTo>
+                    <a:pt x="29" y="76"/>
+                    <a:pt x="29" y="76"/>
+                    <a:pt x="29" y="76"/>
+                  </a:cubicBezTo>
+                  <a:cubicBezTo>
+                    <a:pt x="46" y="76"/>
+                    <a:pt x="46" y="76"/>
+                    <a:pt x="46" y="76"/>
+                  </a:cubicBezTo>
+                  <a:cubicBezTo>
+                    <a:pt x="46" y="76"/>
+                    <a:pt x="46" y="76"/>
+                    <a:pt x="46" y="76"/>
+                  </a:cubicBezTo>
+                  <a:cubicBezTo>
+                    <a:pt x="52" y="71"/>
+                    <a:pt x="52" y="71"/>
+                    <a:pt x="52" y="71"/>
+                  </a:cubicBezTo>
+                  <a:cubicBezTo>
+                    <a:pt x="66" y="69"/>
+                    <a:pt x="66" y="69"/>
+                    <a:pt x="66" y="69"/>
+                  </a:cubicBezTo>
+                  <a:cubicBezTo>
+                    <a:pt x="66" y="77"/>
+                    <a:pt x="66" y="77"/>
+                    <a:pt x="66" y="77"/>
+                  </a:cubicBezTo>
+                  <a:cubicBezTo>
+                    <a:pt x="86" y="77"/>
+                    <a:pt x="86" y="77"/>
+                    <a:pt x="86" y="77"/>
+                  </a:cubicBezTo>
+                  <a:cubicBezTo>
+                    <a:pt x="86" y="25"/>
+                    <a:pt x="86" y="25"/>
+                    <a:pt x="86" y="25"/>
+                  </a:cubicBezTo>
+                  <a:cubicBezTo>
+                    <a:pt x="66" y="25"/>
+                    <a:pt x="66" y="25"/>
+                    <a:pt x="66" y="25"/>
+                  </a:cubicBezTo>
+                  <a:cubicBezTo>
+                    <a:pt x="66" y="32"/>
+                    <a:pt x="66" y="32"/>
+                    <a:pt x="66" y="32"/>
+                  </a:cubicBezTo>
+                  <a:cubicBezTo>
+                    <a:pt x="62" y="32"/>
+                    <a:pt x="62" y="32"/>
+                    <a:pt x="62" y="32"/>
+                  </a:cubicBezTo>
+                  <a:cubicBezTo>
+                    <a:pt x="58" y="16"/>
+                    <a:pt x="32" y="17"/>
+                    <a:pt x="30" y="0"/>
+                  </a:cubicBezTo>
+                  <a:close/>
+                </a:path>
+              </a:pathLst>
+            </a:custGeom>
+            <a:noFill/>
+            <a:ln w="28575">
+              <a:solidFill>
+                <a:schemeClr val="bg1"/>
+              </a:solidFill>
+            </a:ln>
+            <a:extLst/>
+          </p:spPr>
+          <p:txBody>
+            <a:bodyPr vert="horz" wrap="square" lIns="121920" tIns="60960" rIns="121920" bIns="60960" numCol="1" anchor="t" anchorCtr="0" compatLnSpc="1">
+              <a:prstTxWarp prst="textNoShape">
+                <a:avLst/>
+              </a:prstTxWarp>
+            </a:bodyPr>
+            <a:lstStyle/>
+            <a:p>
+              <a:endParaRPr lang="zh-CN" altLang="en-US" sz="3200">
+                <a:solidFill>
+                  <a:prstClr val="black"/>
+                </a:solidFill>
+              </a:endParaRPr>
+            </a:p>
+          </p:txBody>
+        </p:sp>
+        <p:sp>
+          <p:nvSpPr>
+            <p:cNvPr id="21" name="椭圆 37"/>
+            <p:cNvSpPr/>
+            <p:nvPr/>
+          </p:nvSpPr>
+          <p:spPr>
+            <a:xfrm>
+              <a:off x="419848" y="3991177"/>
+              <a:ext cx="720884" cy="720884"/>
+            </a:xfrm>
+            <a:prstGeom prst="ellipse">
+              <a:avLst/>
+            </a:prstGeom>
+            <a:noFill/>
+            <a:ln w="19050" cap="rnd">
+              <a:solidFill>
+                <a:schemeClr val="bg1"/>
+              </a:solidFill>
+              <a:prstDash val="sysDot"/>
+            </a:ln>
+          </p:spPr>
+          <p:style>
+            <a:lnRef idx="2">
+              <a:schemeClr val="accent1">
+                <a:shade val="50000"/>
+              </a:schemeClr>
+            </a:lnRef>
+            <a:fillRef idx="1">
+              <a:schemeClr val="accent1"/>
+            </a:fillRef>
+            <a:effectRef idx="0">
+              <a:schemeClr val="accent1"/>
+            </a:effectRef>
+            <a:fontRef idx="minor">
+              <a:schemeClr val="lt1"/>
+            </a:fontRef>
+          </p:style>
+          <p:txBody>
+            <a:bodyPr anchor="ctr"/>
+            <a:lstStyle/>
+            <a:p>
+              <a:pPr algn="ctr" defTabSz="914400">
+                <a:defRPr/>
+              </a:pPr>
+              <a:endParaRPr lang="zh-CN" altLang="en-US" sz="2800" dirty="0">
+                <a:solidFill>
+                  <a:srgbClr val="FFFFFF"/>
+                </a:solidFill>
+                <a:latin typeface="Bauhaus 93" pitchFamily="82" charset="0"/>
+              </a:endParaRPr>
+            </a:p>
+          </p:txBody>
+        </p:sp>
+      </p:grpSp>
+      <p:sp>
+        <p:nvSpPr>
+          <p:cNvPr id="22" name="Rettangolo 21"/>
+          <p:cNvSpPr/>
+          <p:nvPr/>
+        </p:nvSpPr>
+        <p:spPr>
+          <a:xfrm>
+            <a:off x="1225576" y="3220549"/>
+            <a:ext cx="6691748" cy="1461939"/>
+          </a:xfrm>
+          <a:prstGeom prst="rect">
+            <a:avLst/>
+          </a:prstGeom>
+        </p:spPr>
+        <p:txBody>
+          <a:bodyPr wrap="square">
+            <a:spAutoFit/>
+          </a:bodyPr>
+          <a:lstStyle/>
+          <a:p>
+            <a:pPr algn="just">
+              <a:spcAft>
+                <a:spcPts val="600"/>
+              </a:spcAft>
+              <a:buClr>
+                <a:srgbClr val="FFC000"/>
+              </a:buClr>
+            </a:pPr>
+            <a:r>
+              <a:rPr kumimoji="1" lang="it-IT" sz="2400" b="1" dirty="0">
+                <a:solidFill>
+                  <a:schemeClr val="accent4">
+                    <a:lumMod val="75000"/>
+                  </a:schemeClr>
+                </a:solidFill>
+                <a:effectLst>
+                  <a:outerShdw blurRad="38100" dist="38100" dir="2700000" algn="tl">
+                    <a:srgbClr val="000000">
+                      <a:alpha val="43137"/>
+                    </a:srgbClr>
+                  </a:outerShdw>
+                </a:effectLst>
+              </a:rPr>
+              <a:t>Aspetti negativi</a:t>
+            </a:r>
+          </a:p>
+          <a:p>
+            <a:pPr marL="342900" indent="-342900" algn="just">
+              <a:buClr>
+                <a:srgbClr val="FFC000"/>
+              </a:buClr>
+              <a:buFont typeface="Wingdings" charset="2"/>
+              <a:buChar char="§"/>
+            </a:pPr>
+            <a:r>
+              <a:rPr kumimoji="1" lang="it-IT" sz="2000" dirty="0" err="1">
+                <a:solidFill>
+                  <a:schemeClr val="bg1"/>
+                </a:solidFill>
+                <a:effectLst>
+                  <a:outerShdw blurRad="38100" dist="38100" dir="2700000" algn="tl">
+                    <a:srgbClr val="000000">
+                      <a:alpha val="43137"/>
+                    </a:srgbClr>
+                  </a:outerShdw>
+                </a:effectLst>
+              </a:rPr>
+              <a:t>Ubuntu</a:t>
+            </a:r>
+            <a:r>
+              <a:rPr kumimoji="1" lang="it-IT" sz="2000" dirty="0">
+                <a:solidFill>
+                  <a:schemeClr val="bg1"/>
+                </a:solidFill>
+                <a:effectLst>
+                  <a:outerShdw blurRad="38100" dist="38100" dir="2700000" algn="tl">
+                    <a:srgbClr val="000000">
+                      <a:alpha val="43137"/>
+                    </a:srgbClr>
+                  </a:outerShdw>
+                </a:effectLst>
+              </a:rPr>
+              <a:t> non supporta (o non supporta completamente) alcuni software di utilizzo comune o selezionati dal gruppo per fini organizzativi</a:t>
+            </a:r>
+          </a:p>
+        </p:txBody>
+      </p:sp>
+      <p:sp>
+        <p:nvSpPr>
+          <p:cNvPr id="23" name="Rettangolo 22">
+            <a:extLst>
+              <a:ext uri="{FF2B5EF4-FFF2-40B4-BE49-F238E27FC236}">
+                <a16:creationId xmlns:a16="http://schemas.microsoft.com/office/drawing/2014/main" id="{AA7B4823-5E00-45D9-BB18-2268D6E78B80}"/>
+              </a:ext>
+            </a:extLst>
+          </p:cNvPr>
+          <p:cNvSpPr/>
+          <p:nvPr/>
+        </p:nvSpPr>
+        <p:spPr>
+          <a:xfrm>
+            <a:off x="1225575" y="5162895"/>
+            <a:ext cx="7087151" cy="1154162"/>
+          </a:xfrm>
+          <a:prstGeom prst="rect">
+            <a:avLst/>
+          </a:prstGeom>
+          <a:noFill/>
+        </p:spPr>
+        <p:txBody>
+          <a:bodyPr wrap="square" rtlCol="0">
+            <a:spAutoFit/>
+          </a:bodyPr>
+          <a:lstStyle/>
+          <a:p>
+            <a:pPr algn="just">
+              <a:spcAft>
+                <a:spcPts val="600"/>
+              </a:spcAft>
+              <a:buClr>
+                <a:srgbClr val="FFC000"/>
+              </a:buClr>
+            </a:pPr>
+            <a:r>
+              <a:rPr kumimoji="1" lang="it-IT" sz="2400" b="1" dirty="0">
+                <a:solidFill>
+                  <a:schemeClr val="accent4">
+                    <a:lumMod val="75000"/>
+                  </a:schemeClr>
+                </a:solidFill>
+                <a:effectLst>
+                  <a:outerShdw blurRad="38100" dist="38100" dir="2700000" algn="tl">
+                    <a:srgbClr val="000000">
+                      <a:alpha val="43137"/>
+                    </a:srgbClr>
+                  </a:outerShdw>
+                </a:effectLst>
+              </a:rPr>
+              <a:t>Cosa ci ha spinto a sceglierla</a:t>
+            </a:r>
+          </a:p>
+          <a:p>
+            <a:pPr marL="342900" indent="-342900" algn="just">
+              <a:buClr>
+                <a:srgbClr val="FFC000"/>
+              </a:buClr>
+              <a:buFont typeface="Wingdings" charset="2"/>
+              <a:buChar char="§"/>
+            </a:pPr>
+            <a:r>
+              <a:rPr kumimoji="1" lang="it-IT" sz="2000" dirty="0">
+                <a:solidFill>
+                  <a:schemeClr val="bg1"/>
+                </a:solidFill>
+                <a:effectLst>
+                  <a:outerShdw blurRad="38100" dist="38100" dir="2700000" algn="tl">
+                    <a:srgbClr val="000000">
+                      <a:alpha val="43137"/>
+                    </a:srgbClr>
+                  </a:outerShdw>
+                </a:effectLst>
+              </a:rPr>
+              <a:t>La Proponente richiede garanzia di funzionamento del prodotto su questo specifico sistema operativo</a:t>
+            </a:r>
+          </a:p>
+        </p:txBody>
+      </p:sp>
+      <p:grpSp>
+        <p:nvGrpSpPr>
+          <p:cNvPr id="24" name="Gruppo 23"/>
+          <p:cNvGrpSpPr/>
+          <p:nvPr/>
+        </p:nvGrpSpPr>
+        <p:grpSpPr>
+          <a:xfrm>
+            <a:off x="287565" y="5146984"/>
+            <a:ext cx="720884" cy="720884"/>
+            <a:chOff x="287565" y="3090648"/>
+            <a:chExt cx="720884" cy="720884"/>
+          </a:xfrm>
+        </p:grpSpPr>
+        <p:grpSp>
+          <p:nvGrpSpPr>
+            <p:cNvPr id="25" name="组合 21"/>
+            <p:cNvGrpSpPr>
+              <a:grpSpLocks noChangeAspect="1"/>
+            </p:cNvGrpSpPr>
+            <p:nvPr/>
+          </p:nvGrpSpPr>
+          <p:grpSpPr>
+            <a:xfrm>
+              <a:off x="443824" y="3221179"/>
+              <a:ext cx="422053" cy="432000"/>
+              <a:chOff x="6405563" y="241300"/>
+              <a:chExt cx="530225" cy="530225"/>
+            </a:xfrm>
+            <a:solidFill>
+              <a:schemeClr val="bg1"/>
+            </a:solidFill>
+          </p:grpSpPr>
+          <p:sp>
+            <p:nvSpPr>
+              <p:cNvPr id="27" name="Freeform 130"/>
+              <p:cNvSpPr>
+                <a:spLocks noEditPoints="1"/>
+              </p:cNvSpPr>
+              <p:nvPr/>
+            </p:nvSpPr>
+            <p:spPr bwMode="auto">
+              <a:xfrm>
+                <a:off x="6427788" y="241300"/>
+                <a:ext cx="508000" cy="508000"/>
+              </a:xfrm>
+              <a:custGeom>
+                <a:avLst/>
+                <a:gdLst/>
+                <a:ahLst/>
+                <a:cxnLst>
+                  <a:cxn ang="0">
+                    <a:pos x="320" y="0"/>
+                  </a:cxn>
+                  <a:cxn ang="0">
+                    <a:pos x="288" y="4"/>
+                  </a:cxn>
+                  <a:cxn ang="0">
+                    <a:pos x="256" y="10"/>
+                  </a:cxn>
+                  <a:cxn ang="0">
+                    <a:pos x="220" y="24"/>
+                  </a:cxn>
+                  <a:cxn ang="0">
+                    <a:pos x="208" y="30"/>
+                  </a:cxn>
+                  <a:cxn ang="0">
+                    <a:pos x="184" y="46"/>
+                  </a:cxn>
+                  <a:cxn ang="0">
+                    <a:pos x="174" y="56"/>
+                  </a:cxn>
+                  <a:cxn ang="0">
+                    <a:pos x="88" y="154"/>
+                  </a:cxn>
+                  <a:cxn ang="0">
+                    <a:pos x="0" y="196"/>
+                  </a:cxn>
+                  <a:cxn ang="0">
+                    <a:pos x="48" y="208"/>
+                  </a:cxn>
+                  <a:cxn ang="0">
+                    <a:pos x="42" y="232"/>
+                  </a:cxn>
+                  <a:cxn ang="0">
+                    <a:pos x="42" y="232"/>
+                  </a:cxn>
+                  <a:cxn ang="0">
+                    <a:pos x="48" y="246"/>
+                  </a:cxn>
+                  <a:cxn ang="0">
+                    <a:pos x="60" y="260"/>
+                  </a:cxn>
+                  <a:cxn ang="0">
+                    <a:pos x="82" y="278"/>
+                  </a:cxn>
+                  <a:cxn ang="0">
+                    <a:pos x="90" y="278"/>
+                  </a:cxn>
+                  <a:cxn ang="0">
+                    <a:pos x="106" y="272"/>
+                  </a:cxn>
+                  <a:cxn ang="0">
+                    <a:pos x="126" y="320"/>
+                  </a:cxn>
+                  <a:cxn ang="0">
+                    <a:pos x="166" y="230"/>
+                  </a:cxn>
+                  <a:cxn ang="0">
+                    <a:pos x="220" y="186"/>
+                  </a:cxn>
+                  <a:cxn ang="0">
+                    <a:pos x="264" y="146"/>
+                  </a:cxn>
+                  <a:cxn ang="0">
+                    <a:pos x="284" y="124"/>
+                  </a:cxn>
+                  <a:cxn ang="0">
+                    <a:pos x="298" y="100"/>
+                  </a:cxn>
+                  <a:cxn ang="0">
+                    <a:pos x="312" y="64"/>
+                  </a:cxn>
+                  <a:cxn ang="0">
+                    <a:pos x="320" y="10"/>
+                  </a:cxn>
+                  <a:cxn ang="0">
+                    <a:pos x="320" y="0"/>
+                  </a:cxn>
+                  <a:cxn ang="0">
+                    <a:pos x="222" y="126"/>
+                  </a:cxn>
+                  <a:cxn ang="0">
+                    <a:pos x="202" y="118"/>
+                  </a:cxn>
+                  <a:cxn ang="0">
+                    <a:pos x="194" y="98"/>
+                  </a:cxn>
+                  <a:cxn ang="0">
+                    <a:pos x="196" y="88"/>
+                  </a:cxn>
+                  <a:cxn ang="0">
+                    <a:pos x="212" y="72"/>
+                  </a:cxn>
+                  <a:cxn ang="0">
+                    <a:pos x="222" y="70"/>
+                  </a:cxn>
+                  <a:cxn ang="0">
+                    <a:pos x="242" y="78"/>
+                  </a:cxn>
+                  <a:cxn ang="0">
+                    <a:pos x="250" y="98"/>
+                  </a:cxn>
+                  <a:cxn ang="0">
+                    <a:pos x="248" y="108"/>
+                  </a:cxn>
+                  <a:cxn ang="0">
+                    <a:pos x="234" y="124"/>
+                  </a:cxn>
+                  <a:cxn ang="0">
+                    <a:pos x="222" y="126"/>
+                  </a:cxn>
+                </a:cxnLst>
+                <a:rect l="0" t="0" r="r" b="b"/>
+                <a:pathLst>
+                  <a:path w="320" h="320">
+                    <a:moveTo>
+                      <a:pt x="320" y="0"/>
+                    </a:moveTo>
+                    <a:lnTo>
+                      <a:pt x="320" y="0"/>
+                    </a:lnTo>
+                    <a:lnTo>
+                      <a:pt x="312" y="2"/>
+                    </a:lnTo>
+                    <a:lnTo>
+                      <a:pt x="288" y="4"/>
+                    </a:lnTo>
+                    <a:lnTo>
+                      <a:pt x="274" y="6"/>
+                    </a:lnTo>
+                    <a:lnTo>
+                      <a:pt x="256" y="10"/>
+                    </a:lnTo>
+                    <a:lnTo>
+                      <a:pt x="238" y="16"/>
+                    </a:lnTo>
+                    <a:lnTo>
+                      <a:pt x="220" y="24"/>
+                    </a:lnTo>
+                    <a:lnTo>
+                      <a:pt x="220" y="24"/>
+                    </a:lnTo>
+                    <a:lnTo>
+                      <a:pt x="208" y="30"/>
+                    </a:lnTo>
+                    <a:lnTo>
+                      <a:pt x="196" y="38"/>
+                    </a:lnTo>
+                    <a:lnTo>
+                      <a:pt x="184" y="46"/>
+                    </a:lnTo>
+                    <a:lnTo>
+                      <a:pt x="174" y="56"/>
+                    </a:lnTo>
+                    <a:lnTo>
+                      <a:pt x="174" y="56"/>
+                    </a:lnTo>
+                    <a:lnTo>
+                      <a:pt x="134" y="102"/>
+                    </a:lnTo>
+                    <a:lnTo>
+                      <a:pt x="88" y="154"/>
+                    </a:lnTo>
+                    <a:lnTo>
+                      <a:pt x="28" y="154"/>
+                    </a:lnTo>
+                    <a:lnTo>
+                      <a:pt x="0" y="196"/>
+                    </a:lnTo>
+                    <a:lnTo>
+                      <a:pt x="48" y="208"/>
+                    </a:lnTo>
+                    <a:lnTo>
+                      <a:pt x="48" y="208"/>
+                    </a:lnTo>
+                    <a:lnTo>
+                      <a:pt x="50" y="216"/>
+                    </a:lnTo>
+                    <a:lnTo>
+                      <a:pt x="42" y="232"/>
+                    </a:lnTo>
+                    <a:lnTo>
+                      <a:pt x="42" y="232"/>
+                    </a:lnTo>
+                    <a:lnTo>
+                      <a:pt x="42" y="232"/>
+                    </a:lnTo>
+                    <a:lnTo>
+                      <a:pt x="42" y="238"/>
+                    </a:lnTo>
+                    <a:lnTo>
+                      <a:pt x="48" y="246"/>
+                    </a:lnTo>
+                    <a:lnTo>
+                      <a:pt x="60" y="260"/>
+                    </a:lnTo>
+                    <a:lnTo>
+                      <a:pt x="60" y="260"/>
+                    </a:lnTo>
+                    <a:lnTo>
+                      <a:pt x="74" y="272"/>
+                    </a:lnTo>
+                    <a:lnTo>
+                      <a:pt x="82" y="278"/>
+                    </a:lnTo>
+                    <a:lnTo>
+                      <a:pt x="88" y="278"/>
+                    </a:lnTo>
+                    <a:lnTo>
+                      <a:pt x="90" y="278"/>
+                    </a:lnTo>
+                    <a:lnTo>
+                      <a:pt x="106" y="272"/>
+                    </a:lnTo>
+                    <a:lnTo>
+                      <a:pt x="106" y="272"/>
+                    </a:lnTo>
+                    <a:lnTo>
+                      <a:pt x="112" y="272"/>
+                    </a:lnTo>
+                    <a:lnTo>
+                      <a:pt x="126" y="320"/>
+                    </a:lnTo>
+                    <a:lnTo>
+                      <a:pt x="166" y="292"/>
+                    </a:lnTo>
+                    <a:lnTo>
+                      <a:pt x="166" y="230"/>
+                    </a:lnTo>
+                    <a:lnTo>
+                      <a:pt x="166" y="230"/>
+                    </a:lnTo>
+                    <a:lnTo>
+                      <a:pt x="220" y="186"/>
+                    </a:lnTo>
+                    <a:lnTo>
+                      <a:pt x="264" y="146"/>
+                    </a:lnTo>
+                    <a:lnTo>
+                      <a:pt x="264" y="146"/>
+                    </a:lnTo>
+                    <a:lnTo>
+                      <a:pt x="274" y="136"/>
+                    </a:lnTo>
+                    <a:lnTo>
+                      <a:pt x="284" y="124"/>
+                    </a:lnTo>
+                    <a:lnTo>
+                      <a:pt x="298" y="100"/>
+                    </a:lnTo>
+                    <a:lnTo>
+                      <a:pt x="298" y="100"/>
+                    </a:lnTo>
+                    <a:lnTo>
+                      <a:pt x="306" y="82"/>
+                    </a:lnTo>
+                    <a:lnTo>
+                      <a:pt x="312" y="64"/>
+                    </a:lnTo>
+                    <a:lnTo>
+                      <a:pt x="318" y="32"/>
+                    </a:lnTo>
+                    <a:lnTo>
+                      <a:pt x="320" y="10"/>
+                    </a:lnTo>
+                    <a:lnTo>
+                      <a:pt x="320" y="0"/>
+                    </a:lnTo>
+                    <a:lnTo>
+                      <a:pt x="320" y="0"/>
+                    </a:lnTo>
+                    <a:close/>
+                    <a:moveTo>
+                      <a:pt x="222" y="126"/>
+                    </a:moveTo>
+                    <a:lnTo>
+                      <a:pt x="222" y="126"/>
+                    </a:lnTo>
+                    <a:lnTo>
+                      <a:pt x="212" y="124"/>
+                    </a:lnTo>
+                    <a:lnTo>
+                      <a:pt x="202" y="118"/>
+                    </a:lnTo>
+                    <a:lnTo>
+                      <a:pt x="196" y="108"/>
+                    </a:lnTo>
+                    <a:lnTo>
+                      <a:pt x="194" y="98"/>
+                    </a:lnTo>
+                    <a:lnTo>
+                      <a:pt x="194" y="98"/>
+                    </a:lnTo>
+                    <a:lnTo>
+                      <a:pt x="196" y="88"/>
+                    </a:lnTo>
+                    <a:lnTo>
+                      <a:pt x="202" y="78"/>
+                    </a:lnTo>
+                    <a:lnTo>
+                      <a:pt x="212" y="72"/>
+                    </a:lnTo>
+                    <a:lnTo>
+                      <a:pt x="222" y="70"/>
+                    </a:lnTo>
+                    <a:lnTo>
+                      <a:pt x="222" y="70"/>
+                    </a:lnTo>
+                    <a:lnTo>
+                      <a:pt x="234" y="72"/>
+                    </a:lnTo>
+                    <a:lnTo>
+                      <a:pt x="242" y="78"/>
+                    </a:lnTo>
+                    <a:lnTo>
+                      <a:pt x="248" y="88"/>
+                    </a:lnTo>
+                    <a:lnTo>
+                      <a:pt x="250" y="98"/>
+                    </a:lnTo>
+                    <a:lnTo>
+                      <a:pt x="250" y="98"/>
+                    </a:lnTo>
+                    <a:lnTo>
+                      <a:pt x="248" y="108"/>
+                    </a:lnTo>
+                    <a:lnTo>
+                      <a:pt x="242" y="118"/>
+                    </a:lnTo>
+                    <a:lnTo>
+                      <a:pt x="234" y="124"/>
+                    </a:lnTo>
+                    <a:lnTo>
+                      <a:pt x="222" y="126"/>
+                    </a:lnTo>
+                    <a:lnTo>
+                      <a:pt x="222" y="126"/>
+                    </a:lnTo>
+                    <a:close/>
+                  </a:path>
+                </a:pathLst>
+              </a:custGeom>
+              <a:grpFill/>
+              <a:ln w="9525">
+                <a:noFill/>
+                <a:round/>
+                <a:headEnd/>
+                <a:tailEnd/>
+              </a:ln>
+            </p:spPr>
+            <p:txBody>
+              <a:bodyPr vert="horz" wrap="square" lIns="91440" tIns="45720" rIns="91440" bIns="45720" numCol="1" anchor="t" anchorCtr="0" compatLnSpc="1">
+                <a:prstTxWarp prst="textNoShape">
+                  <a:avLst/>
+                </a:prstTxWarp>
+              </a:bodyPr>
+              <a:lstStyle/>
+              <a:p>
+                <a:endParaRPr lang="zh-CN" altLang="en-US"/>
+              </a:p>
+            </p:txBody>
+          </p:sp>
+          <p:sp>
+            <p:nvSpPr>
+              <p:cNvPr id="28" name="Freeform 131"/>
+              <p:cNvSpPr>
+                <a:spLocks/>
+              </p:cNvSpPr>
+              <p:nvPr/>
+            </p:nvSpPr>
+            <p:spPr bwMode="auto">
+              <a:xfrm>
+                <a:off x="6405563" y="619125"/>
+                <a:ext cx="155575" cy="152400"/>
+              </a:xfrm>
+              <a:custGeom>
+                <a:avLst/>
+                <a:gdLst/>
+                <a:ahLst/>
+                <a:cxnLst>
+                  <a:cxn ang="0">
+                    <a:pos x="24" y="72"/>
+                  </a:cxn>
+                  <a:cxn ang="0">
+                    <a:pos x="24" y="72"/>
+                  </a:cxn>
+                  <a:cxn ang="0">
+                    <a:pos x="24" y="66"/>
+                  </a:cxn>
+                  <a:cxn ang="0">
+                    <a:pos x="26" y="50"/>
+                  </a:cxn>
+                  <a:cxn ang="0">
+                    <a:pos x="26" y="38"/>
+                  </a:cxn>
+                  <a:cxn ang="0">
+                    <a:pos x="30" y="28"/>
+                  </a:cxn>
+                  <a:cxn ang="0">
+                    <a:pos x="36" y="16"/>
+                  </a:cxn>
+                  <a:cxn ang="0">
+                    <a:pos x="42" y="6"/>
+                  </a:cxn>
+                  <a:cxn ang="0">
+                    <a:pos x="42" y="6"/>
+                  </a:cxn>
+                  <a:cxn ang="0">
+                    <a:pos x="38" y="0"/>
+                  </a:cxn>
+                  <a:cxn ang="0">
+                    <a:pos x="38" y="0"/>
+                  </a:cxn>
+                  <a:cxn ang="0">
+                    <a:pos x="28" y="8"/>
+                  </a:cxn>
+                  <a:cxn ang="0">
+                    <a:pos x="28" y="8"/>
+                  </a:cxn>
+                  <a:cxn ang="0">
+                    <a:pos x="18" y="20"/>
+                  </a:cxn>
+                  <a:cxn ang="0">
+                    <a:pos x="10" y="34"/>
+                  </a:cxn>
+                  <a:cxn ang="0">
+                    <a:pos x="6" y="50"/>
+                  </a:cxn>
+                  <a:cxn ang="0">
+                    <a:pos x="2" y="64"/>
+                  </a:cxn>
+                  <a:cxn ang="0">
+                    <a:pos x="0" y="88"/>
+                  </a:cxn>
+                  <a:cxn ang="0">
+                    <a:pos x="0" y="96"/>
+                  </a:cxn>
+                  <a:cxn ang="0">
+                    <a:pos x="0" y="96"/>
+                  </a:cxn>
+                  <a:cxn ang="0">
+                    <a:pos x="10" y="96"/>
+                  </a:cxn>
+                  <a:cxn ang="0">
+                    <a:pos x="32" y="94"/>
+                  </a:cxn>
+                  <a:cxn ang="0">
+                    <a:pos x="46" y="92"/>
+                  </a:cxn>
+                  <a:cxn ang="0">
+                    <a:pos x="62" y="86"/>
+                  </a:cxn>
+                  <a:cxn ang="0">
+                    <a:pos x="76" y="80"/>
+                  </a:cxn>
+                  <a:cxn ang="0">
+                    <a:pos x="90" y="68"/>
+                  </a:cxn>
+                  <a:cxn ang="0">
+                    <a:pos x="90" y="68"/>
+                  </a:cxn>
+                  <a:cxn ang="0">
+                    <a:pos x="98" y="58"/>
+                  </a:cxn>
+                  <a:cxn ang="0">
+                    <a:pos x="98" y="58"/>
+                  </a:cxn>
+                  <a:cxn ang="0">
+                    <a:pos x="90" y="54"/>
+                  </a:cxn>
+                  <a:cxn ang="0">
+                    <a:pos x="90" y="54"/>
+                  </a:cxn>
+                  <a:cxn ang="0">
+                    <a:pos x="80" y="62"/>
+                  </a:cxn>
+                  <a:cxn ang="0">
+                    <a:pos x="68" y="66"/>
+                  </a:cxn>
+                  <a:cxn ang="0">
+                    <a:pos x="58" y="70"/>
+                  </a:cxn>
+                  <a:cxn ang="0">
+                    <a:pos x="48" y="72"/>
+                  </a:cxn>
+                  <a:cxn ang="0">
+                    <a:pos x="30" y="72"/>
+                  </a:cxn>
+                  <a:cxn ang="0">
+                    <a:pos x="24" y="72"/>
+                  </a:cxn>
+                  <a:cxn ang="0">
+                    <a:pos x="24" y="72"/>
+                  </a:cxn>
+                </a:cxnLst>
+                <a:rect l="0" t="0" r="r" b="b"/>
+                <a:pathLst>
+                  <a:path w="98" h="96">
+                    <a:moveTo>
+                      <a:pt x="24" y="72"/>
+                    </a:moveTo>
+                    <a:lnTo>
+                      <a:pt x="24" y="72"/>
+                    </a:lnTo>
+                    <a:lnTo>
+                      <a:pt x="24" y="66"/>
+                    </a:lnTo>
+                    <a:lnTo>
+                      <a:pt x="26" y="50"/>
+                    </a:lnTo>
+                    <a:lnTo>
+                      <a:pt x="26" y="38"/>
+                    </a:lnTo>
+                    <a:lnTo>
+                      <a:pt x="30" y="28"/>
+                    </a:lnTo>
+                    <a:lnTo>
+                      <a:pt x="36" y="16"/>
+                    </a:lnTo>
+                    <a:lnTo>
+                      <a:pt x="42" y="6"/>
+                    </a:lnTo>
+                    <a:lnTo>
+                      <a:pt x="42" y="6"/>
+                    </a:lnTo>
+                    <a:lnTo>
+                      <a:pt x="38" y="0"/>
+                    </a:lnTo>
+                    <a:lnTo>
+                      <a:pt x="38" y="0"/>
+                    </a:lnTo>
+                    <a:lnTo>
+                      <a:pt x="28" y="8"/>
+                    </a:lnTo>
+                    <a:lnTo>
+                      <a:pt x="28" y="8"/>
+                    </a:lnTo>
+                    <a:lnTo>
+                      <a:pt x="18" y="20"/>
+                    </a:lnTo>
+                    <a:lnTo>
+                      <a:pt x="10" y="34"/>
+                    </a:lnTo>
+                    <a:lnTo>
+                      <a:pt x="6" y="50"/>
+                    </a:lnTo>
+                    <a:lnTo>
+                      <a:pt x="2" y="64"/>
+                    </a:lnTo>
+                    <a:lnTo>
+                      <a:pt x="0" y="88"/>
+                    </a:lnTo>
+                    <a:lnTo>
+                      <a:pt x="0" y="96"/>
+                    </a:lnTo>
+                    <a:lnTo>
+                      <a:pt x="0" y="96"/>
+                    </a:lnTo>
+                    <a:lnTo>
+                      <a:pt x="10" y="96"/>
+                    </a:lnTo>
+                    <a:lnTo>
+                      <a:pt x="32" y="94"/>
+                    </a:lnTo>
+                    <a:lnTo>
+                      <a:pt x="46" y="92"/>
+                    </a:lnTo>
+                    <a:lnTo>
+                      <a:pt x="62" y="86"/>
+                    </a:lnTo>
+                    <a:lnTo>
+                      <a:pt x="76" y="80"/>
+                    </a:lnTo>
+                    <a:lnTo>
+                      <a:pt x="90" y="68"/>
+                    </a:lnTo>
+                    <a:lnTo>
+                      <a:pt x="90" y="68"/>
+                    </a:lnTo>
+                    <a:lnTo>
+                      <a:pt x="98" y="58"/>
+                    </a:lnTo>
+                    <a:lnTo>
+                      <a:pt x="98" y="58"/>
+                    </a:lnTo>
+                    <a:lnTo>
+                      <a:pt x="90" y="54"/>
+                    </a:lnTo>
+                    <a:lnTo>
+                      <a:pt x="90" y="54"/>
+                    </a:lnTo>
+                    <a:lnTo>
+                      <a:pt x="80" y="62"/>
+                    </a:lnTo>
+                    <a:lnTo>
+                      <a:pt x="68" y="66"/>
+                    </a:lnTo>
+                    <a:lnTo>
+                      <a:pt x="58" y="70"/>
+                    </a:lnTo>
+                    <a:lnTo>
+                      <a:pt x="48" y="72"/>
+                    </a:lnTo>
+                    <a:lnTo>
+                      <a:pt x="30" y="72"/>
+                    </a:lnTo>
+                    <a:lnTo>
+                      <a:pt x="24" y="72"/>
+                    </a:lnTo>
+                    <a:lnTo>
+                      <a:pt x="24" y="72"/>
+                    </a:lnTo>
+                    <a:close/>
+                  </a:path>
+                </a:pathLst>
+              </a:custGeom>
+              <a:grpFill/>
+              <a:ln w="9525">
+                <a:noFill/>
+                <a:round/>
+                <a:headEnd/>
+                <a:tailEnd/>
+              </a:ln>
+            </p:spPr>
+            <p:txBody>
+              <a:bodyPr vert="horz" wrap="square" lIns="91440" tIns="45720" rIns="91440" bIns="45720" numCol="1" anchor="t" anchorCtr="0" compatLnSpc="1">
+                <a:prstTxWarp prst="textNoShape">
+                  <a:avLst/>
+                </a:prstTxWarp>
+              </a:bodyPr>
+              <a:lstStyle/>
+              <a:p>
+                <a:endParaRPr lang="zh-CN" altLang="en-US"/>
+              </a:p>
+            </p:txBody>
+          </p:sp>
+        </p:grpSp>
+        <p:sp>
+          <p:nvSpPr>
+            <p:cNvPr id="26" name="椭圆 37"/>
+            <p:cNvSpPr/>
+            <p:nvPr/>
+          </p:nvSpPr>
+          <p:spPr>
+            <a:xfrm>
+              <a:off x="287565" y="3090648"/>
+              <a:ext cx="720884" cy="720884"/>
+            </a:xfrm>
+            <a:prstGeom prst="ellipse">
+              <a:avLst/>
+            </a:prstGeom>
+            <a:noFill/>
+            <a:ln w="19050" cap="rnd">
+              <a:solidFill>
+                <a:schemeClr val="bg1"/>
+              </a:solidFill>
+              <a:prstDash val="sysDot"/>
+            </a:ln>
+          </p:spPr>
+          <p:style>
+            <a:lnRef idx="2">
+              <a:schemeClr val="accent1">
+                <a:shade val="50000"/>
+              </a:schemeClr>
+            </a:lnRef>
+            <a:fillRef idx="1">
+              <a:schemeClr val="accent1"/>
+            </a:fillRef>
+            <a:effectRef idx="0">
+              <a:schemeClr val="accent1"/>
+            </a:effectRef>
+            <a:fontRef idx="minor">
+              <a:schemeClr val="lt1"/>
+            </a:fontRef>
+          </p:style>
+          <p:txBody>
+            <a:bodyPr anchor="ctr"/>
+            <a:lstStyle/>
+            <a:p>
+              <a:pPr algn="ctr" defTabSz="914400">
+                <a:defRPr/>
+              </a:pPr>
+              <a:endParaRPr lang="zh-CN" altLang="en-US" sz="2800" dirty="0">
+                <a:solidFill>
+                  <a:srgbClr val="FFFFFF"/>
+                </a:solidFill>
+                <a:latin typeface="Bauhaus 93" pitchFamily="82" charset="0"/>
+              </a:endParaRPr>
+            </a:p>
+          </p:txBody>
+        </p:sp>
+      </p:grpSp>
+    </p:spTree>
+    <p:extLst>
+      <p:ext uri="{BB962C8B-B14F-4D97-AF65-F5344CB8AC3E}">
+        <p14:creationId xmlns:p14="http://schemas.microsoft.com/office/powerpoint/2010/main" val="880785354"/>
+      </p:ext>
+    </p:extLst>
+  </p:cSld>
+  <p:clrMapOvr>
+    <a:masterClrMapping/>
+  </p:clrMapOvr>
+  <p:transition spd="slow">
+    <p:push dir="u"/>
+  </p:transition>
+</p:sld>
+</file>
+
+<file path=ppt/slides/slide7.xml><?xml version="1.0" encoding="utf-8"?>
+<p:sld xmlns:a="http://schemas.openxmlformats.org/drawingml/2006/main" xmlns:r="http://schemas.openxmlformats.org/officeDocument/2006/relationships" xmlns:p="http://schemas.openxmlformats.org/presentationml/2006/main">
+  <p:cSld>
+    <p:spTree>
+      <p:nvGrpSpPr>
+        <p:cNvPr id="1" name=""/>
+        <p:cNvGrpSpPr/>
+        <p:nvPr/>
+      </p:nvGrpSpPr>
+      <p:grpSpPr>
+        <a:xfrm>
+          <a:off x="0" y="0"/>
+          <a:ext cx="0" cy="0"/>
+          <a:chOff x="0" y="0"/>
+          <a:chExt cx="0" cy="0"/>
+        </a:xfrm>
+      </p:grpSpPr>
+      <p:sp>
+        <p:nvSpPr>
+          <p:cNvPr id="34" name="文本框 6"/>
+          <p:cNvSpPr txBox="1"/>
+          <p:nvPr/>
+        </p:nvSpPr>
+        <p:spPr>
+          <a:xfrm>
+            <a:off x="242693" y="165126"/>
+            <a:ext cx="2996333" cy="461665"/>
+          </a:xfrm>
+          <a:prstGeom prst="rect">
+            <a:avLst/>
+          </a:prstGeom>
+          <a:noFill/>
+        </p:spPr>
+        <p:txBody>
+          <a:bodyPr wrap="none" rtlCol="0">
+            <a:spAutoFit/>
+          </a:bodyPr>
+          <a:lstStyle/>
+          <a:p>
+            <a:r>
+              <a:rPr kumimoji="1" lang="it-IT" altLang="zh-CN" sz="2400" b="1" dirty="0">
+                <a:effectLst>
+                  <a:outerShdw blurRad="38100" dist="38100" dir="2700000" algn="tl">
+                    <a:srgbClr val="000000">
+                      <a:alpha val="43137"/>
+                    </a:srgbClr>
+                  </a:outerShdw>
+                </a:effectLst>
+              </a:rPr>
+              <a:t>Tecnologie di sviluppo</a:t>
+            </a:r>
+          </a:p>
+        </p:txBody>
+      </p:sp>
+      <p:sp>
+        <p:nvSpPr>
+          <p:cNvPr id="12" name="Freccia curva 11"/>
+          <p:cNvSpPr/>
+          <p:nvPr/>
+        </p:nvSpPr>
+        <p:spPr>
+          <a:xfrm flipV="1">
+            <a:off x="419848" y="626791"/>
+            <a:ext cx="744922" cy="415464"/>
+          </a:xfrm>
+          <a:prstGeom prst="bentArrow">
+            <a:avLst>
+              <a:gd name="adj1" fmla="val 35403"/>
+              <a:gd name="adj2" fmla="val 45791"/>
+              <a:gd name="adj3" fmla="val 50000"/>
+              <a:gd name="adj4" fmla="val 22347"/>
+            </a:avLst>
+          </a:prstGeom>
+          <a:solidFill>
+            <a:schemeClr val="accent4">
+              <a:lumMod val="75000"/>
+              <a:alpha val="75000"/>
+            </a:schemeClr>
+          </a:solidFill>
+          <a:ln>
+            <a:noFill/>
+          </a:ln>
+        </p:spPr>
+        <p:style>
+          <a:lnRef idx="2">
+            <a:schemeClr val="accent1">
+              <a:shade val="50000"/>
+            </a:schemeClr>
+          </a:lnRef>
+          <a:fillRef idx="1">
+            <a:schemeClr val="accent1"/>
+          </a:fillRef>
+          <a:effectRef idx="0">
+            <a:schemeClr val="accent1"/>
+          </a:effectRef>
+          <a:fontRef idx="minor">
+            <a:schemeClr val="lt1"/>
+          </a:fontRef>
+        </p:style>
+        <p:txBody>
+          <a:bodyPr rot="0" spcFirstLastPara="0" vertOverflow="overflow" horzOverflow="overflow" vert="horz" wrap="square" lIns="91440" tIns="45720" rIns="91440" bIns="45720" numCol="1" spcCol="0" rtlCol="0" fromWordArt="0" anchor="ctr" anchorCtr="0" forceAA="0" compatLnSpc="1">
+            <a:prstTxWarp prst="textNoShape">
+              <a:avLst/>
+            </a:prstTxWarp>
+            <a:noAutofit/>
+          </a:bodyPr>
+          <a:lstStyle/>
+          <a:p>
+            <a:pPr algn="ctr"/>
+            <a:endParaRPr kumimoji="1" lang="it-IT">
+              <a:solidFill>
+                <a:schemeClr val="tx1"/>
+              </a:solidFill>
+            </a:endParaRPr>
+          </a:p>
+        </p:txBody>
+      </p:sp>
+      <p:sp>
+        <p:nvSpPr>
+          <p:cNvPr id="3" name="Rettangolo 2"/>
+          <p:cNvSpPr/>
+          <p:nvPr/>
+        </p:nvSpPr>
+        <p:spPr>
+          <a:xfrm>
+            <a:off x="1164770" y="480580"/>
+            <a:ext cx="1648785" cy="707886"/>
+          </a:xfrm>
+          <a:prstGeom prst="rect">
+            <a:avLst/>
+          </a:prstGeom>
+        </p:spPr>
+        <p:txBody>
+          <a:bodyPr wrap="none">
+            <a:spAutoFit/>
+          </a:bodyPr>
+          <a:lstStyle/>
+          <a:p>
+            <a:r>
+              <a:rPr kumimoji="1" lang="it-IT" altLang="zh-CN" sz="4000" b="1" dirty="0" err="1">
+                <a:effectLst>
+                  <a:outerShdw blurRad="38100" dist="38100" dir="2700000" algn="tl">
+                    <a:srgbClr val="000000">
+                      <a:alpha val="43137"/>
+                    </a:srgbClr>
+                  </a:outerShdw>
+                </a:effectLst>
+              </a:rPr>
+              <a:t>CMake</a:t>
+            </a:r>
+            <a:endParaRPr lang="it-IT" sz="4000" dirty="0"/>
+          </a:p>
+        </p:txBody>
+      </p:sp>
+      <p:sp>
+        <p:nvSpPr>
+          <p:cNvPr id="6" name="Triangolo isoscele 20">
+            <a:extLst>
+              <a:ext uri="{FF2B5EF4-FFF2-40B4-BE49-F238E27FC236}">
+                <a16:creationId xmlns:a16="http://schemas.microsoft.com/office/drawing/2014/main" id="{3013823C-F164-4F3B-8A49-D3130090FF79}"/>
+              </a:ext>
+            </a:extLst>
+          </p:cNvPr>
+          <p:cNvSpPr/>
+          <p:nvPr/>
+        </p:nvSpPr>
+        <p:spPr>
+          <a:xfrm>
+            <a:off x="6054570" y="6134734"/>
+            <a:ext cx="3093314" cy="714563"/>
+          </a:xfrm>
+          <a:prstGeom prst="triangle">
+            <a:avLst>
+              <a:gd name="adj" fmla="val 100000"/>
+            </a:avLst>
+          </a:prstGeom>
+          <a:solidFill>
+            <a:schemeClr val="tx1">
+              <a:alpha val="18000"/>
+            </a:schemeClr>
+          </a:solidFill>
+          <a:ln>
+            <a:noFill/>
+          </a:ln>
+        </p:spPr>
+        <p:style>
+          <a:lnRef idx="1">
+            <a:schemeClr val="accent1"/>
+          </a:lnRef>
+          <a:fillRef idx="3">
+            <a:schemeClr val="accent1"/>
+          </a:fillRef>
+          <a:effectRef idx="2">
+            <a:schemeClr val="accent1"/>
+          </a:effectRef>
+          <a:fontRef idx="minor">
+            <a:schemeClr val="lt1"/>
+          </a:fontRef>
+        </p:style>
+        <p:txBody>
+          <a:bodyPr rtlCol="0" anchor="ctr"/>
+          <a:lstStyle/>
+          <a:p>
+            <a:pPr algn="ctr"/>
+            <a:endParaRPr lang="it-IT" dirty="0"/>
+          </a:p>
+        </p:txBody>
+      </p:sp>
+      <p:sp>
+        <p:nvSpPr>
+          <p:cNvPr id="7" name="Segnaposto numero diapositiva 10">
+            <a:extLst>
+              <a:ext uri="{FF2B5EF4-FFF2-40B4-BE49-F238E27FC236}">
+                <a16:creationId xmlns:a16="http://schemas.microsoft.com/office/drawing/2014/main" id="{70D85DDB-88B2-499A-BE1B-42AC54A2B3EB}"/>
+              </a:ext>
+            </a:extLst>
+          </p:cNvPr>
+          <p:cNvSpPr txBox="1">
+            <a:spLocks/>
+          </p:cNvSpPr>
+          <p:nvPr/>
+        </p:nvSpPr>
+        <p:spPr>
+          <a:xfrm>
+            <a:off x="8193386" y="6391960"/>
+            <a:ext cx="888046" cy="365125"/>
+          </a:xfrm>
+          <a:prstGeom prst="rect">
+            <a:avLst/>
+          </a:prstGeom>
+        </p:spPr>
+        <p:txBody>
+          <a:bodyPr/>
+          <a:lstStyle>
+            <a:defPPr>
+              <a:defRPr lang="it-IT"/>
+            </a:defPPr>
+            <a:lvl1pPr marL="0" algn="l" defTabSz="914400" rtl="0" eaLnBrk="1" latinLnBrk="0" hangingPunct="1">
+              <a:defRPr sz="1800" kern="1200">
+                <a:solidFill>
+                  <a:schemeClr val="tx1"/>
+                </a:solidFill>
+                <a:latin typeface="+mn-lt"/>
+                <a:ea typeface="+mn-ea"/>
+                <a:cs typeface="+mn-cs"/>
+              </a:defRPr>
+            </a:lvl1pPr>
+            <a:lvl2pPr marL="457200" algn="l" defTabSz="914400" rtl="0" eaLnBrk="1" latinLnBrk="0" hangingPunct="1">
+              <a:defRPr sz="1800" kern="1200">
+                <a:solidFill>
+                  <a:schemeClr val="tx1"/>
+                </a:solidFill>
+                <a:latin typeface="+mn-lt"/>
+                <a:ea typeface="+mn-ea"/>
+                <a:cs typeface="+mn-cs"/>
+              </a:defRPr>
+            </a:lvl2pPr>
+            <a:lvl3pPr marL="914400" algn="l" defTabSz="914400" rtl="0" eaLnBrk="1" latinLnBrk="0" hangingPunct="1">
+              <a:defRPr sz="1800" kern="1200">
+                <a:solidFill>
+                  <a:schemeClr val="tx1"/>
+                </a:solidFill>
+                <a:latin typeface="+mn-lt"/>
+                <a:ea typeface="+mn-ea"/>
+                <a:cs typeface="+mn-cs"/>
+              </a:defRPr>
+            </a:lvl3pPr>
+            <a:lvl4pPr marL="1371600" algn="l" defTabSz="914400" rtl="0" eaLnBrk="1" latinLnBrk="0" hangingPunct="1">
+              <a:defRPr sz="1800" kern="1200">
+                <a:solidFill>
+                  <a:schemeClr val="tx1"/>
+                </a:solidFill>
+                <a:latin typeface="+mn-lt"/>
+                <a:ea typeface="+mn-ea"/>
+                <a:cs typeface="+mn-cs"/>
+              </a:defRPr>
+            </a:lvl4pPr>
+            <a:lvl5pPr marL="1828800" algn="l" defTabSz="914400" rtl="0" eaLnBrk="1" latinLnBrk="0" hangingPunct="1">
+              <a:defRPr sz="1800" kern="1200">
+                <a:solidFill>
+                  <a:schemeClr val="tx1"/>
+                </a:solidFill>
+                <a:latin typeface="+mn-lt"/>
+                <a:ea typeface="+mn-ea"/>
+                <a:cs typeface="+mn-cs"/>
+              </a:defRPr>
+            </a:lvl5pPr>
+            <a:lvl6pPr marL="2286000" algn="l" defTabSz="914400" rtl="0" eaLnBrk="1" latinLnBrk="0" hangingPunct="1">
+              <a:defRPr sz="1800" kern="1200">
+                <a:solidFill>
+                  <a:schemeClr val="tx1"/>
+                </a:solidFill>
+                <a:latin typeface="+mn-lt"/>
+                <a:ea typeface="+mn-ea"/>
+                <a:cs typeface="+mn-cs"/>
+              </a:defRPr>
+            </a:lvl6pPr>
+            <a:lvl7pPr marL="2743200" algn="l" defTabSz="914400" rtl="0" eaLnBrk="1" latinLnBrk="0" hangingPunct="1">
+              <a:defRPr sz="1800" kern="1200">
+                <a:solidFill>
+                  <a:schemeClr val="tx1"/>
+                </a:solidFill>
+                <a:latin typeface="+mn-lt"/>
+                <a:ea typeface="+mn-ea"/>
+                <a:cs typeface="+mn-cs"/>
+              </a:defRPr>
+            </a:lvl7pPr>
+            <a:lvl8pPr marL="3200400" algn="l" defTabSz="914400" rtl="0" eaLnBrk="1" latinLnBrk="0" hangingPunct="1">
+              <a:defRPr sz="1800" kern="1200">
+                <a:solidFill>
+                  <a:schemeClr val="tx1"/>
+                </a:solidFill>
+                <a:latin typeface="+mn-lt"/>
+                <a:ea typeface="+mn-ea"/>
+                <a:cs typeface="+mn-cs"/>
+              </a:defRPr>
+            </a:lvl8pPr>
+            <a:lvl9pPr marL="3657600" algn="l" defTabSz="914400" rtl="0" eaLnBrk="1" latinLnBrk="0" hangingPunct="1">
+              <a:defRPr sz="1800" kern="1200">
+                <a:solidFill>
+                  <a:schemeClr val="tx1"/>
+                </a:solidFill>
+                <a:latin typeface="+mn-lt"/>
+                <a:ea typeface="+mn-ea"/>
+                <a:cs typeface="+mn-cs"/>
+              </a:defRPr>
+            </a:lvl9pPr>
+          </a:lstStyle>
+          <a:p>
+            <a:pPr algn="r"/>
+            <a:r>
+              <a:rPr lang="it-IT" altLang="zh-CN" sz="2000" dirty="0">
+                <a:solidFill>
+                  <a:schemeClr val="bg1"/>
+                </a:solidFill>
+              </a:rPr>
+              <a:t>7/14</a:t>
             </a:r>
             <a:endParaRPr lang="zh-CN" altLang="en-US" sz="2000" dirty="0">
               <a:solidFill>
@@ -20553,2945 +23492,6 @@
     <p:extLst>
       <p:ext uri="{BB962C8B-B14F-4D97-AF65-F5344CB8AC3E}">
         <p14:creationId xmlns:p14="http://schemas.microsoft.com/office/powerpoint/2010/main" val="1652994312"/>
-      </p:ext>
-    </p:extLst>
-  </p:cSld>
-  <p:clrMapOvr>
-    <a:masterClrMapping/>
-  </p:clrMapOvr>
-  <p:transition spd="slow">
-    <p:push dir="u"/>
-  </p:transition>
-</p:sld>
-</file>
-
-<file path=ppt/slides/slide7.xml><?xml version="1.0" encoding="utf-8"?>
-<p:sld xmlns:a="http://schemas.openxmlformats.org/drawingml/2006/main" xmlns:r="http://schemas.openxmlformats.org/officeDocument/2006/relationships" xmlns:p="http://schemas.openxmlformats.org/presentationml/2006/main">
-  <p:cSld>
-    <p:spTree>
-      <p:nvGrpSpPr>
-        <p:cNvPr id="1" name=""/>
-        <p:cNvGrpSpPr/>
-        <p:nvPr/>
-      </p:nvGrpSpPr>
-      <p:grpSpPr>
-        <a:xfrm>
-          <a:off x="0" y="0"/>
-          <a:ext cx="0" cy="0"/>
-          <a:chOff x="0" y="0"/>
-          <a:chExt cx="0" cy="0"/>
-        </a:xfrm>
-      </p:grpSpPr>
-      <p:sp>
-        <p:nvSpPr>
-          <p:cNvPr id="34" name="文本框 6"/>
-          <p:cNvSpPr txBox="1"/>
-          <p:nvPr/>
-        </p:nvSpPr>
-        <p:spPr>
-          <a:xfrm>
-            <a:off x="242693" y="165126"/>
-            <a:ext cx="2996333" cy="461665"/>
-          </a:xfrm>
-          <a:prstGeom prst="rect">
-            <a:avLst/>
-          </a:prstGeom>
-          <a:noFill/>
-        </p:spPr>
-        <p:txBody>
-          <a:bodyPr wrap="none" rtlCol="0">
-            <a:spAutoFit/>
-          </a:bodyPr>
-          <a:lstStyle/>
-          <a:p>
-            <a:r>
-              <a:rPr kumimoji="1" lang="it-IT" altLang="zh-CN" sz="2400" b="1" dirty="0">
-                <a:effectLst>
-                  <a:outerShdw blurRad="38100" dist="38100" dir="2700000" algn="tl">
-                    <a:srgbClr val="000000">
-                      <a:alpha val="43137"/>
-                    </a:srgbClr>
-                  </a:outerShdw>
-                </a:effectLst>
-              </a:rPr>
-              <a:t>Tecnologie di sviluppo</a:t>
-            </a:r>
-          </a:p>
-        </p:txBody>
-      </p:sp>
-      <p:sp>
-        <p:nvSpPr>
-          <p:cNvPr id="12" name="Freccia curva 11"/>
-          <p:cNvSpPr/>
-          <p:nvPr/>
-        </p:nvSpPr>
-        <p:spPr>
-          <a:xfrm flipV="1">
-            <a:off x="419848" y="626791"/>
-            <a:ext cx="744922" cy="415464"/>
-          </a:xfrm>
-          <a:prstGeom prst="bentArrow">
-            <a:avLst>
-              <a:gd name="adj1" fmla="val 35403"/>
-              <a:gd name="adj2" fmla="val 45791"/>
-              <a:gd name="adj3" fmla="val 50000"/>
-              <a:gd name="adj4" fmla="val 22347"/>
-            </a:avLst>
-          </a:prstGeom>
-          <a:solidFill>
-            <a:schemeClr val="accent4">
-              <a:lumMod val="75000"/>
-              <a:alpha val="75000"/>
-            </a:schemeClr>
-          </a:solidFill>
-          <a:ln>
-            <a:noFill/>
-          </a:ln>
-        </p:spPr>
-        <p:style>
-          <a:lnRef idx="2">
-            <a:schemeClr val="accent1">
-              <a:shade val="50000"/>
-            </a:schemeClr>
-          </a:lnRef>
-          <a:fillRef idx="1">
-            <a:schemeClr val="accent1"/>
-          </a:fillRef>
-          <a:effectRef idx="0">
-            <a:schemeClr val="accent1"/>
-          </a:effectRef>
-          <a:fontRef idx="minor">
-            <a:schemeClr val="lt1"/>
-          </a:fontRef>
-        </p:style>
-        <p:txBody>
-          <a:bodyPr rot="0" spcFirstLastPara="0" vertOverflow="overflow" horzOverflow="overflow" vert="horz" wrap="square" lIns="91440" tIns="45720" rIns="91440" bIns="45720" numCol="1" spcCol="0" rtlCol="0" fromWordArt="0" anchor="ctr" anchorCtr="0" forceAA="0" compatLnSpc="1">
-            <a:prstTxWarp prst="textNoShape">
-              <a:avLst/>
-            </a:prstTxWarp>
-            <a:noAutofit/>
-          </a:bodyPr>
-          <a:lstStyle/>
-          <a:p>
-            <a:pPr algn="ctr"/>
-            <a:endParaRPr kumimoji="1" lang="it-IT">
-              <a:solidFill>
-                <a:schemeClr val="tx1"/>
-              </a:solidFill>
-            </a:endParaRPr>
-          </a:p>
-        </p:txBody>
-      </p:sp>
-      <p:sp>
-        <p:nvSpPr>
-          <p:cNvPr id="3" name="Rettangolo 2"/>
-          <p:cNvSpPr/>
-          <p:nvPr/>
-        </p:nvSpPr>
-        <p:spPr>
-          <a:xfrm>
-            <a:off x="1164770" y="480580"/>
-            <a:ext cx="1795876" cy="707886"/>
-          </a:xfrm>
-          <a:prstGeom prst="rect">
-            <a:avLst/>
-          </a:prstGeom>
-        </p:spPr>
-        <p:txBody>
-          <a:bodyPr wrap="none">
-            <a:spAutoFit/>
-          </a:bodyPr>
-          <a:lstStyle/>
-          <a:p>
-            <a:r>
-              <a:rPr kumimoji="1" lang="it-IT" altLang="zh-CN" sz="4000" b="1" dirty="0" err="1">
-                <a:effectLst>
-                  <a:outerShdw blurRad="38100" dist="38100" dir="2700000" algn="tl">
-                    <a:srgbClr val="000000">
-                      <a:alpha val="43137"/>
-                    </a:srgbClr>
-                  </a:outerShdw>
-                </a:effectLst>
-              </a:rPr>
-              <a:t>Ubuntu</a:t>
-            </a:r>
-            <a:endParaRPr lang="it-IT" sz="4000" dirty="0"/>
-          </a:p>
-        </p:txBody>
-      </p:sp>
-      <p:sp>
-        <p:nvSpPr>
-          <p:cNvPr id="6" name="Triangolo isoscele 20">
-            <a:extLst>
-              <a:ext uri="{FF2B5EF4-FFF2-40B4-BE49-F238E27FC236}">
-                <a16:creationId xmlns:a16="http://schemas.microsoft.com/office/drawing/2014/main" id="{3013823C-F164-4F3B-8A49-D3130090FF79}"/>
-              </a:ext>
-            </a:extLst>
-          </p:cNvPr>
-          <p:cNvSpPr/>
-          <p:nvPr/>
-        </p:nvSpPr>
-        <p:spPr>
-          <a:xfrm>
-            <a:off x="6054570" y="6134734"/>
-            <a:ext cx="3093314" cy="714563"/>
-          </a:xfrm>
-          <a:prstGeom prst="triangle">
-            <a:avLst>
-              <a:gd name="adj" fmla="val 100000"/>
-            </a:avLst>
-          </a:prstGeom>
-          <a:solidFill>
-            <a:schemeClr val="tx1">
-              <a:alpha val="18000"/>
-            </a:schemeClr>
-          </a:solidFill>
-          <a:ln>
-            <a:noFill/>
-          </a:ln>
-        </p:spPr>
-        <p:style>
-          <a:lnRef idx="1">
-            <a:schemeClr val="accent1"/>
-          </a:lnRef>
-          <a:fillRef idx="3">
-            <a:schemeClr val="accent1"/>
-          </a:fillRef>
-          <a:effectRef idx="2">
-            <a:schemeClr val="accent1"/>
-          </a:effectRef>
-          <a:fontRef idx="minor">
-            <a:schemeClr val="lt1"/>
-          </a:fontRef>
-        </p:style>
-        <p:txBody>
-          <a:bodyPr rtlCol="0" anchor="ctr"/>
-          <a:lstStyle/>
-          <a:p>
-            <a:pPr algn="ctr"/>
-            <a:endParaRPr lang="it-IT" dirty="0"/>
-          </a:p>
-        </p:txBody>
-      </p:sp>
-      <p:sp>
-        <p:nvSpPr>
-          <p:cNvPr id="7" name="Segnaposto numero diapositiva 10">
-            <a:extLst>
-              <a:ext uri="{FF2B5EF4-FFF2-40B4-BE49-F238E27FC236}">
-                <a16:creationId xmlns:a16="http://schemas.microsoft.com/office/drawing/2014/main" id="{70D85DDB-88B2-499A-BE1B-42AC54A2B3EB}"/>
-              </a:ext>
-            </a:extLst>
-          </p:cNvPr>
-          <p:cNvSpPr txBox="1">
-            <a:spLocks/>
-          </p:cNvSpPr>
-          <p:nvPr/>
-        </p:nvSpPr>
-        <p:spPr>
-          <a:xfrm>
-            <a:off x="8193386" y="6391960"/>
-            <a:ext cx="888046" cy="365125"/>
-          </a:xfrm>
-          <a:prstGeom prst="rect">
-            <a:avLst/>
-          </a:prstGeom>
-        </p:spPr>
-        <p:txBody>
-          <a:bodyPr/>
-          <a:lstStyle>
-            <a:defPPr>
-              <a:defRPr lang="it-IT"/>
-            </a:defPPr>
-            <a:lvl1pPr marL="0" algn="l" defTabSz="914400" rtl="0" eaLnBrk="1" latinLnBrk="0" hangingPunct="1">
-              <a:defRPr sz="1800" kern="1200">
-                <a:solidFill>
-                  <a:schemeClr val="tx1"/>
-                </a:solidFill>
-                <a:latin typeface="+mn-lt"/>
-                <a:ea typeface="+mn-ea"/>
-                <a:cs typeface="+mn-cs"/>
-              </a:defRPr>
-            </a:lvl1pPr>
-            <a:lvl2pPr marL="457200" algn="l" defTabSz="914400" rtl="0" eaLnBrk="1" latinLnBrk="0" hangingPunct="1">
-              <a:defRPr sz="1800" kern="1200">
-                <a:solidFill>
-                  <a:schemeClr val="tx1"/>
-                </a:solidFill>
-                <a:latin typeface="+mn-lt"/>
-                <a:ea typeface="+mn-ea"/>
-                <a:cs typeface="+mn-cs"/>
-              </a:defRPr>
-            </a:lvl2pPr>
-            <a:lvl3pPr marL="914400" algn="l" defTabSz="914400" rtl="0" eaLnBrk="1" latinLnBrk="0" hangingPunct="1">
-              <a:defRPr sz="1800" kern="1200">
-                <a:solidFill>
-                  <a:schemeClr val="tx1"/>
-                </a:solidFill>
-                <a:latin typeface="+mn-lt"/>
-                <a:ea typeface="+mn-ea"/>
-                <a:cs typeface="+mn-cs"/>
-              </a:defRPr>
-            </a:lvl3pPr>
-            <a:lvl4pPr marL="1371600" algn="l" defTabSz="914400" rtl="0" eaLnBrk="1" latinLnBrk="0" hangingPunct="1">
-              <a:defRPr sz="1800" kern="1200">
-                <a:solidFill>
-                  <a:schemeClr val="tx1"/>
-                </a:solidFill>
-                <a:latin typeface="+mn-lt"/>
-                <a:ea typeface="+mn-ea"/>
-                <a:cs typeface="+mn-cs"/>
-              </a:defRPr>
-            </a:lvl4pPr>
-            <a:lvl5pPr marL="1828800" algn="l" defTabSz="914400" rtl="0" eaLnBrk="1" latinLnBrk="0" hangingPunct="1">
-              <a:defRPr sz="1800" kern="1200">
-                <a:solidFill>
-                  <a:schemeClr val="tx1"/>
-                </a:solidFill>
-                <a:latin typeface="+mn-lt"/>
-                <a:ea typeface="+mn-ea"/>
-                <a:cs typeface="+mn-cs"/>
-              </a:defRPr>
-            </a:lvl5pPr>
-            <a:lvl6pPr marL="2286000" algn="l" defTabSz="914400" rtl="0" eaLnBrk="1" latinLnBrk="0" hangingPunct="1">
-              <a:defRPr sz="1800" kern="1200">
-                <a:solidFill>
-                  <a:schemeClr val="tx1"/>
-                </a:solidFill>
-                <a:latin typeface="+mn-lt"/>
-                <a:ea typeface="+mn-ea"/>
-                <a:cs typeface="+mn-cs"/>
-              </a:defRPr>
-            </a:lvl6pPr>
-            <a:lvl7pPr marL="2743200" algn="l" defTabSz="914400" rtl="0" eaLnBrk="1" latinLnBrk="0" hangingPunct="1">
-              <a:defRPr sz="1800" kern="1200">
-                <a:solidFill>
-                  <a:schemeClr val="tx1"/>
-                </a:solidFill>
-                <a:latin typeface="+mn-lt"/>
-                <a:ea typeface="+mn-ea"/>
-                <a:cs typeface="+mn-cs"/>
-              </a:defRPr>
-            </a:lvl7pPr>
-            <a:lvl8pPr marL="3200400" algn="l" defTabSz="914400" rtl="0" eaLnBrk="1" latinLnBrk="0" hangingPunct="1">
-              <a:defRPr sz="1800" kern="1200">
-                <a:solidFill>
-                  <a:schemeClr val="tx1"/>
-                </a:solidFill>
-                <a:latin typeface="+mn-lt"/>
-                <a:ea typeface="+mn-ea"/>
-                <a:cs typeface="+mn-cs"/>
-              </a:defRPr>
-            </a:lvl8pPr>
-            <a:lvl9pPr marL="3657600" algn="l" defTabSz="914400" rtl="0" eaLnBrk="1" latinLnBrk="0" hangingPunct="1">
-              <a:defRPr sz="1800" kern="1200">
-                <a:solidFill>
-                  <a:schemeClr val="tx1"/>
-                </a:solidFill>
-                <a:latin typeface="+mn-lt"/>
-                <a:ea typeface="+mn-ea"/>
-                <a:cs typeface="+mn-cs"/>
-              </a:defRPr>
-            </a:lvl9pPr>
-          </a:lstStyle>
-          <a:p>
-            <a:pPr algn="r"/>
-            <a:r>
-              <a:rPr lang="it-IT" altLang="zh-CN" sz="2000" dirty="0">
-                <a:solidFill>
-                  <a:schemeClr val="bg1"/>
-                </a:solidFill>
-              </a:rPr>
-              <a:t>7/14</a:t>
-            </a:r>
-            <a:endParaRPr lang="zh-CN" altLang="en-US" sz="2000" dirty="0">
-              <a:solidFill>
-                <a:schemeClr val="bg1"/>
-              </a:solidFill>
-            </a:endParaRPr>
-          </a:p>
-        </p:txBody>
-      </p:sp>
-      <p:sp>
-        <p:nvSpPr>
-          <p:cNvPr id="10" name="Rettangolo 9"/>
-          <p:cNvSpPr/>
-          <p:nvPr/>
-        </p:nvSpPr>
-        <p:spPr>
-          <a:xfrm>
-            <a:off x="1225575" y="1656846"/>
-            <a:ext cx="6691748" cy="1154162"/>
-          </a:xfrm>
-          <a:prstGeom prst="rect">
-            <a:avLst/>
-          </a:prstGeom>
-          <a:noFill/>
-        </p:spPr>
-        <p:txBody>
-          <a:bodyPr wrap="square" rtlCol="0">
-            <a:spAutoFit/>
-          </a:bodyPr>
-          <a:lstStyle/>
-          <a:p>
-            <a:pPr algn="just">
-              <a:spcAft>
-                <a:spcPts val="600"/>
-              </a:spcAft>
-              <a:buClr>
-                <a:srgbClr val="FFC000"/>
-              </a:buClr>
-            </a:pPr>
-            <a:r>
-              <a:rPr kumimoji="1" lang="it-IT" sz="2400" b="1" dirty="0">
-                <a:solidFill>
-                  <a:schemeClr val="accent4">
-                    <a:lumMod val="75000"/>
-                  </a:schemeClr>
-                </a:solidFill>
-                <a:effectLst>
-                  <a:outerShdw blurRad="38100" dist="38100" dir="2700000" algn="tl">
-                    <a:srgbClr val="000000">
-                      <a:alpha val="43137"/>
-                    </a:srgbClr>
-                  </a:outerShdw>
-                </a:effectLst>
-              </a:rPr>
-              <a:t>Tecnologie concorrenziali</a:t>
-            </a:r>
-          </a:p>
-          <a:p>
-            <a:pPr marL="342900" indent="-342900" algn="just">
-              <a:buClr>
-                <a:srgbClr val="FFC000"/>
-              </a:buClr>
-              <a:buFont typeface="Wingdings" charset="2"/>
-              <a:buChar char="§"/>
-            </a:pPr>
-            <a:r>
-              <a:rPr kumimoji="1" lang="it-IT" sz="2000" dirty="0">
-                <a:solidFill>
-                  <a:schemeClr val="bg1"/>
-                </a:solidFill>
-                <a:effectLst>
-                  <a:outerShdw blurRad="38100" dist="38100" dir="2700000" algn="tl">
-                    <a:srgbClr val="000000">
-                      <a:alpha val="43137"/>
-                    </a:srgbClr>
-                  </a:outerShdw>
-                </a:effectLst>
-              </a:rPr>
-              <a:t>Microsoft Windows</a:t>
-            </a:r>
-          </a:p>
-          <a:p>
-            <a:pPr marL="342900" indent="-342900" algn="just">
-              <a:buClr>
-                <a:srgbClr val="FFC000"/>
-              </a:buClr>
-              <a:buFont typeface="Wingdings" charset="2"/>
-              <a:buChar char="§"/>
-            </a:pPr>
-            <a:r>
-              <a:rPr kumimoji="1" lang="it-IT" sz="2000" dirty="0">
-                <a:solidFill>
-                  <a:schemeClr val="bg1"/>
-                </a:solidFill>
-                <a:effectLst>
-                  <a:outerShdw blurRad="38100" dist="38100" dir="2700000" algn="tl">
-                    <a:srgbClr val="000000">
-                      <a:alpha val="43137"/>
-                    </a:srgbClr>
-                  </a:outerShdw>
-                </a:effectLst>
-              </a:rPr>
-              <a:t>Apple </a:t>
-            </a:r>
-            <a:r>
-              <a:rPr kumimoji="1" lang="it-IT" sz="2000" dirty="0" err="1">
-                <a:solidFill>
-                  <a:schemeClr val="bg1"/>
-                </a:solidFill>
-                <a:effectLst>
-                  <a:outerShdw blurRad="38100" dist="38100" dir="2700000" algn="tl">
-                    <a:srgbClr val="000000">
-                      <a:alpha val="43137"/>
-                    </a:srgbClr>
-                  </a:outerShdw>
-                </a:effectLst>
-              </a:rPr>
-              <a:t>MacOs</a:t>
-            </a:r>
-            <a:endParaRPr kumimoji="1" lang="it-IT" sz="2000" dirty="0">
-              <a:solidFill>
-                <a:schemeClr val="bg1"/>
-              </a:solidFill>
-              <a:effectLst>
-                <a:outerShdw blurRad="38100" dist="38100" dir="2700000" algn="tl">
-                  <a:srgbClr val="000000">
-                    <a:alpha val="43137"/>
-                  </a:srgbClr>
-                </a:outerShdw>
-              </a:effectLst>
-            </a:endParaRPr>
-          </a:p>
-        </p:txBody>
-      </p:sp>
-      <p:grpSp>
-        <p:nvGrpSpPr>
-          <p:cNvPr id="11" name="Gruppo 10"/>
-          <p:cNvGrpSpPr/>
-          <p:nvPr/>
-        </p:nvGrpSpPr>
-        <p:grpSpPr>
-          <a:xfrm>
-            <a:off x="287565" y="1591739"/>
-            <a:ext cx="720884" cy="720884"/>
-            <a:chOff x="419848" y="2142869"/>
-            <a:chExt cx="720884" cy="720884"/>
-          </a:xfrm>
-        </p:grpSpPr>
-        <p:grpSp>
-          <p:nvGrpSpPr>
-            <p:cNvPr id="13" name="组 23"/>
-            <p:cNvGrpSpPr/>
-            <p:nvPr/>
-          </p:nvGrpSpPr>
-          <p:grpSpPr>
-            <a:xfrm>
-              <a:off x="531246" y="2331340"/>
-              <a:ext cx="477203" cy="357188"/>
-              <a:chOff x="6018213" y="1143000"/>
-              <a:chExt cx="530225" cy="396875"/>
-            </a:xfrm>
-            <a:solidFill>
-              <a:schemeClr val="bg1"/>
-            </a:solidFill>
-          </p:grpSpPr>
-          <p:sp>
-            <p:nvSpPr>
-              <p:cNvPr id="15" name="Freeform 149"/>
-              <p:cNvSpPr>
-                <a:spLocks/>
-              </p:cNvSpPr>
-              <p:nvPr/>
-            </p:nvSpPr>
-            <p:spPr bwMode="auto">
-              <a:xfrm>
-                <a:off x="6094413" y="1314450"/>
-                <a:ext cx="269875" cy="25400"/>
-              </a:xfrm>
-              <a:custGeom>
-                <a:avLst/>
-                <a:gdLst/>
-                <a:ahLst/>
-                <a:cxnLst>
-                  <a:cxn ang="0">
-                    <a:pos x="162" y="0"/>
-                  </a:cxn>
-                  <a:cxn ang="0">
-                    <a:pos x="8" y="0"/>
-                  </a:cxn>
-                  <a:cxn ang="0">
-                    <a:pos x="8" y="0"/>
-                  </a:cxn>
-                  <a:cxn ang="0">
-                    <a:pos x="4" y="0"/>
-                  </a:cxn>
-                  <a:cxn ang="0">
-                    <a:pos x="2" y="2"/>
-                  </a:cxn>
-                  <a:cxn ang="0">
-                    <a:pos x="0" y="4"/>
-                  </a:cxn>
-                  <a:cxn ang="0">
-                    <a:pos x="0" y="8"/>
-                  </a:cxn>
-                  <a:cxn ang="0">
-                    <a:pos x="0" y="8"/>
-                  </a:cxn>
-                  <a:cxn ang="0">
-                    <a:pos x="0" y="10"/>
-                  </a:cxn>
-                  <a:cxn ang="0">
-                    <a:pos x="2" y="12"/>
-                  </a:cxn>
-                  <a:cxn ang="0">
-                    <a:pos x="4" y="14"/>
-                  </a:cxn>
-                  <a:cxn ang="0">
-                    <a:pos x="8" y="16"/>
-                  </a:cxn>
-                  <a:cxn ang="0">
-                    <a:pos x="162" y="16"/>
-                  </a:cxn>
-                  <a:cxn ang="0">
-                    <a:pos x="162" y="16"/>
-                  </a:cxn>
-                  <a:cxn ang="0">
-                    <a:pos x="166" y="14"/>
-                  </a:cxn>
-                  <a:cxn ang="0">
-                    <a:pos x="168" y="12"/>
-                  </a:cxn>
-                  <a:cxn ang="0">
-                    <a:pos x="170" y="10"/>
-                  </a:cxn>
-                  <a:cxn ang="0">
-                    <a:pos x="170" y="8"/>
-                  </a:cxn>
-                  <a:cxn ang="0">
-                    <a:pos x="170" y="8"/>
-                  </a:cxn>
-                  <a:cxn ang="0">
-                    <a:pos x="170" y="4"/>
-                  </a:cxn>
-                  <a:cxn ang="0">
-                    <a:pos x="168" y="2"/>
-                  </a:cxn>
-                  <a:cxn ang="0">
-                    <a:pos x="166" y="0"/>
-                  </a:cxn>
-                  <a:cxn ang="0">
-                    <a:pos x="162" y="0"/>
-                  </a:cxn>
-                  <a:cxn ang="0">
-                    <a:pos x="162" y="0"/>
-                  </a:cxn>
-                </a:cxnLst>
-                <a:rect l="0" t="0" r="r" b="b"/>
-                <a:pathLst>
-                  <a:path w="170" h="16">
-                    <a:moveTo>
-                      <a:pt x="162" y="0"/>
-                    </a:moveTo>
-                    <a:lnTo>
-                      <a:pt x="8" y="0"/>
-                    </a:lnTo>
-                    <a:lnTo>
-                      <a:pt x="8" y="0"/>
-                    </a:lnTo>
-                    <a:lnTo>
-                      <a:pt x="4" y="0"/>
-                    </a:lnTo>
-                    <a:lnTo>
-                      <a:pt x="2" y="2"/>
-                    </a:lnTo>
-                    <a:lnTo>
-                      <a:pt x="0" y="4"/>
-                    </a:lnTo>
-                    <a:lnTo>
-                      <a:pt x="0" y="8"/>
-                    </a:lnTo>
-                    <a:lnTo>
-                      <a:pt x="0" y="8"/>
-                    </a:lnTo>
-                    <a:lnTo>
-                      <a:pt x="0" y="10"/>
-                    </a:lnTo>
-                    <a:lnTo>
-                      <a:pt x="2" y="12"/>
-                    </a:lnTo>
-                    <a:lnTo>
-                      <a:pt x="4" y="14"/>
-                    </a:lnTo>
-                    <a:lnTo>
-                      <a:pt x="8" y="16"/>
-                    </a:lnTo>
-                    <a:lnTo>
-                      <a:pt x="162" y="16"/>
-                    </a:lnTo>
-                    <a:lnTo>
-                      <a:pt x="162" y="16"/>
-                    </a:lnTo>
-                    <a:lnTo>
-                      <a:pt x="166" y="14"/>
-                    </a:lnTo>
-                    <a:lnTo>
-                      <a:pt x="168" y="12"/>
-                    </a:lnTo>
-                    <a:lnTo>
-                      <a:pt x="170" y="10"/>
-                    </a:lnTo>
-                    <a:lnTo>
-                      <a:pt x="170" y="8"/>
-                    </a:lnTo>
-                    <a:lnTo>
-                      <a:pt x="170" y="8"/>
-                    </a:lnTo>
-                    <a:lnTo>
-                      <a:pt x="170" y="4"/>
-                    </a:lnTo>
-                    <a:lnTo>
-                      <a:pt x="168" y="2"/>
-                    </a:lnTo>
-                    <a:lnTo>
-                      <a:pt x="166" y="0"/>
-                    </a:lnTo>
-                    <a:lnTo>
-                      <a:pt x="162" y="0"/>
-                    </a:lnTo>
-                    <a:lnTo>
-                      <a:pt x="162" y="0"/>
-                    </a:lnTo>
-                    <a:close/>
-                  </a:path>
-                </a:pathLst>
-              </a:custGeom>
-              <a:grpFill/>
-              <a:ln w="9525">
-                <a:solidFill>
-                  <a:schemeClr val="bg1"/>
-                </a:solidFill>
-                <a:round/>
-                <a:headEnd/>
-                <a:tailEnd/>
-              </a:ln>
-            </p:spPr>
-            <p:txBody>
-              <a:bodyPr vert="horz" wrap="square" lIns="91440" tIns="45720" rIns="91440" bIns="45720" numCol="1" anchor="t" anchorCtr="0" compatLnSpc="1">
-                <a:prstTxWarp prst="textNoShape">
-                  <a:avLst/>
-                </a:prstTxWarp>
-              </a:bodyPr>
-              <a:lstStyle/>
-              <a:p>
-                <a:endParaRPr lang="zh-CN" altLang="en-US">
-                  <a:solidFill>
-                    <a:prstClr val="black"/>
-                  </a:solidFill>
-                </a:endParaRPr>
-              </a:p>
-            </p:txBody>
-          </p:sp>
-          <p:sp>
-            <p:nvSpPr>
-              <p:cNvPr id="16" name="Freeform 150"/>
-              <p:cNvSpPr>
-                <a:spLocks/>
-              </p:cNvSpPr>
-              <p:nvPr/>
-            </p:nvSpPr>
-            <p:spPr bwMode="auto">
-              <a:xfrm>
-                <a:off x="6094413" y="1384300"/>
-                <a:ext cx="269875" cy="25400"/>
-              </a:xfrm>
-              <a:custGeom>
-                <a:avLst/>
-                <a:gdLst/>
-                <a:ahLst/>
-                <a:cxnLst>
-                  <a:cxn ang="0">
-                    <a:pos x="162" y="0"/>
-                  </a:cxn>
-                  <a:cxn ang="0">
-                    <a:pos x="8" y="0"/>
-                  </a:cxn>
-                  <a:cxn ang="0">
-                    <a:pos x="8" y="0"/>
-                  </a:cxn>
-                  <a:cxn ang="0">
-                    <a:pos x="4" y="2"/>
-                  </a:cxn>
-                  <a:cxn ang="0">
-                    <a:pos x="2" y="2"/>
-                  </a:cxn>
-                  <a:cxn ang="0">
-                    <a:pos x="0" y="6"/>
-                  </a:cxn>
-                  <a:cxn ang="0">
-                    <a:pos x="0" y="8"/>
-                  </a:cxn>
-                  <a:cxn ang="0">
-                    <a:pos x="0" y="8"/>
-                  </a:cxn>
-                  <a:cxn ang="0">
-                    <a:pos x="0" y="12"/>
-                  </a:cxn>
-                  <a:cxn ang="0">
-                    <a:pos x="2" y="14"/>
-                  </a:cxn>
-                  <a:cxn ang="0">
-                    <a:pos x="4" y="16"/>
-                  </a:cxn>
-                  <a:cxn ang="0">
-                    <a:pos x="8" y="16"/>
-                  </a:cxn>
-                  <a:cxn ang="0">
-                    <a:pos x="162" y="16"/>
-                  </a:cxn>
-                  <a:cxn ang="0">
-                    <a:pos x="162" y="16"/>
-                  </a:cxn>
-                  <a:cxn ang="0">
-                    <a:pos x="166" y="16"/>
-                  </a:cxn>
-                  <a:cxn ang="0">
-                    <a:pos x="168" y="14"/>
-                  </a:cxn>
-                  <a:cxn ang="0">
-                    <a:pos x="170" y="12"/>
-                  </a:cxn>
-                  <a:cxn ang="0">
-                    <a:pos x="170" y="8"/>
-                  </a:cxn>
-                  <a:cxn ang="0">
-                    <a:pos x="170" y="8"/>
-                  </a:cxn>
-                  <a:cxn ang="0">
-                    <a:pos x="170" y="6"/>
-                  </a:cxn>
-                  <a:cxn ang="0">
-                    <a:pos x="168" y="2"/>
-                  </a:cxn>
-                  <a:cxn ang="0">
-                    <a:pos x="166" y="2"/>
-                  </a:cxn>
-                  <a:cxn ang="0">
-                    <a:pos x="162" y="0"/>
-                  </a:cxn>
-                  <a:cxn ang="0">
-                    <a:pos x="162" y="0"/>
-                  </a:cxn>
-                </a:cxnLst>
-                <a:rect l="0" t="0" r="r" b="b"/>
-                <a:pathLst>
-                  <a:path w="170" h="16">
-                    <a:moveTo>
-                      <a:pt x="162" y="0"/>
-                    </a:moveTo>
-                    <a:lnTo>
-                      <a:pt x="8" y="0"/>
-                    </a:lnTo>
-                    <a:lnTo>
-                      <a:pt x="8" y="0"/>
-                    </a:lnTo>
-                    <a:lnTo>
-                      <a:pt x="4" y="2"/>
-                    </a:lnTo>
-                    <a:lnTo>
-                      <a:pt x="2" y="2"/>
-                    </a:lnTo>
-                    <a:lnTo>
-                      <a:pt x="0" y="6"/>
-                    </a:lnTo>
-                    <a:lnTo>
-                      <a:pt x="0" y="8"/>
-                    </a:lnTo>
-                    <a:lnTo>
-                      <a:pt x="0" y="8"/>
-                    </a:lnTo>
-                    <a:lnTo>
-                      <a:pt x="0" y="12"/>
-                    </a:lnTo>
-                    <a:lnTo>
-                      <a:pt x="2" y="14"/>
-                    </a:lnTo>
-                    <a:lnTo>
-                      <a:pt x="4" y="16"/>
-                    </a:lnTo>
-                    <a:lnTo>
-                      <a:pt x="8" y="16"/>
-                    </a:lnTo>
-                    <a:lnTo>
-                      <a:pt x="162" y="16"/>
-                    </a:lnTo>
-                    <a:lnTo>
-                      <a:pt x="162" y="16"/>
-                    </a:lnTo>
-                    <a:lnTo>
-                      <a:pt x="166" y="16"/>
-                    </a:lnTo>
-                    <a:lnTo>
-                      <a:pt x="168" y="14"/>
-                    </a:lnTo>
-                    <a:lnTo>
-                      <a:pt x="170" y="12"/>
-                    </a:lnTo>
-                    <a:lnTo>
-                      <a:pt x="170" y="8"/>
-                    </a:lnTo>
-                    <a:lnTo>
-                      <a:pt x="170" y="8"/>
-                    </a:lnTo>
-                    <a:lnTo>
-                      <a:pt x="170" y="6"/>
-                    </a:lnTo>
-                    <a:lnTo>
-                      <a:pt x="168" y="2"/>
-                    </a:lnTo>
-                    <a:lnTo>
-                      <a:pt x="166" y="2"/>
-                    </a:lnTo>
-                    <a:lnTo>
-                      <a:pt x="162" y="0"/>
-                    </a:lnTo>
-                    <a:lnTo>
-                      <a:pt x="162" y="0"/>
-                    </a:lnTo>
-                    <a:close/>
-                  </a:path>
-                </a:pathLst>
-              </a:custGeom>
-              <a:grpFill/>
-              <a:ln w="9525">
-                <a:solidFill>
-                  <a:schemeClr val="bg1"/>
-                </a:solidFill>
-                <a:round/>
-                <a:headEnd/>
-                <a:tailEnd/>
-              </a:ln>
-            </p:spPr>
-            <p:txBody>
-              <a:bodyPr vert="horz" wrap="square" lIns="91440" tIns="45720" rIns="91440" bIns="45720" numCol="1" anchor="t" anchorCtr="0" compatLnSpc="1">
-                <a:prstTxWarp prst="textNoShape">
-                  <a:avLst/>
-                </a:prstTxWarp>
-              </a:bodyPr>
-              <a:lstStyle/>
-              <a:p>
-                <a:endParaRPr lang="zh-CN" altLang="en-US">
-                  <a:solidFill>
-                    <a:prstClr val="black"/>
-                  </a:solidFill>
-                </a:endParaRPr>
-              </a:p>
-            </p:txBody>
-          </p:sp>
-          <p:sp>
-            <p:nvSpPr>
-              <p:cNvPr id="17" name="Freeform 151"/>
-              <p:cNvSpPr>
-                <a:spLocks noEditPoints="1"/>
-              </p:cNvSpPr>
-              <p:nvPr/>
-            </p:nvSpPr>
-            <p:spPr bwMode="auto">
-              <a:xfrm>
-                <a:off x="6018213" y="1219200"/>
-                <a:ext cx="428625" cy="320675"/>
-              </a:xfrm>
-              <a:custGeom>
-                <a:avLst/>
-                <a:gdLst/>
-                <a:ahLst/>
-                <a:cxnLst>
-                  <a:cxn ang="0">
-                    <a:pos x="96" y="0"/>
-                  </a:cxn>
-                  <a:cxn ang="0">
-                    <a:pos x="20" y="0"/>
-                  </a:cxn>
-                  <a:cxn ang="0">
-                    <a:pos x="12" y="2"/>
-                  </a:cxn>
-                  <a:cxn ang="0">
-                    <a:pos x="0" y="14"/>
-                  </a:cxn>
-                  <a:cxn ang="0">
-                    <a:pos x="0" y="156"/>
-                  </a:cxn>
-                  <a:cxn ang="0">
-                    <a:pos x="0" y="164"/>
-                  </a:cxn>
-                  <a:cxn ang="0">
-                    <a:pos x="12" y="176"/>
-                  </a:cxn>
-                  <a:cxn ang="0">
-                    <a:pos x="178" y="176"/>
-                  </a:cxn>
-                  <a:cxn ang="0">
-                    <a:pos x="204" y="196"/>
-                  </a:cxn>
-                  <a:cxn ang="0">
-                    <a:pos x="208" y="198"/>
-                  </a:cxn>
-                  <a:cxn ang="0">
-                    <a:pos x="208" y="198"/>
-                  </a:cxn>
-                  <a:cxn ang="0">
-                    <a:pos x="218" y="202"/>
-                  </a:cxn>
-                  <a:cxn ang="0">
-                    <a:pos x="224" y="202"/>
-                  </a:cxn>
-                  <a:cxn ang="0">
-                    <a:pos x="228" y="198"/>
-                  </a:cxn>
-                  <a:cxn ang="0">
-                    <a:pos x="230" y="186"/>
-                  </a:cxn>
-                  <a:cxn ang="0">
-                    <a:pos x="250" y="176"/>
-                  </a:cxn>
-                  <a:cxn ang="0">
-                    <a:pos x="258" y="176"/>
-                  </a:cxn>
-                  <a:cxn ang="0">
-                    <a:pos x="270" y="164"/>
-                  </a:cxn>
-                  <a:cxn ang="0">
-                    <a:pos x="270" y="136"/>
-                  </a:cxn>
-                  <a:cxn ang="0">
-                    <a:pos x="270" y="22"/>
-                  </a:cxn>
-                  <a:cxn ang="0">
-                    <a:pos x="270" y="14"/>
-                  </a:cxn>
-                  <a:cxn ang="0">
-                    <a:pos x="258" y="2"/>
-                  </a:cxn>
-                  <a:cxn ang="0">
-                    <a:pos x="250" y="0"/>
-                  </a:cxn>
-                  <a:cxn ang="0">
-                    <a:pos x="254" y="156"/>
-                  </a:cxn>
-                  <a:cxn ang="0">
-                    <a:pos x="250" y="160"/>
-                  </a:cxn>
-                  <a:cxn ang="0">
-                    <a:pos x="220" y="160"/>
-                  </a:cxn>
-                  <a:cxn ang="0">
-                    <a:pos x="214" y="164"/>
-                  </a:cxn>
-                  <a:cxn ang="0">
-                    <a:pos x="212" y="166"/>
-                  </a:cxn>
-                  <a:cxn ang="0">
-                    <a:pos x="214" y="184"/>
-                  </a:cxn>
-                  <a:cxn ang="0">
-                    <a:pos x="186" y="162"/>
-                  </a:cxn>
-                  <a:cxn ang="0">
-                    <a:pos x="20" y="160"/>
-                  </a:cxn>
-                  <a:cxn ang="0">
-                    <a:pos x="16" y="160"/>
-                  </a:cxn>
-                  <a:cxn ang="0">
-                    <a:pos x="16" y="22"/>
-                  </a:cxn>
-                  <a:cxn ang="0">
-                    <a:pos x="16" y="18"/>
-                  </a:cxn>
-                  <a:cxn ang="0">
-                    <a:pos x="250" y="16"/>
-                  </a:cxn>
-                  <a:cxn ang="0">
-                    <a:pos x="254" y="18"/>
-                  </a:cxn>
-                  <a:cxn ang="0">
-                    <a:pos x="254" y="156"/>
-                  </a:cxn>
-                </a:cxnLst>
-                <a:rect l="0" t="0" r="r" b="b"/>
-                <a:pathLst>
-                  <a:path w="270" h="202">
-                    <a:moveTo>
-                      <a:pt x="250" y="0"/>
-                    </a:moveTo>
-                    <a:lnTo>
-                      <a:pt x="96" y="0"/>
-                    </a:lnTo>
-                    <a:lnTo>
-                      <a:pt x="80" y="0"/>
-                    </a:lnTo>
-                    <a:lnTo>
-                      <a:pt x="20" y="0"/>
-                    </a:lnTo>
-                    <a:lnTo>
-                      <a:pt x="20" y="0"/>
-                    </a:lnTo>
-                    <a:lnTo>
-                      <a:pt x="12" y="2"/>
-                    </a:lnTo>
-                    <a:lnTo>
-                      <a:pt x="6" y="6"/>
-                    </a:lnTo>
-                    <a:lnTo>
-                      <a:pt x="0" y="14"/>
-                    </a:lnTo>
-                    <a:lnTo>
-                      <a:pt x="0" y="22"/>
-                    </a:lnTo>
-                    <a:lnTo>
-                      <a:pt x="0" y="156"/>
-                    </a:lnTo>
-                    <a:lnTo>
-                      <a:pt x="0" y="156"/>
-                    </a:lnTo>
-                    <a:lnTo>
-                      <a:pt x="0" y="164"/>
-                    </a:lnTo>
-                    <a:lnTo>
-                      <a:pt x="6" y="170"/>
-                    </a:lnTo>
-                    <a:lnTo>
-                      <a:pt x="12" y="176"/>
-                    </a:lnTo>
-                    <a:lnTo>
-                      <a:pt x="20" y="176"/>
-                    </a:lnTo>
-                    <a:lnTo>
-                      <a:pt x="178" y="176"/>
-                    </a:lnTo>
-                    <a:lnTo>
-                      <a:pt x="204" y="196"/>
-                    </a:lnTo>
-                    <a:lnTo>
-                      <a:pt x="204" y="196"/>
-                    </a:lnTo>
-                    <a:lnTo>
-                      <a:pt x="208" y="198"/>
-                    </a:lnTo>
-                    <a:lnTo>
-                      <a:pt x="208" y="198"/>
-                    </a:lnTo>
-                    <a:lnTo>
-                      <a:pt x="208" y="198"/>
-                    </a:lnTo>
-                    <a:lnTo>
-                      <a:pt x="208" y="198"/>
-                    </a:lnTo>
-                    <a:lnTo>
-                      <a:pt x="212" y="202"/>
-                    </a:lnTo>
-                    <a:lnTo>
-                      <a:pt x="218" y="202"/>
-                    </a:lnTo>
-                    <a:lnTo>
-                      <a:pt x="218" y="202"/>
-                    </a:lnTo>
-                    <a:lnTo>
-                      <a:pt x="224" y="202"/>
-                    </a:lnTo>
-                    <a:lnTo>
-                      <a:pt x="224" y="202"/>
-                    </a:lnTo>
-                    <a:lnTo>
-                      <a:pt x="228" y="198"/>
-                    </a:lnTo>
-                    <a:lnTo>
-                      <a:pt x="230" y="192"/>
-                    </a:lnTo>
-                    <a:lnTo>
-                      <a:pt x="230" y="186"/>
-                    </a:lnTo>
-                    <a:lnTo>
-                      <a:pt x="230" y="176"/>
-                    </a:lnTo>
-                    <a:lnTo>
-                      <a:pt x="250" y="176"/>
-                    </a:lnTo>
-                    <a:lnTo>
-                      <a:pt x="250" y="176"/>
-                    </a:lnTo>
-                    <a:lnTo>
-                      <a:pt x="258" y="176"/>
-                    </a:lnTo>
-                    <a:lnTo>
-                      <a:pt x="264" y="170"/>
-                    </a:lnTo>
-                    <a:lnTo>
-                      <a:pt x="270" y="164"/>
-                    </a:lnTo>
-                    <a:lnTo>
-                      <a:pt x="270" y="156"/>
-                    </a:lnTo>
-                    <a:lnTo>
-                      <a:pt x="270" y="136"/>
-                    </a:lnTo>
-                    <a:lnTo>
-                      <a:pt x="270" y="120"/>
-                    </a:lnTo>
-                    <a:lnTo>
-                      <a:pt x="270" y="22"/>
-                    </a:lnTo>
-                    <a:lnTo>
-                      <a:pt x="270" y="22"/>
-                    </a:lnTo>
-                    <a:lnTo>
-                      <a:pt x="270" y="14"/>
-                    </a:lnTo>
-                    <a:lnTo>
-                      <a:pt x="264" y="6"/>
-                    </a:lnTo>
-                    <a:lnTo>
-                      <a:pt x="258" y="2"/>
-                    </a:lnTo>
-                    <a:lnTo>
-                      <a:pt x="250" y="0"/>
-                    </a:lnTo>
-                    <a:lnTo>
-                      <a:pt x="250" y="0"/>
-                    </a:lnTo>
-                    <a:close/>
-                    <a:moveTo>
-                      <a:pt x="254" y="156"/>
-                    </a:moveTo>
-                    <a:lnTo>
-                      <a:pt x="254" y="156"/>
-                    </a:lnTo>
-                    <a:lnTo>
-                      <a:pt x="254" y="160"/>
-                    </a:lnTo>
-                    <a:lnTo>
-                      <a:pt x="250" y="160"/>
-                    </a:lnTo>
-                    <a:lnTo>
-                      <a:pt x="220" y="160"/>
-                    </a:lnTo>
-                    <a:lnTo>
-                      <a:pt x="220" y="160"/>
-                    </a:lnTo>
-                    <a:lnTo>
-                      <a:pt x="218" y="162"/>
-                    </a:lnTo>
-                    <a:lnTo>
-                      <a:pt x="214" y="164"/>
-                    </a:lnTo>
-                    <a:lnTo>
-                      <a:pt x="214" y="164"/>
-                    </a:lnTo>
-                    <a:lnTo>
-                      <a:pt x="212" y="166"/>
-                    </a:lnTo>
-                    <a:lnTo>
-                      <a:pt x="212" y="170"/>
-                    </a:lnTo>
-                    <a:lnTo>
-                      <a:pt x="214" y="184"/>
-                    </a:lnTo>
-                    <a:lnTo>
-                      <a:pt x="186" y="162"/>
-                    </a:lnTo>
-                    <a:lnTo>
-                      <a:pt x="186" y="162"/>
-                    </a:lnTo>
-                    <a:lnTo>
-                      <a:pt x="182" y="160"/>
-                    </a:lnTo>
-                    <a:lnTo>
-                      <a:pt x="20" y="160"/>
-                    </a:lnTo>
-                    <a:lnTo>
-                      <a:pt x="20" y="160"/>
-                    </a:lnTo>
-                    <a:lnTo>
-                      <a:pt x="16" y="160"/>
-                    </a:lnTo>
-                    <a:lnTo>
-                      <a:pt x="16" y="156"/>
-                    </a:lnTo>
-                    <a:lnTo>
-                      <a:pt x="16" y="22"/>
-                    </a:lnTo>
-                    <a:lnTo>
-                      <a:pt x="16" y="22"/>
-                    </a:lnTo>
-                    <a:lnTo>
-                      <a:pt x="16" y="18"/>
-                    </a:lnTo>
-                    <a:lnTo>
-                      <a:pt x="20" y="16"/>
-                    </a:lnTo>
-                    <a:lnTo>
-                      <a:pt x="250" y="16"/>
-                    </a:lnTo>
-                    <a:lnTo>
-                      <a:pt x="250" y="16"/>
-                    </a:lnTo>
-                    <a:lnTo>
-                      <a:pt x="254" y="18"/>
-                    </a:lnTo>
-                    <a:lnTo>
-                      <a:pt x="254" y="22"/>
-                    </a:lnTo>
-                    <a:lnTo>
-                      <a:pt x="254" y="156"/>
-                    </a:lnTo>
-                    <a:close/>
-                  </a:path>
-                </a:pathLst>
-              </a:custGeom>
-              <a:grpFill/>
-              <a:ln w="9525">
-                <a:solidFill>
-                  <a:schemeClr val="bg1"/>
-                </a:solidFill>
-                <a:round/>
-                <a:headEnd/>
-                <a:tailEnd/>
-              </a:ln>
-            </p:spPr>
-            <p:txBody>
-              <a:bodyPr vert="horz" wrap="square" lIns="91440" tIns="45720" rIns="91440" bIns="45720" numCol="1" anchor="t" anchorCtr="0" compatLnSpc="1">
-                <a:prstTxWarp prst="textNoShape">
-                  <a:avLst/>
-                </a:prstTxWarp>
-              </a:bodyPr>
-              <a:lstStyle/>
-              <a:p>
-                <a:endParaRPr lang="zh-CN" altLang="en-US">
-                  <a:solidFill>
-                    <a:prstClr val="black"/>
-                  </a:solidFill>
-                </a:endParaRPr>
-              </a:p>
-            </p:txBody>
-          </p:sp>
-          <p:sp>
-            <p:nvSpPr>
-              <p:cNvPr id="18" name="Freeform 152"/>
-              <p:cNvSpPr>
-                <a:spLocks/>
-              </p:cNvSpPr>
-              <p:nvPr/>
-            </p:nvSpPr>
-            <p:spPr bwMode="auto">
-              <a:xfrm>
-                <a:off x="6135688" y="1143000"/>
-                <a:ext cx="412750" cy="298450"/>
-              </a:xfrm>
-              <a:custGeom>
-                <a:avLst/>
-                <a:gdLst/>
-                <a:ahLst/>
-                <a:cxnLst>
-                  <a:cxn ang="0">
-                    <a:pos x="238" y="0"/>
-                  </a:cxn>
-                  <a:cxn ang="0">
-                    <a:pos x="24" y="0"/>
-                  </a:cxn>
-                  <a:cxn ang="0">
-                    <a:pos x="24" y="0"/>
-                  </a:cxn>
-                  <a:cxn ang="0">
-                    <a:pos x="14" y="0"/>
-                  </a:cxn>
-                  <a:cxn ang="0">
-                    <a:pos x="6" y="6"/>
-                  </a:cxn>
-                  <a:cxn ang="0">
-                    <a:pos x="2" y="12"/>
-                  </a:cxn>
-                  <a:cxn ang="0">
-                    <a:pos x="0" y="22"/>
-                  </a:cxn>
-                  <a:cxn ang="0">
-                    <a:pos x="0" y="38"/>
-                  </a:cxn>
-                  <a:cxn ang="0">
-                    <a:pos x="16" y="38"/>
-                  </a:cxn>
-                  <a:cxn ang="0">
-                    <a:pos x="16" y="22"/>
-                  </a:cxn>
-                  <a:cxn ang="0">
-                    <a:pos x="16" y="22"/>
-                  </a:cxn>
-                  <a:cxn ang="0">
-                    <a:pos x="18" y="18"/>
-                  </a:cxn>
-                  <a:cxn ang="0">
-                    <a:pos x="24" y="16"/>
-                  </a:cxn>
-                  <a:cxn ang="0">
-                    <a:pos x="238" y="16"/>
-                  </a:cxn>
-                  <a:cxn ang="0">
-                    <a:pos x="238" y="16"/>
-                  </a:cxn>
-                  <a:cxn ang="0">
-                    <a:pos x="242" y="18"/>
-                  </a:cxn>
-                  <a:cxn ang="0">
-                    <a:pos x="244" y="22"/>
-                  </a:cxn>
-                  <a:cxn ang="0">
-                    <a:pos x="244" y="166"/>
-                  </a:cxn>
-                  <a:cxn ang="0">
-                    <a:pos x="244" y="166"/>
-                  </a:cxn>
-                  <a:cxn ang="0">
-                    <a:pos x="242" y="170"/>
-                  </a:cxn>
-                  <a:cxn ang="0">
-                    <a:pos x="238" y="172"/>
-                  </a:cxn>
-                  <a:cxn ang="0">
-                    <a:pos x="208" y="172"/>
-                  </a:cxn>
-                  <a:cxn ang="0">
-                    <a:pos x="208" y="188"/>
-                  </a:cxn>
-                  <a:cxn ang="0">
-                    <a:pos x="238" y="188"/>
-                  </a:cxn>
-                  <a:cxn ang="0">
-                    <a:pos x="238" y="188"/>
-                  </a:cxn>
-                  <a:cxn ang="0">
-                    <a:pos x="246" y="188"/>
-                  </a:cxn>
-                  <a:cxn ang="0">
-                    <a:pos x="254" y="182"/>
-                  </a:cxn>
-                  <a:cxn ang="0">
-                    <a:pos x="260" y="176"/>
-                  </a:cxn>
-                  <a:cxn ang="0">
-                    <a:pos x="260" y="166"/>
-                  </a:cxn>
-                  <a:cxn ang="0">
-                    <a:pos x="260" y="22"/>
-                  </a:cxn>
-                  <a:cxn ang="0">
-                    <a:pos x="260" y="22"/>
-                  </a:cxn>
-                  <a:cxn ang="0">
-                    <a:pos x="260" y="12"/>
-                  </a:cxn>
-                  <a:cxn ang="0">
-                    <a:pos x="254" y="6"/>
-                  </a:cxn>
-                  <a:cxn ang="0">
-                    <a:pos x="246" y="0"/>
-                  </a:cxn>
-                  <a:cxn ang="0">
-                    <a:pos x="238" y="0"/>
-                  </a:cxn>
-                  <a:cxn ang="0">
-                    <a:pos x="238" y="0"/>
-                  </a:cxn>
-                </a:cxnLst>
-                <a:rect l="0" t="0" r="r" b="b"/>
-                <a:pathLst>
-                  <a:path w="260" h="188">
-                    <a:moveTo>
-                      <a:pt x="238" y="0"/>
-                    </a:moveTo>
-                    <a:lnTo>
-                      <a:pt x="24" y="0"/>
-                    </a:lnTo>
-                    <a:lnTo>
-                      <a:pt x="24" y="0"/>
-                    </a:lnTo>
-                    <a:lnTo>
-                      <a:pt x="14" y="0"/>
-                    </a:lnTo>
-                    <a:lnTo>
-                      <a:pt x="6" y="6"/>
-                    </a:lnTo>
-                    <a:lnTo>
-                      <a:pt x="2" y="12"/>
-                    </a:lnTo>
-                    <a:lnTo>
-                      <a:pt x="0" y="22"/>
-                    </a:lnTo>
-                    <a:lnTo>
-                      <a:pt x="0" y="38"/>
-                    </a:lnTo>
-                    <a:lnTo>
-                      <a:pt x="16" y="38"/>
-                    </a:lnTo>
-                    <a:lnTo>
-                      <a:pt x="16" y="22"/>
-                    </a:lnTo>
-                    <a:lnTo>
-                      <a:pt x="16" y="22"/>
-                    </a:lnTo>
-                    <a:lnTo>
-                      <a:pt x="18" y="18"/>
-                    </a:lnTo>
-                    <a:lnTo>
-                      <a:pt x="24" y="16"/>
-                    </a:lnTo>
-                    <a:lnTo>
-                      <a:pt x="238" y="16"/>
-                    </a:lnTo>
-                    <a:lnTo>
-                      <a:pt x="238" y="16"/>
-                    </a:lnTo>
-                    <a:lnTo>
-                      <a:pt x="242" y="18"/>
-                    </a:lnTo>
-                    <a:lnTo>
-                      <a:pt x="244" y="22"/>
-                    </a:lnTo>
-                    <a:lnTo>
-                      <a:pt x="244" y="166"/>
-                    </a:lnTo>
-                    <a:lnTo>
-                      <a:pt x="244" y="166"/>
-                    </a:lnTo>
-                    <a:lnTo>
-                      <a:pt x="242" y="170"/>
-                    </a:lnTo>
-                    <a:lnTo>
-                      <a:pt x="238" y="172"/>
-                    </a:lnTo>
-                    <a:lnTo>
-                      <a:pt x="208" y="172"/>
-                    </a:lnTo>
-                    <a:lnTo>
-                      <a:pt x="208" y="188"/>
-                    </a:lnTo>
-                    <a:lnTo>
-                      <a:pt x="238" y="188"/>
-                    </a:lnTo>
-                    <a:lnTo>
-                      <a:pt x="238" y="188"/>
-                    </a:lnTo>
-                    <a:lnTo>
-                      <a:pt x="246" y="188"/>
-                    </a:lnTo>
-                    <a:lnTo>
-                      <a:pt x="254" y="182"/>
-                    </a:lnTo>
-                    <a:lnTo>
-                      <a:pt x="260" y="176"/>
-                    </a:lnTo>
-                    <a:lnTo>
-                      <a:pt x="260" y="166"/>
-                    </a:lnTo>
-                    <a:lnTo>
-                      <a:pt x="260" y="22"/>
-                    </a:lnTo>
-                    <a:lnTo>
-                      <a:pt x="260" y="22"/>
-                    </a:lnTo>
-                    <a:lnTo>
-                      <a:pt x="260" y="12"/>
-                    </a:lnTo>
-                    <a:lnTo>
-                      <a:pt x="254" y="6"/>
-                    </a:lnTo>
-                    <a:lnTo>
-                      <a:pt x="246" y="0"/>
-                    </a:lnTo>
-                    <a:lnTo>
-                      <a:pt x="238" y="0"/>
-                    </a:lnTo>
-                    <a:lnTo>
-                      <a:pt x="238" y="0"/>
-                    </a:lnTo>
-                    <a:close/>
-                  </a:path>
-                </a:pathLst>
-              </a:custGeom>
-              <a:grpFill/>
-              <a:ln w="9525">
-                <a:solidFill>
-                  <a:schemeClr val="bg1"/>
-                </a:solidFill>
-                <a:round/>
-                <a:headEnd/>
-                <a:tailEnd/>
-              </a:ln>
-            </p:spPr>
-            <p:txBody>
-              <a:bodyPr vert="horz" wrap="square" lIns="91440" tIns="45720" rIns="91440" bIns="45720" numCol="1" anchor="t" anchorCtr="0" compatLnSpc="1">
-                <a:prstTxWarp prst="textNoShape">
-                  <a:avLst/>
-                </a:prstTxWarp>
-              </a:bodyPr>
-              <a:lstStyle/>
-              <a:p>
-                <a:endParaRPr lang="zh-CN" altLang="en-US">
-                  <a:solidFill>
-                    <a:prstClr val="black"/>
-                  </a:solidFill>
-                </a:endParaRPr>
-              </a:p>
-            </p:txBody>
-          </p:sp>
-        </p:grpSp>
-        <p:sp>
-          <p:nvSpPr>
-            <p:cNvPr id="14" name="椭圆 37"/>
-            <p:cNvSpPr/>
-            <p:nvPr/>
-          </p:nvSpPr>
-          <p:spPr>
-            <a:xfrm>
-              <a:off x="419848" y="2142869"/>
-              <a:ext cx="720884" cy="720884"/>
-            </a:xfrm>
-            <a:prstGeom prst="ellipse">
-              <a:avLst/>
-            </a:prstGeom>
-            <a:noFill/>
-            <a:ln w="19050" cap="rnd">
-              <a:solidFill>
-                <a:schemeClr val="bg1"/>
-              </a:solidFill>
-              <a:prstDash val="sysDot"/>
-            </a:ln>
-          </p:spPr>
-          <p:style>
-            <a:lnRef idx="2">
-              <a:schemeClr val="accent1">
-                <a:shade val="50000"/>
-              </a:schemeClr>
-            </a:lnRef>
-            <a:fillRef idx="1">
-              <a:schemeClr val="accent1"/>
-            </a:fillRef>
-            <a:effectRef idx="0">
-              <a:schemeClr val="accent1"/>
-            </a:effectRef>
-            <a:fontRef idx="minor">
-              <a:schemeClr val="lt1"/>
-            </a:fontRef>
-          </p:style>
-          <p:txBody>
-            <a:bodyPr anchor="ctr"/>
-            <a:lstStyle/>
-            <a:p>
-              <a:pPr algn="ctr" defTabSz="914400">
-                <a:defRPr/>
-              </a:pPr>
-              <a:endParaRPr lang="zh-CN" altLang="en-US" sz="2800" dirty="0">
-                <a:solidFill>
-                  <a:srgbClr val="FFFFFF"/>
-                </a:solidFill>
-                <a:latin typeface="Bauhaus 93" pitchFamily="82" charset="0"/>
-              </a:endParaRPr>
-            </a:p>
-          </p:txBody>
-        </p:sp>
-      </p:grpSp>
-      <p:grpSp>
-        <p:nvGrpSpPr>
-          <p:cNvPr id="19" name="Gruppo 18"/>
-          <p:cNvGrpSpPr/>
-          <p:nvPr/>
-        </p:nvGrpSpPr>
-        <p:grpSpPr>
-          <a:xfrm>
-            <a:off x="287565" y="3192001"/>
-            <a:ext cx="720884" cy="720884"/>
-            <a:chOff x="419848" y="3991177"/>
-            <a:chExt cx="720884" cy="720884"/>
-          </a:xfrm>
-        </p:grpSpPr>
-        <p:sp>
-          <p:nvSpPr>
-            <p:cNvPr id="20" name="Freeform 258"/>
-            <p:cNvSpPr>
-              <a:spLocks/>
-            </p:cNvSpPr>
-            <p:nvPr/>
-          </p:nvSpPr>
-          <p:spPr bwMode="auto">
-            <a:xfrm flipH="1" flipV="1">
-              <a:off x="572913" y="4174718"/>
-              <a:ext cx="414754" cy="395366"/>
-            </a:xfrm>
-            <a:custGeom>
-              <a:avLst/>
-              <a:gdLst>
-                <a:gd name="T0" fmla="*/ 30 w 86"/>
-                <a:gd name="T1" fmla="*/ 0 h 77"/>
-                <a:gd name="T2" fmla="*/ 34 w 86"/>
-                <a:gd name="T3" fmla="*/ 28 h 77"/>
-                <a:gd name="T4" fmla="*/ 8 w 86"/>
-                <a:gd name="T5" fmla="*/ 28 h 77"/>
-                <a:gd name="T6" fmla="*/ 7 w 86"/>
-                <a:gd name="T7" fmla="*/ 28 h 77"/>
-                <a:gd name="T8" fmla="*/ 0 w 86"/>
-                <a:gd name="T9" fmla="*/ 35 h 77"/>
-                <a:gd name="T10" fmla="*/ 0 w 86"/>
-                <a:gd name="T11" fmla="*/ 35 h 77"/>
-                <a:gd name="T12" fmla="*/ 4 w 86"/>
-                <a:gd name="T13" fmla="*/ 41 h 77"/>
-                <a:gd name="T14" fmla="*/ 1 w 86"/>
-                <a:gd name="T15" fmla="*/ 47 h 77"/>
-                <a:gd name="T16" fmla="*/ 1 w 86"/>
-                <a:gd name="T17" fmla="*/ 47 h 77"/>
-                <a:gd name="T18" fmla="*/ 6 w 86"/>
-                <a:gd name="T19" fmla="*/ 54 h 77"/>
-                <a:gd name="T20" fmla="*/ 4 w 86"/>
-                <a:gd name="T21" fmla="*/ 58 h 77"/>
-                <a:gd name="T22" fmla="*/ 4 w 86"/>
-                <a:gd name="T23" fmla="*/ 58 h 77"/>
-                <a:gd name="T24" fmla="*/ 11 w 86"/>
-                <a:gd name="T25" fmla="*/ 65 h 77"/>
-                <a:gd name="T26" fmla="*/ 11 w 86"/>
-                <a:gd name="T27" fmla="*/ 65 h 77"/>
-                <a:gd name="T28" fmla="*/ 9 w 86"/>
-                <a:gd name="T29" fmla="*/ 70 h 77"/>
-                <a:gd name="T30" fmla="*/ 9 w 86"/>
-                <a:gd name="T31" fmla="*/ 70 h 77"/>
-                <a:gd name="T32" fmla="*/ 16 w 86"/>
-                <a:gd name="T33" fmla="*/ 76 h 77"/>
-                <a:gd name="T34" fmla="*/ 29 w 86"/>
-                <a:gd name="T35" fmla="*/ 76 h 77"/>
-                <a:gd name="T36" fmla="*/ 46 w 86"/>
-                <a:gd name="T37" fmla="*/ 76 h 77"/>
-                <a:gd name="T38" fmla="*/ 46 w 86"/>
-                <a:gd name="T39" fmla="*/ 76 h 77"/>
-                <a:gd name="T40" fmla="*/ 52 w 86"/>
-                <a:gd name="T41" fmla="*/ 71 h 77"/>
-                <a:gd name="T42" fmla="*/ 66 w 86"/>
-                <a:gd name="T43" fmla="*/ 69 h 77"/>
-                <a:gd name="T44" fmla="*/ 66 w 86"/>
-                <a:gd name="T45" fmla="*/ 77 h 77"/>
-                <a:gd name="T46" fmla="*/ 86 w 86"/>
-                <a:gd name="T47" fmla="*/ 77 h 77"/>
-                <a:gd name="T48" fmla="*/ 86 w 86"/>
-                <a:gd name="T49" fmla="*/ 25 h 77"/>
-                <a:gd name="T50" fmla="*/ 66 w 86"/>
-                <a:gd name="T51" fmla="*/ 25 h 77"/>
-                <a:gd name="T52" fmla="*/ 66 w 86"/>
-                <a:gd name="T53" fmla="*/ 32 h 77"/>
-                <a:gd name="T54" fmla="*/ 62 w 86"/>
-                <a:gd name="T55" fmla="*/ 32 h 77"/>
-                <a:gd name="T56" fmla="*/ 30 w 86"/>
-                <a:gd name="T57" fmla="*/ 0 h 77"/>
-              </a:gdLst>
-              <a:ahLst/>
-              <a:cxnLst>
-                <a:cxn ang="0">
-                  <a:pos x="T0" y="T1"/>
-                </a:cxn>
-                <a:cxn ang="0">
-                  <a:pos x="T2" y="T3"/>
-                </a:cxn>
-                <a:cxn ang="0">
-                  <a:pos x="T4" y="T5"/>
-                </a:cxn>
-                <a:cxn ang="0">
-                  <a:pos x="T6" y="T7"/>
-                </a:cxn>
-                <a:cxn ang="0">
-                  <a:pos x="T8" y="T9"/>
-                </a:cxn>
-                <a:cxn ang="0">
-                  <a:pos x="T10" y="T11"/>
-                </a:cxn>
-                <a:cxn ang="0">
-                  <a:pos x="T12" y="T13"/>
-                </a:cxn>
-                <a:cxn ang="0">
-                  <a:pos x="T14" y="T15"/>
-                </a:cxn>
-                <a:cxn ang="0">
-                  <a:pos x="T16" y="T17"/>
-                </a:cxn>
-                <a:cxn ang="0">
-                  <a:pos x="T18" y="T19"/>
-                </a:cxn>
-                <a:cxn ang="0">
-                  <a:pos x="T20" y="T21"/>
-                </a:cxn>
-                <a:cxn ang="0">
-                  <a:pos x="T22" y="T23"/>
-                </a:cxn>
-                <a:cxn ang="0">
-                  <a:pos x="T24" y="T25"/>
-                </a:cxn>
-                <a:cxn ang="0">
-                  <a:pos x="T26" y="T27"/>
-                </a:cxn>
-                <a:cxn ang="0">
-                  <a:pos x="T28" y="T29"/>
-                </a:cxn>
-                <a:cxn ang="0">
-                  <a:pos x="T30" y="T31"/>
-                </a:cxn>
-                <a:cxn ang="0">
-                  <a:pos x="T32" y="T33"/>
-                </a:cxn>
-                <a:cxn ang="0">
-                  <a:pos x="T34" y="T35"/>
-                </a:cxn>
-                <a:cxn ang="0">
-                  <a:pos x="T36" y="T37"/>
-                </a:cxn>
-                <a:cxn ang="0">
-                  <a:pos x="T38" y="T39"/>
-                </a:cxn>
-                <a:cxn ang="0">
-                  <a:pos x="T40" y="T41"/>
-                </a:cxn>
-                <a:cxn ang="0">
-                  <a:pos x="T42" y="T43"/>
-                </a:cxn>
-                <a:cxn ang="0">
-                  <a:pos x="T44" y="T45"/>
-                </a:cxn>
-                <a:cxn ang="0">
-                  <a:pos x="T46" y="T47"/>
-                </a:cxn>
-                <a:cxn ang="0">
-                  <a:pos x="T48" y="T49"/>
-                </a:cxn>
-                <a:cxn ang="0">
-                  <a:pos x="T50" y="T51"/>
-                </a:cxn>
-                <a:cxn ang="0">
-                  <a:pos x="T52" y="T53"/>
-                </a:cxn>
-                <a:cxn ang="0">
-                  <a:pos x="T54" y="T55"/>
-                </a:cxn>
-                <a:cxn ang="0">
-                  <a:pos x="T56" y="T57"/>
-                </a:cxn>
-              </a:cxnLst>
-              <a:rect l="0" t="0" r="r" b="b"/>
-              <a:pathLst>
-                <a:path w="86" h="77">
-                  <a:moveTo>
-                    <a:pt x="30" y="0"/>
-                  </a:moveTo>
-                  <a:cubicBezTo>
-                    <a:pt x="2" y="7"/>
-                    <a:pt x="34" y="28"/>
-                    <a:pt x="34" y="28"/>
-                  </a:cubicBezTo>
-                  <a:cubicBezTo>
-                    <a:pt x="8" y="28"/>
-                    <a:pt x="8" y="28"/>
-                    <a:pt x="8" y="28"/>
-                  </a:cubicBezTo>
-                  <a:cubicBezTo>
-                    <a:pt x="7" y="28"/>
-                    <a:pt x="7" y="28"/>
-                    <a:pt x="7" y="28"/>
-                  </a:cubicBezTo>
-                  <a:cubicBezTo>
-                    <a:pt x="3" y="28"/>
-                    <a:pt x="0" y="31"/>
-                    <a:pt x="0" y="35"/>
-                  </a:cubicBezTo>
-                  <a:cubicBezTo>
-                    <a:pt x="0" y="35"/>
-                    <a:pt x="0" y="35"/>
-                    <a:pt x="0" y="35"/>
-                  </a:cubicBezTo>
-                  <a:cubicBezTo>
-                    <a:pt x="0" y="38"/>
-                    <a:pt x="2" y="40"/>
-                    <a:pt x="4" y="41"/>
-                  </a:cubicBezTo>
-                  <a:cubicBezTo>
-                    <a:pt x="2" y="42"/>
-                    <a:pt x="1" y="45"/>
-                    <a:pt x="1" y="47"/>
-                  </a:cubicBezTo>
-                  <a:cubicBezTo>
-                    <a:pt x="1" y="47"/>
-                    <a:pt x="1" y="47"/>
-                    <a:pt x="1" y="47"/>
-                  </a:cubicBezTo>
-                  <a:cubicBezTo>
-                    <a:pt x="1" y="50"/>
-                    <a:pt x="3" y="53"/>
-                    <a:pt x="6" y="54"/>
-                  </a:cubicBezTo>
-                  <a:cubicBezTo>
-                    <a:pt x="5" y="55"/>
-                    <a:pt x="4" y="56"/>
-                    <a:pt x="4" y="58"/>
-                  </a:cubicBezTo>
-                  <a:cubicBezTo>
-                    <a:pt x="4" y="58"/>
-                    <a:pt x="4" y="58"/>
-                    <a:pt x="4" y="58"/>
-                  </a:cubicBezTo>
-                  <a:cubicBezTo>
-                    <a:pt x="4" y="62"/>
-                    <a:pt x="7" y="65"/>
-                    <a:pt x="11" y="65"/>
-                  </a:cubicBezTo>
-                  <a:cubicBezTo>
-                    <a:pt x="11" y="65"/>
-                    <a:pt x="11" y="65"/>
-                    <a:pt x="11" y="65"/>
-                  </a:cubicBezTo>
-                  <a:cubicBezTo>
-                    <a:pt x="10" y="66"/>
-                    <a:pt x="9" y="68"/>
-                    <a:pt x="9" y="70"/>
-                  </a:cubicBezTo>
-                  <a:cubicBezTo>
-                    <a:pt x="9" y="70"/>
-                    <a:pt x="9" y="70"/>
-                    <a:pt x="9" y="70"/>
-                  </a:cubicBezTo>
-                  <a:cubicBezTo>
-                    <a:pt x="9" y="73"/>
-                    <a:pt x="12" y="76"/>
-                    <a:pt x="16" y="76"/>
-                  </a:cubicBezTo>
-                  <a:cubicBezTo>
-                    <a:pt x="29" y="76"/>
-                    <a:pt x="29" y="76"/>
-                    <a:pt x="29" y="76"/>
-                  </a:cubicBezTo>
-                  <a:cubicBezTo>
-                    <a:pt x="46" y="76"/>
-                    <a:pt x="46" y="76"/>
-                    <a:pt x="46" y="76"/>
-                  </a:cubicBezTo>
-                  <a:cubicBezTo>
-                    <a:pt x="46" y="76"/>
-                    <a:pt x="46" y="76"/>
-                    <a:pt x="46" y="76"/>
-                  </a:cubicBezTo>
-                  <a:cubicBezTo>
-                    <a:pt x="52" y="71"/>
-                    <a:pt x="52" y="71"/>
-                    <a:pt x="52" y="71"/>
-                  </a:cubicBezTo>
-                  <a:cubicBezTo>
-                    <a:pt x="66" y="69"/>
-                    <a:pt x="66" y="69"/>
-                    <a:pt x="66" y="69"/>
-                  </a:cubicBezTo>
-                  <a:cubicBezTo>
-                    <a:pt x="66" y="77"/>
-                    <a:pt x="66" y="77"/>
-                    <a:pt x="66" y="77"/>
-                  </a:cubicBezTo>
-                  <a:cubicBezTo>
-                    <a:pt x="86" y="77"/>
-                    <a:pt x="86" y="77"/>
-                    <a:pt x="86" y="77"/>
-                  </a:cubicBezTo>
-                  <a:cubicBezTo>
-                    <a:pt x="86" y="25"/>
-                    <a:pt x="86" y="25"/>
-                    <a:pt x="86" y="25"/>
-                  </a:cubicBezTo>
-                  <a:cubicBezTo>
-                    <a:pt x="66" y="25"/>
-                    <a:pt x="66" y="25"/>
-                    <a:pt x="66" y="25"/>
-                  </a:cubicBezTo>
-                  <a:cubicBezTo>
-                    <a:pt x="66" y="32"/>
-                    <a:pt x="66" y="32"/>
-                    <a:pt x="66" y="32"/>
-                  </a:cubicBezTo>
-                  <a:cubicBezTo>
-                    <a:pt x="62" y="32"/>
-                    <a:pt x="62" y="32"/>
-                    <a:pt x="62" y="32"/>
-                  </a:cubicBezTo>
-                  <a:cubicBezTo>
-                    <a:pt x="58" y="16"/>
-                    <a:pt x="32" y="17"/>
-                    <a:pt x="30" y="0"/>
-                  </a:cubicBezTo>
-                  <a:close/>
-                </a:path>
-              </a:pathLst>
-            </a:custGeom>
-            <a:noFill/>
-            <a:ln w="28575">
-              <a:solidFill>
-                <a:schemeClr val="bg1"/>
-              </a:solidFill>
-            </a:ln>
-            <a:extLst/>
-          </p:spPr>
-          <p:txBody>
-            <a:bodyPr vert="horz" wrap="square" lIns="121920" tIns="60960" rIns="121920" bIns="60960" numCol="1" anchor="t" anchorCtr="0" compatLnSpc="1">
-              <a:prstTxWarp prst="textNoShape">
-                <a:avLst/>
-              </a:prstTxWarp>
-            </a:bodyPr>
-            <a:lstStyle/>
-            <a:p>
-              <a:endParaRPr lang="zh-CN" altLang="en-US" sz="3200">
-                <a:solidFill>
-                  <a:prstClr val="black"/>
-                </a:solidFill>
-              </a:endParaRPr>
-            </a:p>
-          </p:txBody>
-        </p:sp>
-        <p:sp>
-          <p:nvSpPr>
-            <p:cNvPr id="21" name="椭圆 37"/>
-            <p:cNvSpPr/>
-            <p:nvPr/>
-          </p:nvSpPr>
-          <p:spPr>
-            <a:xfrm>
-              <a:off x="419848" y="3991177"/>
-              <a:ext cx="720884" cy="720884"/>
-            </a:xfrm>
-            <a:prstGeom prst="ellipse">
-              <a:avLst/>
-            </a:prstGeom>
-            <a:noFill/>
-            <a:ln w="19050" cap="rnd">
-              <a:solidFill>
-                <a:schemeClr val="bg1"/>
-              </a:solidFill>
-              <a:prstDash val="sysDot"/>
-            </a:ln>
-          </p:spPr>
-          <p:style>
-            <a:lnRef idx="2">
-              <a:schemeClr val="accent1">
-                <a:shade val="50000"/>
-              </a:schemeClr>
-            </a:lnRef>
-            <a:fillRef idx="1">
-              <a:schemeClr val="accent1"/>
-            </a:fillRef>
-            <a:effectRef idx="0">
-              <a:schemeClr val="accent1"/>
-            </a:effectRef>
-            <a:fontRef idx="minor">
-              <a:schemeClr val="lt1"/>
-            </a:fontRef>
-          </p:style>
-          <p:txBody>
-            <a:bodyPr anchor="ctr"/>
-            <a:lstStyle/>
-            <a:p>
-              <a:pPr algn="ctr" defTabSz="914400">
-                <a:defRPr/>
-              </a:pPr>
-              <a:endParaRPr lang="zh-CN" altLang="en-US" sz="2800" dirty="0">
-                <a:solidFill>
-                  <a:srgbClr val="FFFFFF"/>
-                </a:solidFill>
-                <a:latin typeface="Bauhaus 93" pitchFamily="82" charset="0"/>
-              </a:endParaRPr>
-            </a:p>
-          </p:txBody>
-        </p:sp>
-      </p:grpSp>
-      <p:sp>
-        <p:nvSpPr>
-          <p:cNvPr id="22" name="Rettangolo 21"/>
-          <p:cNvSpPr/>
-          <p:nvPr/>
-        </p:nvSpPr>
-        <p:spPr>
-          <a:xfrm>
-            <a:off x="1225576" y="3220549"/>
-            <a:ext cx="6691748" cy="1461939"/>
-          </a:xfrm>
-          <a:prstGeom prst="rect">
-            <a:avLst/>
-          </a:prstGeom>
-        </p:spPr>
-        <p:txBody>
-          <a:bodyPr wrap="square">
-            <a:spAutoFit/>
-          </a:bodyPr>
-          <a:lstStyle/>
-          <a:p>
-            <a:pPr algn="just">
-              <a:spcAft>
-                <a:spcPts val="600"/>
-              </a:spcAft>
-              <a:buClr>
-                <a:srgbClr val="FFC000"/>
-              </a:buClr>
-            </a:pPr>
-            <a:r>
-              <a:rPr kumimoji="1" lang="it-IT" sz="2400" b="1" dirty="0">
-                <a:solidFill>
-                  <a:schemeClr val="accent4">
-                    <a:lumMod val="75000"/>
-                  </a:schemeClr>
-                </a:solidFill>
-                <a:effectLst>
-                  <a:outerShdw blurRad="38100" dist="38100" dir="2700000" algn="tl">
-                    <a:srgbClr val="000000">
-                      <a:alpha val="43137"/>
-                    </a:srgbClr>
-                  </a:outerShdw>
-                </a:effectLst>
-              </a:rPr>
-              <a:t>Aspetti negativi</a:t>
-            </a:r>
-          </a:p>
-          <a:p>
-            <a:pPr marL="342900" indent="-342900" algn="just">
-              <a:buClr>
-                <a:srgbClr val="FFC000"/>
-              </a:buClr>
-              <a:buFont typeface="Wingdings" charset="2"/>
-              <a:buChar char="§"/>
-            </a:pPr>
-            <a:r>
-              <a:rPr kumimoji="1" lang="it-IT" sz="2000" dirty="0" err="1">
-                <a:solidFill>
-                  <a:schemeClr val="bg1"/>
-                </a:solidFill>
-                <a:effectLst>
-                  <a:outerShdw blurRad="38100" dist="38100" dir="2700000" algn="tl">
-                    <a:srgbClr val="000000">
-                      <a:alpha val="43137"/>
-                    </a:srgbClr>
-                  </a:outerShdw>
-                </a:effectLst>
-              </a:rPr>
-              <a:t>Ubuntu</a:t>
-            </a:r>
-            <a:r>
-              <a:rPr kumimoji="1" lang="it-IT" sz="2000" dirty="0">
-                <a:solidFill>
-                  <a:schemeClr val="bg1"/>
-                </a:solidFill>
-                <a:effectLst>
-                  <a:outerShdw blurRad="38100" dist="38100" dir="2700000" algn="tl">
-                    <a:srgbClr val="000000">
-                      <a:alpha val="43137"/>
-                    </a:srgbClr>
-                  </a:outerShdw>
-                </a:effectLst>
-              </a:rPr>
-              <a:t> non supporta (o non supporta completamente) alcuni software di utilizzo comune o selezionati dal gruppo per fini organizzativi</a:t>
-            </a:r>
-          </a:p>
-        </p:txBody>
-      </p:sp>
-      <p:sp>
-        <p:nvSpPr>
-          <p:cNvPr id="23" name="Rettangolo 22">
-            <a:extLst>
-              <a:ext uri="{FF2B5EF4-FFF2-40B4-BE49-F238E27FC236}">
-                <a16:creationId xmlns:a16="http://schemas.microsoft.com/office/drawing/2014/main" id="{AA7B4823-5E00-45D9-BB18-2268D6E78B80}"/>
-              </a:ext>
-            </a:extLst>
-          </p:cNvPr>
-          <p:cNvSpPr/>
-          <p:nvPr/>
-        </p:nvSpPr>
-        <p:spPr>
-          <a:xfrm>
-            <a:off x="1225575" y="5162895"/>
-            <a:ext cx="7087151" cy="1154162"/>
-          </a:xfrm>
-          <a:prstGeom prst="rect">
-            <a:avLst/>
-          </a:prstGeom>
-          <a:noFill/>
-        </p:spPr>
-        <p:txBody>
-          <a:bodyPr wrap="square" rtlCol="0">
-            <a:spAutoFit/>
-          </a:bodyPr>
-          <a:lstStyle/>
-          <a:p>
-            <a:pPr algn="just">
-              <a:spcAft>
-                <a:spcPts val="600"/>
-              </a:spcAft>
-              <a:buClr>
-                <a:srgbClr val="FFC000"/>
-              </a:buClr>
-            </a:pPr>
-            <a:r>
-              <a:rPr kumimoji="1" lang="it-IT" sz="2400" b="1" dirty="0">
-                <a:solidFill>
-                  <a:schemeClr val="accent4">
-                    <a:lumMod val="75000"/>
-                  </a:schemeClr>
-                </a:solidFill>
-                <a:effectLst>
-                  <a:outerShdw blurRad="38100" dist="38100" dir="2700000" algn="tl">
-                    <a:srgbClr val="000000">
-                      <a:alpha val="43137"/>
-                    </a:srgbClr>
-                  </a:outerShdw>
-                </a:effectLst>
-              </a:rPr>
-              <a:t>Cosa ci ha spinto a sceglierla</a:t>
-            </a:r>
-          </a:p>
-          <a:p>
-            <a:pPr marL="342900" indent="-342900" algn="just">
-              <a:buClr>
-                <a:srgbClr val="FFC000"/>
-              </a:buClr>
-              <a:buFont typeface="Wingdings" charset="2"/>
-              <a:buChar char="§"/>
-            </a:pPr>
-            <a:r>
-              <a:rPr kumimoji="1" lang="it-IT" sz="2000" dirty="0">
-                <a:solidFill>
-                  <a:schemeClr val="bg1"/>
-                </a:solidFill>
-                <a:effectLst>
-                  <a:outerShdw blurRad="38100" dist="38100" dir="2700000" algn="tl">
-                    <a:srgbClr val="000000">
-                      <a:alpha val="43137"/>
-                    </a:srgbClr>
-                  </a:outerShdw>
-                </a:effectLst>
-              </a:rPr>
-              <a:t>La Proponente richiede garanzia di funzionamento del prodotto su questo specifico sistema operativo</a:t>
-            </a:r>
-          </a:p>
-        </p:txBody>
-      </p:sp>
-      <p:grpSp>
-        <p:nvGrpSpPr>
-          <p:cNvPr id="24" name="Gruppo 23"/>
-          <p:cNvGrpSpPr/>
-          <p:nvPr/>
-        </p:nvGrpSpPr>
-        <p:grpSpPr>
-          <a:xfrm>
-            <a:off x="287565" y="5146984"/>
-            <a:ext cx="720884" cy="720884"/>
-            <a:chOff x="287565" y="3090648"/>
-            <a:chExt cx="720884" cy="720884"/>
-          </a:xfrm>
-        </p:grpSpPr>
-        <p:grpSp>
-          <p:nvGrpSpPr>
-            <p:cNvPr id="25" name="组合 21"/>
-            <p:cNvGrpSpPr>
-              <a:grpSpLocks noChangeAspect="1"/>
-            </p:cNvGrpSpPr>
-            <p:nvPr/>
-          </p:nvGrpSpPr>
-          <p:grpSpPr>
-            <a:xfrm>
-              <a:off x="443824" y="3221179"/>
-              <a:ext cx="422053" cy="432000"/>
-              <a:chOff x="6405563" y="241300"/>
-              <a:chExt cx="530225" cy="530225"/>
-            </a:xfrm>
-            <a:solidFill>
-              <a:schemeClr val="bg1"/>
-            </a:solidFill>
-          </p:grpSpPr>
-          <p:sp>
-            <p:nvSpPr>
-              <p:cNvPr id="27" name="Freeform 130"/>
-              <p:cNvSpPr>
-                <a:spLocks noEditPoints="1"/>
-              </p:cNvSpPr>
-              <p:nvPr/>
-            </p:nvSpPr>
-            <p:spPr bwMode="auto">
-              <a:xfrm>
-                <a:off x="6427788" y="241300"/>
-                <a:ext cx="508000" cy="508000"/>
-              </a:xfrm>
-              <a:custGeom>
-                <a:avLst/>
-                <a:gdLst/>
-                <a:ahLst/>
-                <a:cxnLst>
-                  <a:cxn ang="0">
-                    <a:pos x="320" y="0"/>
-                  </a:cxn>
-                  <a:cxn ang="0">
-                    <a:pos x="288" y="4"/>
-                  </a:cxn>
-                  <a:cxn ang="0">
-                    <a:pos x="256" y="10"/>
-                  </a:cxn>
-                  <a:cxn ang="0">
-                    <a:pos x="220" y="24"/>
-                  </a:cxn>
-                  <a:cxn ang="0">
-                    <a:pos x="208" y="30"/>
-                  </a:cxn>
-                  <a:cxn ang="0">
-                    <a:pos x="184" y="46"/>
-                  </a:cxn>
-                  <a:cxn ang="0">
-                    <a:pos x="174" y="56"/>
-                  </a:cxn>
-                  <a:cxn ang="0">
-                    <a:pos x="88" y="154"/>
-                  </a:cxn>
-                  <a:cxn ang="0">
-                    <a:pos x="0" y="196"/>
-                  </a:cxn>
-                  <a:cxn ang="0">
-                    <a:pos x="48" y="208"/>
-                  </a:cxn>
-                  <a:cxn ang="0">
-                    <a:pos x="42" y="232"/>
-                  </a:cxn>
-                  <a:cxn ang="0">
-                    <a:pos x="42" y="232"/>
-                  </a:cxn>
-                  <a:cxn ang="0">
-                    <a:pos x="48" y="246"/>
-                  </a:cxn>
-                  <a:cxn ang="0">
-                    <a:pos x="60" y="260"/>
-                  </a:cxn>
-                  <a:cxn ang="0">
-                    <a:pos x="82" y="278"/>
-                  </a:cxn>
-                  <a:cxn ang="0">
-                    <a:pos x="90" y="278"/>
-                  </a:cxn>
-                  <a:cxn ang="0">
-                    <a:pos x="106" y="272"/>
-                  </a:cxn>
-                  <a:cxn ang="0">
-                    <a:pos x="126" y="320"/>
-                  </a:cxn>
-                  <a:cxn ang="0">
-                    <a:pos x="166" y="230"/>
-                  </a:cxn>
-                  <a:cxn ang="0">
-                    <a:pos x="220" y="186"/>
-                  </a:cxn>
-                  <a:cxn ang="0">
-                    <a:pos x="264" y="146"/>
-                  </a:cxn>
-                  <a:cxn ang="0">
-                    <a:pos x="284" y="124"/>
-                  </a:cxn>
-                  <a:cxn ang="0">
-                    <a:pos x="298" y="100"/>
-                  </a:cxn>
-                  <a:cxn ang="0">
-                    <a:pos x="312" y="64"/>
-                  </a:cxn>
-                  <a:cxn ang="0">
-                    <a:pos x="320" y="10"/>
-                  </a:cxn>
-                  <a:cxn ang="0">
-                    <a:pos x="320" y="0"/>
-                  </a:cxn>
-                  <a:cxn ang="0">
-                    <a:pos x="222" y="126"/>
-                  </a:cxn>
-                  <a:cxn ang="0">
-                    <a:pos x="202" y="118"/>
-                  </a:cxn>
-                  <a:cxn ang="0">
-                    <a:pos x="194" y="98"/>
-                  </a:cxn>
-                  <a:cxn ang="0">
-                    <a:pos x="196" y="88"/>
-                  </a:cxn>
-                  <a:cxn ang="0">
-                    <a:pos x="212" y="72"/>
-                  </a:cxn>
-                  <a:cxn ang="0">
-                    <a:pos x="222" y="70"/>
-                  </a:cxn>
-                  <a:cxn ang="0">
-                    <a:pos x="242" y="78"/>
-                  </a:cxn>
-                  <a:cxn ang="0">
-                    <a:pos x="250" y="98"/>
-                  </a:cxn>
-                  <a:cxn ang="0">
-                    <a:pos x="248" y="108"/>
-                  </a:cxn>
-                  <a:cxn ang="0">
-                    <a:pos x="234" y="124"/>
-                  </a:cxn>
-                  <a:cxn ang="0">
-                    <a:pos x="222" y="126"/>
-                  </a:cxn>
-                </a:cxnLst>
-                <a:rect l="0" t="0" r="r" b="b"/>
-                <a:pathLst>
-                  <a:path w="320" h="320">
-                    <a:moveTo>
-                      <a:pt x="320" y="0"/>
-                    </a:moveTo>
-                    <a:lnTo>
-                      <a:pt x="320" y="0"/>
-                    </a:lnTo>
-                    <a:lnTo>
-                      <a:pt x="312" y="2"/>
-                    </a:lnTo>
-                    <a:lnTo>
-                      <a:pt x="288" y="4"/>
-                    </a:lnTo>
-                    <a:lnTo>
-                      <a:pt x="274" y="6"/>
-                    </a:lnTo>
-                    <a:lnTo>
-                      <a:pt x="256" y="10"/>
-                    </a:lnTo>
-                    <a:lnTo>
-                      <a:pt x="238" y="16"/>
-                    </a:lnTo>
-                    <a:lnTo>
-                      <a:pt x="220" y="24"/>
-                    </a:lnTo>
-                    <a:lnTo>
-                      <a:pt x="220" y="24"/>
-                    </a:lnTo>
-                    <a:lnTo>
-                      <a:pt x="208" y="30"/>
-                    </a:lnTo>
-                    <a:lnTo>
-                      <a:pt x="196" y="38"/>
-                    </a:lnTo>
-                    <a:lnTo>
-                      <a:pt x="184" y="46"/>
-                    </a:lnTo>
-                    <a:lnTo>
-                      <a:pt x="174" y="56"/>
-                    </a:lnTo>
-                    <a:lnTo>
-                      <a:pt x="174" y="56"/>
-                    </a:lnTo>
-                    <a:lnTo>
-                      <a:pt x="134" y="102"/>
-                    </a:lnTo>
-                    <a:lnTo>
-                      <a:pt x="88" y="154"/>
-                    </a:lnTo>
-                    <a:lnTo>
-                      <a:pt x="28" y="154"/>
-                    </a:lnTo>
-                    <a:lnTo>
-                      <a:pt x="0" y="196"/>
-                    </a:lnTo>
-                    <a:lnTo>
-                      <a:pt x="48" y="208"/>
-                    </a:lnTo>
-                    <a:lnTo>
-                      <a:pt x="48" y="208"/>
-                    </a:lnTo>
-                    <a:lnTo>
-                      <a:pt x="50" y="216"/>
-                    </a:lnTo>
-                    <a:lnTo>
-                      <a:pt x="42" y="232"/>
-                    </a:lnTo>
-                    <a:lnTo>
-                      <a:pt x="42" y="232"/>
-                    </a:lnTo>
-                    <a:lnTo>
-                      <a:pt x="42" y="232"/>
-                    </a:lnTo>
-                    <a:lnTo>
-                      <a:pt x="42" y="238"/>
-                    </a:lnTo>
-                    <a:lnTo>
-                      <a:pt x="48" y="246"/>
-                    </a:lnTo>
-                    <a:lnTo>
-                      <a:pt x="60" y="260"/>
-                    </a:lnTo>
-                    <a:lnTo>
-                      <a:pt x="60" y="260"/>
-                    </a:lnTo>
-                    <a:lnTo>
-                      <a:pt x="74" y="272"/>
-                    </a:lnTo>
-                    <a:lnTo>
-                      <a:pt x="82" y="278"/>
-                    </a:lnTo>
-                    <a:lnTo>
-                      <a:pt x="88" y="278"/>
-                    </a:lnTo>
-                    <a:lnTo>
-                      <a:pt x="90" y="278"/>
-                    </a:lnTo>
-                    <a:lnTo>
-                      <a:pt x="106" y="272"/>
-                    </a:lnTo>
-                    <a:lnTo>
-                      <a:pt x="106" y="272"/>
-                    </a:lnTo>
-                    <a:lnTo>
-                      <a:pt x="112" y="272"/>
-                    </a:lnTo>
-                    <a:lnTo>
-                      <a:pt x="126" y="320"/>
-                    </a:lnTo>
-                    <a:lnTo>
-                      <a:pt x="166" y="292"/>
-                    </a:lnTo>
-                    <a:lnTo>
-                      <a:pt x="166" y="230"/>
-                    </a:lnTo>
-                    <a:lnTo>
-                      <a:pt x="166" y="230"/>
-                    </a:lnTo>
-                    <a:lnTo>
-                      <a:pt x="220" y="186"/>
-                    </a:lnTo>
-                    <a:lnTo>
-                      <a:pt x="264" y="146"/>
-                    </a:lnTo>
-                    <a:lnTo>
-                      <a:pt x="264" y="146"/>
-                    </a:lnTo>
-                    <a:lnTo>
-                      <a:pt x="274" y="136"/>
-                    </a:lnTo>
-                    <a:lnTo>
-                      <a:pt x="284" y="124"/>
-                    </a:lnTo>
-                    <a:lnTo>
-                      <a:pt x="298" y="100"/>
-                    </a:lnTo>
-                    <a:lnTo>
-                      <a:pt x="298" y="100"/>
-                    </a:lnTo>
-                    <a:lnTo>
-                      <a:pt x="306" y="82"/>
-                    </a:lnTo>
-                    <a:lnTo>
-                      <a:pt x="312" y="64"/>
-                    </a:lnTo>
-                    <a:lnTo>
-                      <a:pt x="318" y="32"/>
-                    </a:lnTo>
-                    <a:lnTo>
-                      <a:pt x="320" y="10"/>
-                    </a:lnTo>
-                    <a:lnTo>
-                      <a:pt x="320" y="0"/>
-                    </a:lnTo>
-                    <a:lnTo>
-                      <a:pt x="320" y="0"/>
-                    </a:lnTo>
-                    <a:close/>
-                    <a:moveTo>
-                      <a:pt x="222" y="126"/>
-                    </a:moveTo>
-                    <a:lnTo>
-                      <a:pt x="222" y="126"/>
-                    </a:lnTo>
-                    <a:lnTo>
-                      <a:pt x="212" y="124"/>
-                    </a:lnTo>
-                    <a:lnTo>
-                      <a:pt x="202" y="118"/>
-                    </a:lnTo>
-                    <a:lnTo>
-                      <a:pt x="196" y="108"/>
-                    </a:lnTo>
-                    <a:lnTo>
-                      <a:pt x="194" y="98"/>
-                    </a:lnTo>
-                    <a:lnTo>
-                      <a:pt x="194" y="98"/>
-                    </a:lnTo>
-                    <a:lnTo>
-                      <a:pt x="196" y="88"/>
-                    </a:lnTo>
-                    <a:lnTo>
-                      <a:pt x="202" y="78"/>
-                    </a:lnTo>
-                    <a:lnTo>
-                      <a:pt x="212" y="72"/>
-                    </a:lnTo>
-                    <a:lnTo>
-                      <a:pt x="222" y="70"/>
-                    </a:lnTo>
-                    <a:lnTo>
-                      <a:pt x="222" y="70"/>
-                    </a:lnTo>
-                    <a:lnTo>
-                      <a:pt x="234" y="72"/>
-                    </a:lnTo>
-                    <a:lnTo>
-                      <a:pt x="242" y="78"/>
-                    </a:lnTo>
-                    <a:lnTo>
-                      <a:pt x="248" y="88"/>
-                    </a:lnTo>
-                    <a:lnTo>
-                      <a:pt x="250" y="98"/>
-                    </a:lnTo>
-                    <a:lnTo>
-                      <a:pt x="250" y="98"/>
-                    </a:lnTo>
-                    <a:lnTo>
-                      <a:pt x="248" y="108"/>
-                    </a:lnTo>
-                    <a:lnTo>
-                      <a:pt x="242" y="118"/>
-                    </a:lnTo>
-                    <a:lnTo>
-                      <a:pt x="234" y="124"/>
-                    </a:lnTo>
-                    <a:lnTo>
-                      <a:pt x="222" y="126"/>
-                    </a:lnTo>
-                    <a:lnTo>
-                      <a:pt x="222" y="126"/>
-                    </a:lnTo>
-                    <a:close/>
-                  </a:path>
-                </a:pathLst>
-              </a:custGeom>
-              <a:grpFill/>
-              <a:ln w="9525">
-                <a:noFill/>
-                <a:round/>
-                <a:headEnd/>
-                <a:tailEnd/>
-              </a:ln>
-            </p:spPr>
-            <p:txBody>
-              <a:bodyPr vert="horz" wrap="square" lIns="91440" tIns="45720" rIns="91440" bIns="45720" numCol="1" anchor="t" anchorCtr="0" compatLnSpc="1">
-                <a:prstTxWarp prst="textNoShape">
-                  <a:avLst/>
-                </a:prstTxWarp>
-              </a:bodyPr>
-              <a:lstStyle/>
-              <a:p>
-                <a:endParaRPr lang="zh-CN" altLang="en-US"/>
-              </a:p>
-            </p:txBody>
-          </p:sp>
-          <p:sp>
-            <p:nvSpPr>
-              <p:cNvPr id="28" name="Freeform 131"/>
-              <p:cNvSpPr>
-                <a:spLocks/>
-              </p:cNvSpPr>
-              <p:nvPr/>
-            </p:nvSpPr>
-            <p:spPr bwMode="auto">
-              <a:xfrm>
-                <a:off x="6405563" y="619125"/>
-                <a:ext cx="155575" cy="152400"/>
-              </a:xfrm>
-              <a:custGeom>
-                <a:avLst/>
-                <a:gdLst/>
-                <a:ahLst/>
-                <a:cxnLst>
-                  <a:cxn ang="0">
-                    <a:pos x="24" y="72"/>
-                  </a:cxn>
-                  <a:cxn ang="0">
-                    <a:pos x="24" y="72"/>
-                  </a:cxn>
-                  <a:cxn ang="0">
-                    <a:pos x="24" y="66"/>
-                  </a:cxn>
-                  <a:cxn ang="0">
-                    <a:pos x="26" y="50"/>
-                  </a:cxn>
-                  <a:cxn ang="0">
-                    <a:pos x="26" y="38"/>
-                  </a:cxn>
-                  <a:cxn ang="0">
-                    <a:pos x="30" y="28"/>
-                  </a:cxn>
-                  <a:cxn ang="0">
-                    <a:pos x="36" y="16"/>
-                  </a:cxn>
-                  <a:cxn ang="0">
-                    <a:pos x="42" y="6"/>
-                  </a:cxn>
-                  <a:cxn ang="0">
-                    <a:pos x="42" y="6"/>
-                  </a:cxn>
-                  <a:cxn ang="0">
-                    <a:pos x="38" y="0"/>
-                  </a:cxn>
-                  <a:cxn ang="0">
-                    <a:pos x="38" y="0"/>
-                  </a:cxn>
-                  <a:cxn ang="0">
-                    <a:pos x="28" y="8"/>
-                  </a:cxn>
-                  <a:cxn ang="0">
-                    <a:pos x="28" y="8"/>
-                  </a:cxn>
-                  <a:cxn ang="0">
-                    <a:pos x="18" y="20"/>
-                  </a:cxn>
-                  <a:cxn ang="0">
-                    <a:pos x="10" y="34"/>
-                  </a:cxn>
-                  <a:cxn ang="0">
-                    <a:pos x="6" y="50"/>
-                  </a:cxn>
-                  <a:cxn ang="0">
-                    <a:pos x="2" y="64"/>
-                  </a:cxn>
-                  <a:cxn ang="0">
-                    <a:pos x="0" y="88"/>
-                  </a:cxn>
-                  <a:cxn ang="0">
-                    <a:pos x="0" y="96"/>
-                  </a:cxn>
-                  <a:cxn ang="0">
-                    <a:pos x="0" y="96"/>
-                  </a:cxn>
-                  <a:cxn ang="0">
-                    <a:pos x="10" y="96"/>
-                  </a:cxn>
-                  <a:cxn ang="0">
-                    <a:pos x="32" y="94"/>
-                  </a:cxn>
-                  <a:cxn ang="0">
-                    <a:pos x="46" y="92"/>
-                  </a:cxn>
-                  <a:cxn ang="0">
-                    <a:pos x="62" y="86"/>
-                  </a:cxn>
-                  <a:cxn ang="0">
-                    <a:pos x="76" y="80"/>
-                  </a:cxn>
-                  <a:cxn ang="0">
-                    <a:pos x="90" y="68"/>
-                  </a:cxn>
-                  <a:cxn ang="0">
-                    <a:pos x="90" y="68"/>
-                  </a:cxn>
-                  <a:cxn ang="0">
-                    <a:pos x="98" y="58"/>
-                  </a:cxn>
-                  <a:cxn ang="0">
-                    <a:pos x="98" y="58"/>
-                  </a:cxn>
-                  <a:cxn ang="0">
-                    <a:pos x="90" y="54"/>
-                  </a:cxn>
-                  <a:cxn ang="0">
-                    <a:pos x="90" y="54"/>
-                  </a:cxn>
-                  <a:cxn ang="0">
-                    <a:pos x="80" y="62"/>
-                  </a:cxn>
-                  <a:cxn ang="0">
-                    <a:pos x="68" y="66"/>
-                  </a:cxn>
-                  <a:cxn ang="0">
-                    <a:pos x="58" y="70"/>
-                  </a:cxn>
-                  <a:cxn ang="0">
-                    <a:pos x="48" y="72"/>
-                  </a:cxn>
-                  <a:cxn ang="0">
-                    <a:pos x="30" y="72"/>
-                  </a:cxn>
-                  <a:cxn ang="0">
-                    <a:pos x="24" y="72"/>
-                  </a:cxn>
-                  <a:cxn ang="0">
-                    <a:pos x="24" y="72"/>
-                  </a:cxn>
-                </a:cxnLst>
-                <a:rect l="0" t="0" r="r" b="b"/>
-                <a:pathLst>
-                  <a:path w="98" h="96">
-                    <a:moveTo>
-                      <a:pt x="24" y="72"/>
-                    </a:moveTo>
-                    <a:lnTo>
-                      <a:pt x="24" y="72"/>
-                    </a:lnTo>
-                    <a:lnTo>
-                      <a:pt x="24" y="66"/>
-                    </a:lnTo>
-                    <a:lnTo>
-                      <a:pt x="26" y="50"/>
-                    </a:lnTo>
-                    <a:lnTo>
-                      <a:pt x="26" y="38"/>
-                    </a:lnTo>
-                    <a:lnTo>
-                      <a:pt x="30" y="28"/>
-                    </a:lnTo>
-                    <a:lnTo>
-                      <a:pt x="36" y="16"/>
-                    </a:lnTo>
-                    <a:lnTo>
-                      <a:pt x="42" y="6"/>
-                    </a:lnTo>
-                    <a:lnTo>
-                      <a:pt x="42" y="6"/>
-                    </a:lnTo>
-                    <a:lnTo>
-                      <a:pt x="38" y="0"/>
-                    </a:lnTo>
-                    <a:lnTo>
-                      <a:pt x="38" y="0"/>
-                    </a:lnTo>
-                    <a:lnTo>
-                      <a:pt x="28" y="8"/>
-                    </a:lnTo>
-                    <a:lnTo>
-                      <a:pt x="28" y="8"/>
-                    </a:lnTo>
-                    <a:lnTo>
-                      <a:pt x="18" y="20"/>
-                    </a:lnTo>
-                    <a:lnTo>
-                      <a:pt x="10" y="34"/>
-                    </a:lnTo>
-                    <a:lnTo>
-                      <a:pt x="6" y="50"/>
-                    </a:lnTo>
-                    <a:lnTo>
-                      <a:pt x="2" y="64"/>
-                    </a:lnTo>
-                    <a:lnTo>
-                      <a:pt x="0" y="88"/>
-                    </a:lnTo>
-                    <a:lnTo>
-                      <a:pt x="0" y="96"/>
-                    </a:lnTo>
-                    <a:lnTo>
-                      <a:pt x="0" y="96"/>
-                    </a:lnTo>
-                    <a:lnTo>
-                      <a:pt x="10" y="96"/>
-                    </a:lnTo>
-                    <a:lnTo>
-                      <a:pt x="32" y="94"/>
-                    </a:lnTo>
-                    <a:lnTo>
-                      <a:pt x="46" y="92"/>
-                    </a:lnTo>
-                    <a:lnTo>
-                      <a:pt x="62" y="86"/>
-                    </a:lnTo>
-                    <a:lnTo>
-                      <a:pt x="76" y="80"/>
-                    </a:lnTo>
-                    <a:lnTo>
-                      <a:pt x="90" y="68"/>
-                    </a:lnTo>
-                    <a:lnTo>
-                      <a:pt x="90" y="68"/>
-                    </a:lnTo>
-                    <a:lnTo>
-                      <a:pt x="98" y="58"/>
-                    </a:lnTo>
-                    <a:lnTo>
-                      <a:pt x="98" y="58"/>
-                    </a:lnTo>
-                    <a:lnTo>
-                      <a:pt x="90" y="54"/>
-                    </a:lnTo>
-                    <a:lnTo>
-                      <a:pt x="90" y="54"/>
-                    </a:lnTo>
-                    <a:lnTo>
-                      <a:pt x="80" y="62"/>
-                    </a:lnTo>
-                    <a:lnTo>
-                      <a:pt x="68" y="66"/>
-                    </a:lnTo>
-                    <a:lnTo>
-                      <a:pt x="58" y="70"/>
-                    </a:lnTo>
-                    <a:lnTo>
-                      <a:pt x="48" y="72"/>
-                    </a:lnTo>
-                    <a:lnTo>
-                      <a:pt x="30" y="72"/>
-                    </a:lnTo>
-                    <a:lnTo>
-                      <a:pt x="24" y="72"/>
-                    </a:lnTo>
-                    <a:lnTo>
-                      <a:pt x="24" y="72"/>
-                    </a:lnTo>
-                    <a:close/>
-                  </a:path>
-                </a:pathLst>
-              </a:custGeom>
-              <a:grpFill/>
-              <a:ln w="9525">
-                <a:noFill/>
-                <a:round/>
-                <a:headEnd/>
-                <a:tailEnd/>
-              </a:ln>
-            </p:spPr>
-            <p:txBody>
-              <a:bodyPr vert="horz" wrap="square" lIns="91440" tIns="45720" rIns="91440" bIns="45720" numCol="1" anchor="t" anchorCtr="0" compatLnSpc="1">
-                <a:prstTxWarp prst="textNoShape">
-                  <a:avLst/>
-                </a:prstTxWarp>
-              </a:bodyPr>
-              <a:lstStyle/>
-              <a:p>
-                <a:endParaRPr lang="zh-CN" altLang="en-US"/>
-              </a:p>
-            </p:txBody>
-          </p:sp>
-        </p:grpSp>
-        <p:sp>
-          <p:nvSpPr>
-            <p:cNvPr id="26" name="椭圆 37"/>
-            <p:cNvSpPr/>
-            <p:nvPr/>
-          </p:nvSpPr>
-          <p:spPr>
-            <a:xfrm>
-              <a:off x="287565" y="3090648"/>
-              <a:ext cx="720884" cy="720884"/>
-            </a:xfrm>
-            <a:prstGeom prst="ellipse">
-              <a:avLst/>
-            </a:prstGeom>
-            <a:noFill/>
-            <a:ln w="19050" cap="rnd">
-              <a:solidFill>
-                <a:schemeClr val="bg1"/>
-              </a:solidFill>
-              <a:prstDash val="sysDot"/>
-            </a:ln>
-          </p:spPr>
-          <p:style>
-            <a:lnRef idx="2">
-              <a:schemeClr val="accent1">
-                <a:shade val="50000"/>
-              </a:schemeClr>
-            </a:lnRef>
-            <a:fillRef idx="1">
-              <a:schemeClr val="accent1"/>
-            </a:fillRef>
-            <a:effectRef idx="0">
-              <a:schemeClr val="accent1"/>
-            </a:effectRef>
-            <a:fontRef idx="minor">
-              <a:schemeClr val="lt1"/>
-            </a:fontRef>
-          </p:style>
-          <p:txBody>
-            <a:bodyPr anchor="ctr"/>
-            <a:lstStyle/>
-            <a:p>
-              <a:pPr algn="ctr" defTabSz="914400">
-                <a:defRPr/>
-              </a:pPr>
-              <a:endParaRPr lang="zh-CN" altLang="en-US" sz="2800" dirty="0">
-                <a:solidFill>
-                  <a:srgbClr val="FFFFFF"/>
-                </a:solidFill>
-                <a:latin typeface="Bauhaus 93" pitchFamily="82" charset="0"/>
-              </a:endParaRPr>
-            </a:p>
-          </p:txBody>
-        </p:sp>
-      </p:grpSp>
-    </p:spTree>
-    <p:extLst>
-      <p:ext uri="{BB962C8B-B14F-4D97-AF65-F5344CB8AC3E}">
-        <p14:creationId xmlns:p14="http://schemas.microsoft.com/office/powerpoint/2010/main" val="880785354"/>
       </p:ext>
     </p:extLst>
   </p:cSld>
